--- a/Week2/Week2.pptx
+++ b/Week2/Week2.pptx
@@ -1,39 +1,39 @@
 
 <file path=ppt/presentation.xml><?xml version="1.0" encoding="utf-8"?>
-<p:presentation xmlns:a="http://schemas.openxmlformats.org/drawingml/2006/main" xmlns:r="http://schemas.openxmlformats.org/officeDocument/2006/relationships" xmlns:mc="http://schemas.openxmlformats.org/markup-compatibility/2006" xmlns:mv="urn:schemas-microsoft-com:mac:vml" xmlns:p="http://schemas.openxmlformats.org/presentationml/2006/main" xmlns:c="http://schemas.openxmlformats.org/drawingml/2006/chart" xmlns:dgm="http://schemas.openxmlformats.org/drawingml/2006/diagram" xmlns:o="urn:schemas-microsoft-com:office:office" xmlns:v="urn:schemas-microsoft-com:vml" xmlns:pvml="urn:schemas-microsoft-com:office:powerpoint" xmlns:com="http://schemas.openxmlformats.org/drawingml/2006/compatibility" xmlns:p14="http://schemas.microsoft.com/office/powerpoint/2010/main" autoCompressPictures="0" embedTrueTypeFonts="1" strictFirstAndLastChars="0" saveSubsetFonts="1">
+<p:presentation xmlns:a="http://schemas.openxmlformats.org/drawingml/2006/main" xmlns:r="http://schemas.openxmlformats.org/officeDocument/2006/relationships" xmlns:p="http://schemas.openxmlformats.org/presentationml/2006/main" strictFirstAndLastChars="0" embedTrueTypeFonts="1" saveSubsetFonts="1" autoCompressPictures="0">
   <p:sldMasterIdLst>
-    <p:sldMasterId id="2147483670" r:id="rId3"/>
-    <p:sldMasterId id="2147483671" r:id="rId4"/>
+    <p:sldMasterId id="2147483670" r:id="rId1"/>
+    <p:sldMasterId id="2147483671" r:id="rId2"/>
   </p:sldMasterIdLst>
   <p:notesMasterIdLst>
-    <p:notesMasterId r:id="rId5"/>
+    <p:notesMasterId r:id="rId14"/>
   </p:notesMasterIdLst>
   <p:sldIdLst>
-    <p:sldId id="256" r:id="rId6"/>
-    <p:sldId id="257" r:id="rId7"/>
-    <p:sldId id="258" r:id="rId8"/>
-    <p:sldId id="259" r:id="rId9"/>
-    <p:sldId id="260" r:id="rId10"/>
-    <p:sldId id="261" r:id="rId11"/>
-    <p:sldId id="262" r:id="rId12"/>
-    <p:sldId id="263" r:id="rId13"/>
-    <p:sldId id="264" r:id="rId14"/>
-    <p:sldId id="265" r:id="rId15"/>
-    <p:sldId id="266" r:id="rId16"/>
+    <p:sldId id="256" r:id="rId3"/>
+    <p:sldId id="257" r:id="rId4"/>
+    <p:sldId id="258" r:id="rId5"/>
+    <p:sldId id="259" r:id="rId6"/>
+    <p:sldId id="260" r:id="rId7"/>
+    <p:sldId id="261" r:id="rId8"/>
+    <p:sldId id="262" r:id="rId9"/>
+    <p:sldId id="263" r:id="rId10"/>
+    <p:sldId id="264" r:id="rId11"/>
+    <p:sldId id="265" r:id="rId12"/>
+    <p:sldId id="266" r:id="rId13"/>
   </p:sldIdLst>
-  <p:sldSz cy="5143500" cx="9144000"/>
+  <p:sldSz cx="9144000" cy="5143500" type="screen16x9"/>
   <p:notesSz cx="6858000" cy="9144000"/>
   <p:embeddedFontLst>
     <p:embeddedFont>
-      <p:font typeface="Roboto"/>
-      <p:regular r:id="rId17"/>
-      <p:bold r:id="rId18"/>
-      <p:italic r:id="rId19"/>
-      <p:boldItalic r:id="rId20"/>
+      <p:font typeface="Roboto" panose="020B0604020202020204" charset="0"/>
+      <p:regular r:id="rId15"/>
+      <p:bold r:id="rId16"/>
+      <p:italic r:id="rId17"/>
+      <p:boldItalic r:id="rId18"/>
     </p:embeddedFont>
   </p:embeddedFontLst>
   <p:defaultTextStyle>
-    <a:defPPr lvl="0" marR="0" rtl="0" algn="l">
+    <a:defPPr marR="0" lvl="0" algn="l" rtl="0">
       <a:lnSpc>
         <a:spcPct val="100000"/>
       </a:lnSpc>
@@ -44,7 +44,7 @@
         <a:spcPts val="0"/>
       </a:spcAft>
     </a:defPPr>
-    <a:lvl1pPr lvl="0" marR="0" rtl="0" algn="l">
+    <a:lvl1pPr marR="0" lvl="0" algn="l" rtl="0">
       <a:lnSpc>
         <a:spcPct val="100000"/>
       </a:lnSpc>
@@ -55,7 +55,7 @@
         <a:spcPts val="0"/>
       </a:spcAft>
       <a:buNone/>
-      <a:defRPr b="0" i="0" sz="1400" u="none" cap="none" strike="noStrike">
+      <a:defRPr sz="1400" b="0" i="0" u="none" strike="noStrike" cap="none">
         <a:solidFill>
           <a:srgbClr val="000000"/>
         </a:solidFill>
@@ -65,7 +65,7 @@
         <a:sym typeface="Arial"/>
       </a:defRPr>
     </a:lvl1pPr>
-    <a:lvl2pPr lvl="1" marR="0" rtl="0" algn="l">
+    <a:lvl2pPr marR="0" lvl="1" algn="l" rtl="0">
       <a:lnSpc>
         <a:spcPct val="100000"/>
       </a:lnSpc>
@@ -76,7 +76,7 @@
         <a:spcPts val="0"/>
       </a:spcAft>
       <a:buNone/>
-      <a:defRPr b="0" i="0" sz="1400" u="none" cap="none" strike="noStrike">
+      <a:defRPr sz="1400" b="0" i="0" u="none" strike="noStrike" cap="none">
         <a:solidFill>
           <a:srgbClr val="000000"/>
         </a:solidFill>
@@ -86,7 +86,7 @@
         <a:sym typeface="Arial"/>
       </a:defRPr>
     </a:lvl2pPr>
-    <a:lvl3pPr lvl="2" marR="0" rtl="0" algn="l">
+    <a:lvl3pPr marR="0" lvl="2" algn="l" rtl="0">
       <a:lnSpc>
         <a:spcPct val="100000"/>
       </a:lnSpc>
@@ -97,7 +97,7 @@
         <a:spcPts val="0"/>
       </a:spcAft>
       <a:buNone/>
-      <a:defRPr b="0" i="0" sz="1400" u="none" cap="none" strike="noStrike">
+      <a:defRPr sz="1400" b="0" i="0" u="none" strike="noStrike" cap="none">
         <a:solidFill>
           <a:srgbClr val="000000"/>
         </a:solidFill>
@@ -107,7 +107,7 @@
         <a:sym typeface="Arial"/>
       </a:defRPr>
     </a:lvl3pPr>
-    <a:lvl4pPr lvl="3" marR="0" rtl="0" algn="l">
+    <a:lvl4pPr marR="0" lvl="3" algn="l" rtl="0">
       <a:lnSpc>
         <a:spcPct val="100000"/>
       </a:lnSpc>
@@ -118,7 +118,7 @@
         <a:spcPts val="0"/>
       </a:spcAft>
       <a:buNone/>
-      <a:defRPr b="0" i="0" sz="1400" u="none" cap="none" strike="noStrike">
+      <a:defRPr sz="1400" b="0" i="0" u="none" strike="noStrike" cap="none">
         <a:solidFill>
           <a:srgbClr val="000000"/>
         </a:solidFill>
@@ -128,7 +128,7 @@
         <a:sym typeface="Arial"/>
       </a:defRPr>
     </a:lvl4pPr>
-    <a:lvl5pPr lvl="4" marR="0" rtl="0" algn="l">
+    <a:lvl5pPr marR="0" lvl="4" algn="l" rtl="0">
       <a:lnSpc>
         <a:spcPct val="100000"/>
       </a:lnSpc>
@@ -139,7 +139,7 @@
         <a:spcPts val="0"/>
       </a:spcAft>
       <a:buNone/>
-      <a:defRPr b="0" i="0" sz="1400" u="none" cap="none" strike="noStrike">
+      <a:defRPr sz="1400" b="0" i="0" u="none" strike="noStrike" cap="none">
         <a:solidFill>
           <a:srgbClr val="000000"/>
         </a:solidFill>
@@ -149,7 +149,7 @@
         <a:sym typeface="Arial"/>
       </a:defRPr>
     </a:lvl5pPr>
-    <a:lvl6pPr lvl="5" marR="0" rtl="0" algn="l">
+    <a:lvl6pPr marR="0" lvl="5" algn="l" rtl="0">
       <a:lnSpc>
         <a:spcPct val="100000"/>
       </a:lnSpc>
@@ -160,7 +160,7 @@
         <a:spcPts val="0"/>
       </a:spcAft>
       <a:buNone/>
-      <a:defRPr b="0" i="0" sz="1400" u="none" cap="none" strike="noStrike">
+      <a:defRPr sz="1400" b="0" i="0" u="none" strike="noStrike" cap="none">
         <a:solidFill>
           <a:srgbClr val="000000"/>
         </a:solidFill>
@@ -170,7 +170,7 @@
         <a:sym typeface="Arial"/>
       </a:defRPr>
     </a:lvl6pPr>
-    <a:lvl7pPr lvl="6" marR="0" rtl="0" algn="l">
+    <a:lvl7pPr marR="0" lvl="6" algn="l" rtl="0">
       <a:lnSpc>
         <a:spcPct val="100000"/>
       </a:lnSpc>
@@ -181,7 +181,7 @@
         <a:spcPts val="0"/>
       </a:spcAft>
       <a:buNone/>
-      <a:defRPr b="0" i="0" sz="1400" u="none" cap="none" strike="noStrike">
+      <a:defRPr sz="1400" b="0" i="0" u="none" strike="noStrike" cap="none">
         <a:solidFill>
           <a:srgbClr val="000000"/>
         </a:solidFill>
@@ -191,7 +191,7 @@
         <a:sym typeface="Arial"/>
       </a:defRPr>
     </a:lvl7pPr>
-    <a:lvl8pPr lvl="7" marR="0" rtl="0" algn="l">
+    <a:lvl8pPr marR="0" lvl="7" algn="l" rtl="0">
       <a:lnSpc>
         <a:spcPct val="100000"/>
       </a:lnSpc>
@@ -202,7 +202,7 @@
         <a:spcPts val="0"/>
       </a:spcAft>
       <a:buNone/>
-      <a:defRPr b="0" i="0" sz="1400" u="none" cap="none" strike="noStrike">
+      <a:defRPr sz="1400" b="0" i="0" u="none" strike="noStrike" cap="none">
         <a:solidFill>
           <a:srgbClr val="000000"/>
         </a:solidFill>
@@ -212,7 +212,7 @@
         <a:sym typeface="Arial"/>
       </a:defRPr>
     </a:lvl8pPr>
-    <a:lvl9pPr lvl="8" marR="0" rtl="0" algn="l">
+    <a:lvl9pPr marR="0" lvl="8" algn="l" rtl="0">
       <a:lnSpc>
         <a:spcPct val="100000"/>
       </a:lnSpc>
@@ -223,7 +223,7 @@
         <a:spcPts val="0"/>
       </a:spcAft>
       <a:buNone/>
-      <a:defRPr b="0" i="0" sz="1400" u="none" cap="none" strike="noStrike">
+      <a:defRPr sz="1400" b="0" i="0" u="none" strike="noStrike" cap="none">
         <a:solidFill>
           <a:srgbClr val="000000"/>
         </a:solidFill>
@@ -238,11 +238,16 @@
 </file>
 
 <file path=ppt/notesMasters/notesMaster1.xml><?xml version="1.0" encoding="utf-8"?>
-<p:notesMaster xmlns:a="http://schemas.openxmlformats.org/drawingml/2006/main" xmlns:r="http://schemas.openxmlformats.org/officeDocument/2006/relationships" xmlns:mc="http://schemas.openxmlformats.org/markup-compatibility/2006" xmlns:mv="urn:schemas-microsoft-com:mac:vml" xmlns:p="http://schemas.openxmlformats.org/presentationml/2006/main" xmlns:c="http://schemas.openxmlformats.org/drawingml/2006/chart" xmlns:dgm="http://schemas.openxmlformats.org/drawingml/2006/diagram" xmlns:o="urn:schemas-microsoft-com:office:office" xmlns:v="urn:schemas-microsoft-com:vml" xmlns:pvml="urn:schemas-microsoft-com:office:powerpoint" xmlns:com="http://schemas.openxmlformats.org/drawingml/2006/compatibility" xmlns:p14="http://schemas.microsoft.com/office/powerpoint/2010/main">
+<p:notesMaster xmlns:a="http://schemas.openxmlformats.org/drawingml/2006/main" xmlns:r="http://schemas.openxmlformats.org/officeDocument/2006/relationships" xmlns:p="http://schemas.openxmlformats.org/presentationml/2006/main">
   <p:cSld>
+    <p:bg>
+      <p:bgRef idx="1001">
+        <a:schemeClr val="bg1"/>
+      </p:bgRef>
+    </p:bg>
     <p:spTree>
       <p:nvGrpSpPr>
-        <p:cNvPr id="2" name="Shape 2"/>
+        <p:cNvPr id="1" name="Shape 2"/>
         <p:cNvGrpSpPr/>
         <p:nvPr/>
       </p:nvGrpSpPr>
@@ -257,9 +262,11 @@
       <p:sp>
         <p:nvSpPr>
           <p:cNvPr id="3" name="Shape 3"/>
-          <p:cNvSpPr/>
+          <p:cNvSpPr>
+            <a:spLocks noGrp="1" noRot="1" noChangeAspect="1"/>
+          </p:cNvSpPr>
           <p:nvPr>
-            <p:ph idx="2" type="sldImg"/>
+            <p:ph type="sldImg" idx="2"/>
           </p:nvPr>
         </p:nvSpPr>
         <p:spPr>
@@ -268,8 +275,13 @@
             <a:ext cx="6096075" cy="3429000"/>
           </a:xfrm>
           <a:custGeom>
+            <a:avLst/>
+            <a:gdLst/>
+            <a:ahLst/>
+            <a:cxnLst/>
+            <a:rect l="0" t="0" r="0" b="0"/>
             <a:pathLst>
-              <a:path extrusionOk="0" h="120000" w="120000">
+              <a:path w="120000" h="120000" extrusionOk="0">
                 <a:moveTo>
                   <a:pt x="0" y="0"/>
                 </a:moveTo>
@@ -287,23 +299,25 @@
             </a:pathLst>
           </a:custGeom>
           <a:noFill/>
-          <a:ln cap="flat" cmpd="sng" w="9525">
+          <a:ln w="9525" cap="flat" cmpd="sng">
             <a:solidFill>
               <a:srgbClr val="000000"/>
             </a:solidFill>
             <a:prstDash val="solid"/>
             <a:round/>
-            <a:headEnd len="med" w="med" type="none"/>
-            <a:tailEnd len="med" w="med" type="none"/>
+            <a:headEnd type="none" w="med" len="med"/>
+            <a:tailEnd type="none" w="med" len="med"/>
           </a:ln>
         </p:spPr>
       </p:sp>
       <p:sp>
         <p:nvSpPr>
           <p:cNvPr id="4" name="Shape 4"/>
-          <p:cNvSpPr txBox="1"/>
+          <p:cNvSpPr txBox="1">
+            <a:spLocks noGrp="1"/>
+          </p:cNvSpPr>
           <p:nvPr>
-            <p:ph idx="1" type="body"/>
+            <p:ph type="body" idx="1"/>
           </p:nvPr>
         </p:nvSpPr>
         <p:spPr>
@@ -320,7 +334,7 @@
           </a:ln>
         </p:spPr>
         <p:txBody>
-          <a:bodyPr anchorCtr="0" anchor="t" bIns="91425" lIns="91425" rIns="91425" tIns="91425"/>
+          <a:bodyPr lIns="91425" tIns="91425" rIns="91425" bIns="91425" anchor="t" anchorCtr="0"/>
           <a:lstStyle>
             <a:lvl1pPr lvl="0">
               <a:spcBef>
@@ -377,21 +391,120 @@
               <a:defRPr sz="1100"/>
             </a:lvl9pPr>
           </a:lstStyle>
-          <a:p/>
+          <a:p>
+            <a:endParaRPr/>
+          </a:p>
         </p:txBody>
       </p:sp>
     </p:spTree>
+    <p:extLst>
+      <p:ext uri="{BB962C8B-B14F-4D97-AF65-F5344CB8AC3E}">
+        <p14:creationId xmlns:p14="http://schemas.microsoft.com/office/powerpoint/2010/main" val="1275013693"/>
+      </p:ext>
+    </p:extLst>
   </p:cSld>
-  <p:clrMap accent1="accent1" accent2="accent2" accent3="accent3" accent4="accent4" accent5="accent5" accent6="accent6" bg1="lt1" bg2="dk2" tx1="dk1" tx2="lt2" folHlink="folHlink" hlink="hlink"/>
+  <p:clrMap bg1="lt1" tx1="dk1" bg2="dk2" tx2="lt2" accent1="accent1" accent2="accent2" accent3="accent3" accent4="accent4" accent5="accent5" accent6="accent6" hlink="hlink" folHlink="folHlink"/>
+  <p:notesStyle>
+    <a:lvl1pPr marL="0" algn="l" defTabSz="914400" rtl="0" eaLnBrk="1" latinLnBrk="0" hangingPunct="1">
+      <a:defRPr sz="1200" kern="1200">
+        <a:solidFill>
+          <a:schemeClr val="tx1"/>
+        </a:solidFill>
+        <a:latin typeface="+mn-lt"/>
+        <a:ea typeface="+mn-ea"/>
+        <a:cs typeface="+mn-cs"/>
+      </a:defRPr>
+    </a:lvl1pPr>
+    <a:lvl2pPr marL="457200" algn="l" defTabSz="914400" rtl="0" eaLnBrk="1" latinLnBrk="0" hangingPunct="1">
+      <a:defRPr sz="1200" kern="1200">
+        <a:solidFill>
+          <a:schemeClr val="tx1"/>
+        </a:solidFill>
+        <a:latin typeface="+mn-lt"/>
+        <a:ea typeface="+mn-ea"/>
+        <a:cs typeface="+mn-cs"/>
+      </a:defRPr>
+    </a:lvl2pPr>
+    <a:lvl3pPr marL="914400" algn="l" defTabSz="914400" rtl="0" eaLnBrk="1" latinLnBrk="0" hangingPunct="1">
+      <a:defRPr sz="1200" kern="1200">
+        <a:solidFill>
+          <a:schemeClr val="tx1"/>
+        </a:solidFill>
+        <a:latin typeface="+mn-lt"/>
+        <a:ea typeface="+mn-ea"/>
+        <a:cs typeface="+mn-cs"/>
+      </a:defRPr>
+    </a:lvl3pPr>
+    <a:lvl4pPr marL="1371600" algn="l" defTabSz="914400" rtl="0" eaLnBrk="1" latinLnBrk="0" hangingPunct="1">
+      <a:defRPr sz="1200" kern="1200">
+        <a:solidFill>
+          <a:schemeClr val="tx1"/>
+        </a:solidFill>
+        <a:latin typeface="+mn-lt"/>
+        <a:ea typeface="+mn-ea"/>
+        <a:cs typeface="+mn-cs"/>
+      </a:defRPr>
+    </a:lvl4pPr>
+    <a:lvl5pPr marL="1828800" algn="l" defTabSz="914400" rtl="0" eaLnBrk="1" latinLnBrk="0" hangingPunct="1">
+      <a:defRPr sz="1200" kern="1200">
+        <a:solidFill>
+          <a:schemeClr val="tx1"/>
+        </a:solidFill>
+        <a:latin typeface="+mn-lt"/>
+        <a:ea typeface="+mn-ea"/>
+        <a:cs typeface="+mn-cs"/>
+      </a:defRPr>
+    </a:lvl5pPr>
+    <a:lvl6pPr marL="2286000" algn="l" defTabSz="914400" rtl="0" eaLnBrk="1" latinLnBrk="0" hangingPunct="1">
+      <a:defRPr sz="1200" kern="1200">
+        <a:solidFill>
+          <a:schemeClr val="tx1"/>
+        </a:solidFill>
+        <a:latin typeface="+mn-lt"/>
+        <a:ea typeface="+mn-ea"/>
+        <a:cs typeface="+mn-cs"/>
+      </a:defRPr>
+    </a:lvl6pPr>
+    <a:lvl7pPr marL="2743200" algn="l" defTabSz="914400" rtl="0" eaLnBrk="1" latinLnBrk="0" hangingPunct="1">
+      <a:defRPr sz="1200" kern="1200">
+        <a:solidFill>
+          <a:schemeClr val="tx1"/>
+        </a:solidFill>
+        <a:latin typeface="+mn-lt"/>
+        <a:ea typeface="+mn-ea"/>
+        <a:cs typeface="+mn-cs"/>
+      </a:defRPr>
+    </a:lvl7pPr>
+    <a:lvl8pPr marL="3200400" algn="l" defTabSz="914400" rtl="0" eaLnBrk="1" latinLnBrk="0" hangingPunct="1">
+      <a:defRPr sz="1200" kern="1200">
+        <a:solidFill>
+          <a:schemeClr val="tx1"/>
+        </a:solidFill>
+        <a:latin typeface="+mn-lt"/>
+        <a:ea typeface="+mn-ea"/>
+        <a:cs typeface="+mn-cs"/>
+      </a:defRPr>
+    </a:lvl8pPr>
+    <a:lvl9pPr marL="3657600" algn="l" defTabSz="914400" rtl="0" eaLnBrk="1" latinLnBrk="0" hangingPunct="1">
+      <a:defRPr sz="1200" kern="1200">
+        <a:solidFill>
+          <a:schemeClr val="tx1"/>
+        </a:solidFill>
+        <a:latin typeface="+mn-lt"/>
+        <a:ea typeface="+mn-ea"/>
+        <a:cs typeface="+mn-cs"/>
+      </a:defRPr>
+    </a:lvl9pPr>
+  </p:notesStyle>
 </p:notesMaster>
 </file>
 
 <file path=ppt/notesSlides/notesSlide1.xml><?xml version="1.0" encoding="utf-8"?>
-<p:notes xmlns:a="http://schemas.openxmlformats.org/drawingml/2006/main" xmlns:r="http://schemas.openxmlformats.org/officeDocument/2006/relationships" xmlns:mc="http://schemas.openxmlformats.org/markup-compatibility/2006" xmlns:mv="urn:schemas-microsoft-com:mac:vml" xmlns:p="http://schemas.openxmlformats.org/presentationml/2006/main" xmlns:c="http://schemas.openxmlformats.org/drawingml/2006/chart" xmlns:dgm="http://schemas.openxmlformats.org/drawingml/2006/diagram" xmlns:o="urn:schemas-microsoft-com:office:office" xmlns:v="urn:schemas-microsoft-com:vml" xmlns:pvml="urn:schemas-microsoft-com:office:powerpoint" xmlns:com="http://schemas.openxmlformats.org/drawingml/2006/compatibility" xmlns:p14="http://schemas.microsoft.com/office/powerpoint/2010/main" showMasterPhAnim="0" showMasterSp="0">
+<p:notes xmlns:a="http://schemas.openxmlformats.org/drawingml/2006/main" xmlns:r="http://schemas.openxmlformats.org/officeDocument/2006/relationships" xmlns:p="http://schemas.openxmlformats.org/presentationml/2006/main" showMasterSp="0" showMasterPhAnim="0">
   <p:cSld>
     <p:spTree>
       <p:nvGrpSpPr>
-        <p:cNvPr id="126" name="Shape 126"/>
+        <p:cNvPr id="1" name="Shape 126"/>
         <p:cNvGrpSpPr/>
         <p:nvPr/>
       </p:nvGrpSpPr>
@@ -406,19 +519,26 @@
       <p:sp>
         <p:nvSpPr>
           <p:cNvPr id="127" name="Shape 127"/>
-          <p:cNvSpPr/>
+          <p:cNvSpPr>
+            <a:spLocks noGrp="1" noRot="1" noChangeAspect="1"/>
+          </p:cNvSpPr>
           <p:nvPr>
-            <p:ph idx="2" type="sldImg"/>
+            <p:ph type="sldImg" idx="2"/>
           </p:nvPr>
         </p:nvSpPr>
         <p:spPr>
           <a:xfrm>
-            <a:off x="381300" y="685800"/>
+            <a:off x="381000" y="685800"/>
             <a:ext cx="6096000" cy="3429000"/>
           </a:xfrm>
           <a:custGeom>
+            <a:avLst/>
+            <a:gdLst/>
+            <a:ahLst/>
+            <a:cxnLst/>
+            <a:rect l="0" t="0" r="0" b="0"/>
             <a:pathLst>
-              <a:path extrusionOk="0" h="120000" w="120000">
+              <a:path w="120000" h="120000" extrusionOk="0">
                 <a:moveTo>
                   <a:pt x="0" y="0"/>
                 </a:moveTo>
@@ -440,9 +560,11 @@
       <p:sp>
         <p:nvSpPr>
           <p:cNvPr id="128" name="Shape 128"/>
-          <p:cNvSpPr txBox="1"/>
+          <p:cNvSpPr txBox="1">
+            <a:spLocks noGrp="1"/>
+          </p:cNvSpPr>
           <p:nvPr>
-            <p:ph idx="1" type="body"/>
+            <p:ph type="body" idx="1"/>
           </p:nvPr>
         </p:nvSpPr>
         <p:spPr>
@@ -455,7 +577,7 @@
           </a:prstGeom>
         </p:spPr>
         <p:txBody>
-          <a:bodyPr anchorCtr="0" anchor="t" bIns="91425" lIns="91425" rIns="91425" tIns="91425">
+          <a:bodyPr lIns="91425" tIns="91425" rIns="91425" bIns="91425" anchor="t" anchorCtr="0">
             <a:noAutofit/>
           </a:bodyPr>
           <a:lstStyle/>
@@ -466,9 +588,6 @@
               </a:spcBef>
               <a:buNone/>
             </a:pPr>
-            <a:r>
-              <a:t/>
-            </a:r>
             <a:endParaRPr/>
           </a:p>
         </p:txBody>
@@ -482,11 +601,11 @@
 </file>
 
 <file path=ppt/notesSlides/notesSlide10.xml><?xml version="1.0" encoding="utf-8"?>
-<p:notes xmlns:a="http://schemas.openxmlformats.org/drawingml/2006/main" xmlns:r="http://schemas.openxmlformats.org/officeDocument/2006/relationships" xmlns:mc="http://schemas.openxmlformats.org/markup-compatibility/2006" xmlns:mv="urn:schemas-microsoft-com:mac:vml" xmlns:p="http://schemas.openxmlformats.org/presentationml/2006/main" xmlns:c="http://schemas.openxmlformats.org/drawingml/2006/chart" xmlns:dgm="http://schemas.openxmlformats.org/drawingml/2006/diagram" xmlns:o="urn:schemas-microsoft-com:office:office" xmlns:v="urn:schemas-microsoft-com:vml" xmlns:pvml="urn:schemas-microsoft-com:office:powerpoint" xmlns:com="http://schemas.openxmlformats.org/drawingml/2006/compatibility" xmlns:p14="http://schemas.microsoft.com/office/powerpoint/2010/main" showMasterPhAnim="0" showMasterSp="0">
+<p:notes xmlns:a="http://schemas.openxmlformats.org/drawingml/2006/main" xmlns:r="http://schemas.openxmlformats.org/officeDocument/2006/relationships" xmlns:p="http://schemas.openxmlformats.org/presentationml/2006/main" showMasterSp="0" showMasterPhAnim="0">
   <p:cSld>
     <p:spTree>
       <p:nvGrpSpPr>
-        <p:cNvPr id="183" name="Shape 183"/>
+        <p:cNvPr id="1" name="Shape 183"/>
         <p:cNvGrpSpPr/>
         <p:nvPr/>
       </p:nvGrpSpPr>
@@ -501,19 +620,26 @@
       <p:sp>
         <p:nvSpPr>
           <p:cNvPr id="184" name="Shape 184"/>
-          <p:cNvSpPr/>
+          <p:cNvSpPr>
+            <a:spLocks noGrp="1" noRot="1" noChangeAspect="1"/>
+          </p:cNvSpPr>
           <p:nvPr>
-            <p:ph idx="2" type="sldImg"/>
+            <p:ph type="sldImg" idx="2"/>
           </p:nvPr>
         </p:nvSpPr>
         <p:spPr>
           <a:xfrm>
-            <a:off x="381300" y="685800"/>
+            <a:off x="381000" y="685800"/>
             <a:ext cx="6096000" cy="3429000"/>
           </a:xfrm>
           <a:custGeom>
+            <a:avLst/>
+            <a:gdLst/>
+            <a:ahLst/>
+            <a:cxnLst/>
+            <a:rect l="0" t="0" r="0" b="0"/>
             <a:pathLst>
-              <a:path extrusionOk="0" h="120000" w="120000">
+              <a:path w="120000" h="120000" extrusionOk="0">
                 <a:moveTo>
                   <a:pt x="0" y="0"/>
                 </a:moveTo>
@@ -535,9 +661,11 @@
       <p:sp>
         <p:nvSpPr>
           <p:cNvPr id="185" name="Shape 185"/>
-          <p:cNvSpPr txBox="1"/>
+          <p:cNvSpPr txBox="1">
+            <a:spLocks noGrp="1"/>
+          </p:cNvSpPr>
           <p:nvPr>
-            <p:ph idx="1" type="body"/>
+            <p:ph type="body" idx="1"/>
           </p:nvPr>
         </p:nvSpPr>
         <p:spPr>
@@ -550,7 +678,7 @@
           </a:prstGeom>
         </p:spPr>
         <p:txBody>
-          <a:bodyPr anchorCtr="0" anchor="t" bIns="91425" lIns="91425" rIns="91425" tIns="91425">
+          <a:bodyPr lIns="91425" tIns="91425" rIns="91425" bIns="91425" anchor="t" anchorCtr="0">
             <a:noAutofit/>
           </a:bodyPr>
           <a:lstStyle/>
@@ -561,9 +689,6 @@
               </a:spcBef>
               <a:buNone/>
             </a:pPr>
-            <a:r>
-              <a:t/>
-            </a:r>
             <a:endParaRPr/>
           </a:p>
         </p:txBody>
@@ -577,11 +702,11 @@
 </file>
 
 <file path=ppt/notesSlides/notesSlide11.xml><?xml version="1.0" encoding="utf-8"?>
-<p:notes xmlns:a="http://schemas.openxmlformats.org/drawingml/2006/main" xmlns:r="http://schemas.openxmlformats.org/officeDocument/2006/relationships" xmlns:mc="http://schemas.openxmlformats.org/markup-compatibility/2006" xmlns:mv="urn:schemas-microsoft-com:mac:vml" xmlns:p="http://schemas.openxmlformats.org/presentationml/2006/main" xmlns:c="http://schemas.openxmlformats.org/drawingml/2006/chart" xmlns:dgm="http://schemas.openxmlformats.org/drawingml/2006/diagram" xmlns:o="urn:schemas-microsoft-com:office:office" xmlns:v="urn:schemas-microsoft-com:vml" xmlns:pvml="urn:schemas-microsoft-com:office:powerpoint" xmlns:com="http://schemas.openxmlformats.org/drawingml/2006/compatibility" xmlns:p14="http://schemas.microsoft.com/office/powerpoint/2010/main" showMasterPhAnim="0" showMasterSp="0">
+<p:notes xmlns:a="http://schemas.openxmlformats.org/drawingml/2006/main" xmlns:r="http://schemas.openxmlformats.org/officeDocument/2006/relationships" xmlns:p="http://schemas.openxmlformats.org/presentationml/2006/main" showMasterSp="0" showMasterPhAnim="0">
   <p:cSld>
     <p:spTree>
       <p:nvGrpSpPr>
-        <p:cNvPr id="189" name="Shape 189"/>
+        <p:cNvPr id="1" name="Shape 189"/>
         <p:cNvGrpSpPr/>
         <p:nvPr/>
       </p:nvGrpSpPr>
@@ -596,19 +721,26 @@
       <p:sp>
         <p:nvSpPr>
           <p:cNvPr id="190" name="Shape 190"/>
-          <p:cNvSpPr/>
+          <p:cNvSpPr>
+            <a:spLocks noGrp="1" noRot="1" noChangeAspect="1"/>
+          </p:cNvSpPr>
           <p:nvPr>
-            <p:ph idx="2" type="sldImg"/>
+            <p:ph type="sldImg" idx="2"/>
           </p:nvPr>
         </p:nvSpPr>
         <p:spPr>
           <a:xfrm>
-            <a:off x="381300" y="685800"/>
+            <a:off x="381000" y="685800"/>
             <a:ext cx="6096000" cy="3429000"/>
           </a:xfrm>
           <a:custGeom>
+            <a:avLst/>
+            <a:gdLst/>
+            <a:ahLst/>
+            <a:cxnLst/>
+            <a:rect l="0" t="0" r="0" b="0"/>
             <a:pathLst>
-              <a:path extrusionOk="0" h="120000" w="120000">
+              <a:path w="120000" h="120000" extrusionOk="0">
                 <a:moveTo>
                   <a:pt x="0" y="0"/>
                 </a:moveTo>
@@ -630,9 +762,11 @@
       <p:sp>
         <p:nvSpPr>
           <p:cNvPr id="191" name="Shape 191"/>
-          <p:cNvSpPr txBox="1"/>
+          <p:cNvSpPr txBox="1">
+            <a:spLocks noGrp="1"/>
+          </p:cNvSpPr>
           <p:nvPr>
-            <p:ph idx="1" type="body"/>
+            <p:ph type="body" idx="1"/>
           </p:nvPr>
         </p:nvSpPr>
         <p:spPr>
@@ -645,7 +779,7 @@
           </a:prstGeom>
         </p:spPr>
         <p:txBody>
-          <a:bodyPr anchorCtr="0" anchor="t" bIns="91425" lIns="91425" rIns="91425" tIns="91425">
+          <a:bodyPr lIns="91425" tIns="91425" rIns="91425" bIns="91425" anchor="t" anchorCtr="0">
             <a:noAutofit/>
           </a:bodyPr>
           <a:lstStyle/>
@@ -656,9 +790,6 @@
               </a:spcBef>
               <a:buNone/>
             </a:pPr>
-            <a:r>
-              <a:t/>
-            </a:r>
             <a:endParaRPr/>
           </a:p>
         </p:txBody>
@@ -672,11 +803,11 @@
 </file>
 
 <file path=ppt/notesSlides/notesSlide2.xml><?xml version="1.0" encoding="utf-8"?>
-<p:notes xmlns:a="http://schemas.openxmlformats.org/drawingml/2006/main" xmlns:r="http://schemas.openxmlformats.org/officeDocument/2006/relationships" xmlns:mc="http://schemas.openxmlformats.org/markup-compatibility/2006" xmlns:mv="urn:schemas-microsoft-com:mac:vml" xmlns:p="http://schemas.openxmlformats.org/presentationml/2006/main" xmlns:c="http://schemas.openxmlformats.org/drawingml/2006/chart" xmlns:dgm="http://schemas.openxmlformats.org/drawingml/2006/diagram" xmlns:o="urn:schemas-microsoft-com:office:office" xmlns:v="urn:schemas-microsoft-com:vml" xmlns:pvml="urn:schemas-microsoft-com:office:powerpoint" xmlns:com="http://schemas.openxmlformats.org/drawingml/2006/compatibility" xmlns:p14="http://schemas.microsoft.com/office/powerpoint/2010/main" showMasterPhAnim="0" showMasterSp="0">
+<p:notes xmlns:a="http://schemas.openxmlformats.org/drawingml/2006/main" xmlns:r="http://schemas.openxmlformats.org/officeDocument/2006/relationships" xmlns:p="http://schemas.openxmlformats.org/presentationml/2006/main" showMasterSp="0" showMasterPhAnim="0">
   <p:cSld>
     <p:spTree>
       <p:nvGrpSpPr>
-        <p:cNvPr id="133" name="Shape 133"/>
+        <p:cNvPr id="1" name="Shape 133"/>
         <p:cNvGrpSpPr/>
         <p:nvPr/>
       </p:nvGrpSpPr>
@@ -691,19 +822,26 @@
       <p:sp>
         <p:nvSpPr>
           <p:cNvPr id="134" name="Shape 134"/>
-          <p:cNvSpPr/>
+          <p:cNvSpPr>
+            <a:spLocks noGrp="1" noRot="1" noChangeAspect="1"/>
+          </p:cNvSpPr>
           <p:nvPr>
-            <p:ph idx="2" type="sldImg"/>
+            <p:ph type="sldImg" idx="2"/>
           </p:nvPr>
         </p:nvSpPr>
         <p:spPr>
           <a:xfrm>
-            <a:off x="381300" y="685800"/>
+            <a:off x="381000" y="685800"/>
             <a:ext cx="6096000" cy="3429000"/>
           </a:xfrm>
           <a:custGeom>
+            <a:avLst/>
+            <a:gdLst/>
+            <a:ahLst/>
+            <a:cxnLst/>
+            <a:rect l="0" t="0" r="0" b="0"/>
             <a:pathLst>
-              <a:path extrusionOk="0" h="120000" w="120000">
+              <a:path w="120000" h="120000" extrusionOk="0">
                 <a:moveTo>
                   <a:pt x="0" y="0"/>
                 </a:moveTo>
@@ -725,9 +863,11 @@
       <p:sp>
         <p:nvSpPr>
           <p:cNvPr id="135" name="Shape 135"/>
-          <p:cNvSpPr txBox="1"/>
+          <p:cNvSpPr txBox="1">
+            <a:spLocks noGrp="1"/>
+          </p:cNvSpPr>
           <p:nvPr>
-            <p:ph idx="1" type="body"/>
+            <p:ph type="body" idx="1"/>
           </p:nvPr>
         </p:nvSpPr>
         <p:spPr>
@@ -740,7 +880,7 @@
           </a:prstGeom>
         </p:spPr>
         <p:txBody>
-          <a:bodyPr anchorCtr="0" anchor="t" bIns="91425" lIns="91425" rIns="91425" tIns="91425">
+          <a:bodyPr lIns="91425" tIns="91425" rIns="91425" bIns="91425" anchor="t" anchorCtr="0">
             <a:noAutofit/>
           </a:bodyPr>
           <a:lstStyle/>
@@ -751,9 +891,6 @@
               </a:spcBef>
               <a:buNone/>
             </a:pPr>
-            <a:r>
-              <a:t/>
-            </a:r>
             <a:endParaRPr/>
           </a:p>
         </p:txBody>
@@ -767,11 +904,11 @@
 </file>
 
 <file path=ppt/notesSlides/notesSlide3.xml><?xml version="1.0" encoding="utf-8"?>
-<p:notes xmlns:a="http://schemas.openxmlformats.org/drawingml/2006/main" xmlns:r="http://schemas.openxmlformats.org/officeDocument/2006/relationships" xmlns:mc="http://schemas.openxmlformats.org/markup-compatibility/2006" xmlns:mv="urn:schemas-microsoft-com:mac:vml" xmlns:p="http://schemas.openxmlformats.org/presentationml/2006/main" xmlns:c="http://schemas.openxmlformats.org/drawingml/2006/chart" xmlns:dgm="http://schemas.openxmlformats.org/drawingml/2006/diagram" xmlns:o="urn:schemas-microsoft-com:office:office" xmlns:v="urn:schemas-microsoft-com:vml" xmlns:pvml="urn:schemas-microsoft-com:office:powerpoint" xmlns:com="http://schemas.openxmlformats.org/drawingml/2006/compatibility" xmlns:p14="http://schemas.microsoft.com/office/powerpoint/2010/main" showMasterPhAnim="0" showMasterSp="0">
+<p:notes xmlns:a="http://schemas.openxmlformats.org/drawingml/2006/main" xmlns:r="http://schemas.openxmlformats.org/officeDocument/2006/relationships" xmlns:p="http://schemas.openxmlformats.org/presentationml/2006/main" showMasterSp="0" showMasterPhAnim="0">
   <p:cSld>
     <p:spTree>
       <p:nvGrpSpPr>
-        <p:cNvPr id="139" name="Shape 139"/>
+        <p:cNvPr id="1" name="Shape 139"/>
         <p:cNvGrpSpPr/>
         <p:nvPr/>
       </p:nvGrpSpPr>
@@ -786,19 +923,26 @@
       <p:sp>
         <p:nvSpPr>
           <p:cNvPr id="140" name="Shape 140"/>
-          <p:cNvSpPr/>
+          <p:cNvSpPr>
+            <a:spLocks noGrp="1" noRot="1" noChangeAspect="1"/>
+          </p:cNvSpPr>
           <p:nvPr>
-            <p:ph idx="2" type="sldImg"/>
+            <p:ph type="sldImg" idx="2"/>
           </p:nvPr>
         </p:nvSpPr>
         <p:spPr>
           <a:xfrm>
-            <a:off x="381300" y="685800"/>
+            <a:off x="381000" y="685800"/>
             <a:ext cx="6096000" cy="3429000"/>
           </a:xfrm>
           <a:custGeom>
+            <a:avLst/>
+            <a:gdLst/>
+            <a:ahLst/>
+            <a:cxnLst/>
+            <a:rect l="0" t="0" r="0" b="0"/>
             <a:pathLst>
-              <a:path extrusionOk="0" h="120000" w="120000">
+              <a:path w="120000" h="120000" extrusionOk="0">
                 <a:moveTo>
                   <a:pt x="0" y="0"/>
                 </a:moveTo>
@@ -820,9 +964,11 @@
       <p:sp>
         <p:nvSpPr>
           <p:cNvPr id="141" name="Shape 141"/>
-          <p:cNvSpPr txBox="1"/>
+          <p:cNvSpPr txBox="1">
+            <a:spLocks noGrp="1"/>
+          </p:cNvSpPr>
           <p:nvPr>
-            <p:ph idx="1" type="body"/>
+            <p:ph type="body" idx="1"/>
           </p:nvPr>
         </p:nvSpPr>
         <p:spPr>
@@ -835,7 +981,7 @@
           </a:prstGeom>
         </p:spPr>
         <p:txBody>
-          <a:bodyPr anchorCtr="0" anchor="t" bIns="91425" lIns="91425" rIns="91425" tIns="91425">
+          <a:bodyPr lIns="91425" tIns="91425" rIns="91425" bIns="91425" anchor="t" anchorCtr="0">
             <a:noAutofit/>
           </a:bodyPr>
           <a:lstStyle/>
@@ -846,9 +992,6 @@
               </a:spcBef>
               <a:buNone/>
             </a:pPr>
-            <a:r>
-              <a:t/>
-            </a:r>
             <a:endParaRPr/>
           </a:p>
         </p:txBody>
@@ -862,11 +1005,11 @@
 </file>
 
 <file path=ppt/notesSlides/notesSlide4.xml><?xml version="1.0" encoding="utf-8"?>
-<p:notes xmlns:a="http://schemas.openxmlformats.org/drawingml/2006/main" xmlns:r="http://schemas.openxmlformats.org/officeDocument/2006/relationships" xmlns:mc="http://schemas.openxmlformats.org/markup-compatibility/2006" xmlns:mv="urn:schemas-microsoft-com:mac:vml" xmlns:p="http://schemas.openxmlformats.org/presentationml/2006/main" xmlns:c="http://schemas.openxmlformats.org/drawingml/2006/chart" xmlns:dgm="http://schemas.openxmlformats.org/drawingml/2006/diagram" xmlns:o="urn:schemas-microsoft-com:office:office" xmlns:v="urn:schemas-microsoft-com:vml" xmlns:pvml="urn:schemas-microsoft-com:office:powerpoint" xmlns:com="http://schemas.openxmlformats.org/drawingml/2006/compatibility" xmlns:p14="http://schemas.microsoft.com/office/powerpoint/2010/main" showMasterPhAnim="0" showMasterSp="0">
+<p:notes xmlns:a="http://schemas.openxmlformats.org/drawingml/2006/main" xmlns:r="http://schemas.openxmlformats.org/officeDocument/2006/relationships" xmlns:p="http://schemas.openxmlformats.org/presentationml/2006/main" showMasterSp="0" showMasterPhAnim="0">
   <p:cSld>
     <p:spTree>
       <p:nvGrpSpPr>
-        <p:cNvPr id="145" name="Shape 145"/>
+        <p:cNvPr id="1" name="Shape 145"/>
         <p:cNvGrpSpPr/>
         <p:nvPr/>
       </p:nvGrpSpPr>
@@ -881,19 +1024,26 @@
       <p:sp>
         <p:nvSpPr>
           <p:cNvPr id="146" name="Shape 146"/>
-          <p:cNvSpPr/>
+          <p:cNvSpPr>
+            <a:spLocks noGrp="1" noRot="1" noChangeAspect="1"/>
+          </p:cNvSpPr>
           <p:nvPr>
-            <p:ph idx="2" type="sldImg"/>
+            <p:ph type="sldImg" idx="2"/>
           </p:nvPr>
         </p:nvSpPr>
         <p:spPr>
           <a:xfrm>
-            <a:off x="381300" y="685800"/>
+            <a:off x="381000" y="685800"/>
             <a:ext cx="6096000" cy="3429000"/>
           </a:xfrm>
           <a:custGeom>
+            <a:avLst/>
+            <a:gdLst/>
+            <a:ahLst/>
+            <a:cxnLst/>
+            <a:rect l="0" t="0" r="0" b="0"/>
             <a:pathLst>
-              <a:path extrusionOk="0" h="120000" w="120000">
+              <a:path w="120000" h="120000" extrusionOk="0">
                 <a:moveTo>
                   <a:pt x="0" y="0"/>
                 </a:moveTo>
@@ -915,9 +1065,11 @@
       <p:sp>
         <p:nvSpPr>
           <p:cNvPr id="147" name="Shape 147"/>
-          <p:cNvSpPr txBox="1"/>
+          <p:cNvSpPr txBox="1">
+            <a:spLocks noGrp="1"/>
+          </p:cNvSpPr>
           <p:nvPr>
-            <p:ph idx="1" type="body"/>
+            <p:ph type="body" idx="1"/>
           </p:nvPr>
         </p:nvSpPr>
         <p:spPr>
@@ -930,7 +1082,7 @@
           </a:prstGeom>
         </p:spPr>
         <p:txBody>
-          <a:bodyPr anchorCtr="0" anchor="t" bIns="91425" lIns="91425" rIns="91425" tIns="91425">
+          <a:bodyPr lIns="91425" tIns="91425" rIns="91425" bIns="91425" anchor="t" anchorCtr="0">
             <a:noAutofit/>
           </a:bodyPr>
           <a:lstStyle/>
@@ -941,9 +1093,6 @@
               </a:spcBef>
               <a:buNone/>
             </a:pPr>
-            <a:r>
-              <a:t/>
-            </a:r>
             <a:endParaRPr/>
           </a:p>
         </p:txBody>
@@ -957,11 +1106,11 @@
 </file>
 
 <file path=ppt/notesSlides/notesSlide5.xml><?xml version="1.0" encoding="utf-8"?>
-<p:notes xmlns:a="http://schemas.openxmlformats.org/drawingml/2006/main" xmlns:r="http://schemas.openxmlformats.org/officeDocument/2006/relationships" xmlns:mc="http://schemas.openxmlformats.org/markup-compatibility/2006" xmlns:mv="urn:schemas-microsoft-com:mac:vml" xmlns:p="http://schemas.openxmlformats.org/presentationml/2006/main" xmlns:c="http://schemas.openxmlformats.org/drawingml/2006/chart" xmlns:dgm="http://schemas.openxmlformats.org/drawingml/2006/diagram" xmlns:o="urn:schemas-microsoft-com:office:office" xmlns:v="urn:schemas-microsoft-com:vml" xmlns:pvml="urn:schemas-microsoft-com:office:powerpoint" xmlns:com="http://schemas.openxmlformats.org/drawingml/2006/compatibility" xmlns:p14="http://schemas.microsoft.com/office/powerpoint/2010/main" showMasterPhAnim="0" showMasterSp="0">
+<p:notes xmlns:a="http://schemas.openxmlformats.org/drawingml/2006/main" xmlns:r="http://schemas.openxmlformats.org/officeDocument/2006/relationships" xmlns:p="http://schemas.openxmlformats.org/presentationml/2006/main" showMasterSp="0" showMasterPhAnim="0">
   <p:cSld>
     <p:spTree>
       <p:nvGrpSpPr>
-        <p:cNvPr id="151" name="Shape 151"/>
+        <p:cNvPr id="1" name="Shape 151"/>
         <p:cNvGrpSpPr/>
         <p:nvPr/>
       </p:nvGrpSpPr>
@@ -976,19 +1125,26 @@
       <p:sp>
         <p:nvSpPr>
           <p:cNvPr id="152" name="Shape 152"/>
-          <p:cNvSpPr/>
+          <p:cNvSpPr>
+            <a:spLocks noGrp="1" noRot="1" noChangeAspect="1"/>
+          </p:cNvSpPr>
           <p:nvPr>
-            <p:ph idx="2" type="sldImg"/>
+            <p:ph type="sldImg" idx="2"/>
           </p:nvPr>
         </p:nvSpPr>
         <p:spPr>
           <a:xfrm>
-            <a:off x="381300" y="685800"/>
+            <a:off x="381000" y="685800"/>
             <a:ext cx="6096000" cy="3429000"/>
           </a:xfrm>
           <a:custGeom>
+            <a:avLst/>
+            <a:gdLst/>
+            <a:ahLst/>
+            <a:cxnLst/>
+            <a:rect l="0" t="0" r="0" b="0"/>
             <a:pathLst>
-              <a:path extrusionOk="0" h="120000" w="120000">
+              <a:path w="120000" h="120000" extrusionOk="0">
                 <a:moveTo>
                   <a:pt x="0" y="0"/>
                 </a:moveTo>
@@ -1010,9 +1166,11 @@
       <p:sp>
         <p:nvSpPr>
           <p:cNvPr id="153" name="Shape 153"/>
-          <p:cNvSpPr txBox="1"/>
+          <p:cNvSpPr txBox="1">
+            <a:spLocks noGrp="1"/>
+          </p:cNvSpPr>
           <p:nvPr>
-            <p:ph idx="1" type="body"/>
+            <p:ph type="body" idx="1"/>
           </p:nvPr>
         </p:nvSpPr>
         <p:spPr>
@@ -1025,7 +1183,7 @@
           </a:prstGeom>
         </p:spPr>
         <p:txBody>
-          <a:bodyPr anchorCtr="0" anchor="t" bIns="91425" lIns="91425" rIns="91425" tIns="91425">
+          <a:bodyPr lIns="91425" tIns="91425" rIns="91425" bIns="91425" anchor="t" anchorCtr="0">
             <a:noAutofit/>
           </a:bodyPr>
           <a:lstStyle/>
@@ -1036,9 +1194,6 @@
               </a:spcBef>
               <a:buNone/>
             </a:pPr>
-            <a:r>
-              <a:t/>
-            </a:r>
             <a:endParaRPr/>
           </a:p>
         </p:txBody>
@@ -1052,11 +1207,11 @@
 </file>
 
 <file path=ppt/notesSlides/notesSlide6.xml><?xml version="1.0" encoding="utf-8"?>
-<p:notes xmlns:a="http://schemas.openxmlformats.org/drawingml/2006/main" xmlns:r="http://schemas.openxmlformats.org/officeDocument/2006/relationships" xmlns:mc="http://schemas.openxmlformats.org/markup-compatibility/2006" xmlns:mv="urn:schemas-microsoft-com:mac:vml" xmlns:p="http://schemas.openxmlformats.org/presentationml/2006/main" xmlns:c="http://schemas.openxmlformats.org/drawingml/2006/chart" xmlns:dgm="http://schemas.openxmlformats.org/drawingml/2006/diagram" xmlns:o="urn:schemas-microsoft-com:office:office" xmlns:v="urn:schemas-microsoft-com:vml" xmlns:pvml="urn:schemas-microsoft-com:office:powerpoint" xmlns:com="http://schemas.openxmlformats.org/drawingml/2006/compatibility" xmlns:p14="http://schemas.microsoft.com/office/powerpoint/2010/main" showMasterPhAnim="0" showMasterSp="0">
+<p:notes xmlns:a="http://schemas.openxmlformats.org/drawingml/2006/main" xmlns:r="http://schemas.openxmlformats.org/officeDocument/2006/relationships" xmlns:p="http://schemas.openxmlformats.org/presentationml/2006/main" showMasterSp="0" showMasterPhAnim="0">
   <p:cSld>
     <p:spTree>
       <p:nvGrpSpPr>
-        <p:cNvPr id="157" name="Shape 157"/>
+        <p:cNvPr id="1" name="Shape 157"/>
         <p:cNvGrpSpPr/>
         <p:nvPr/>
       </p:nvGrpSpPr>
@@ -1071,19 +1226,26 @@
       <p:sp>
         <p:nvSpPr>
           <p:cNvPr id="158" name="Shape 158"/>
-          <p:cNvSpPr/>
+          <p:cNvSpPr>
+            <a:spLocks noGrp="1" noRot="1" noChangeAspect="1"/>
+          </p:cNvSpPr>
           <p:nvPr>
-            <p:ph idx="2" type="sldImg"/>
+            <p:ph type="sldImg" idx="2"/>
           </p:nvPr>
         </p:nvSpPr>
         <p:spPr>
           <a:xfrm>
-            <a:off x="381300" y="685800"/>
+            <a:off x="381000" y="685800"/>
             <a:ext cx="6096000" cy="3429000"/>
           </a:xfrm>
           <a:custGeom>
+            <a:avLst/>
+            <a:gdLst/>
+            <a:ahLst/>
+            <a:cxnLst/>
+            <a:rect l="0" t="0" r="0" b="0"/>
             <a:pathLst>
-              <a:path extrusionOk="0" h="120000" w="120000">
+              <a:path w="120000" h="120000" extrusionOk="0">
                 <a:moveTo>
                   <a:pt x="0" y="0"/>
                 </a:moveTo>
@@ -1105,9 +1267,11 @@
       <p:sp>
         <p:nvSpPr>
           <p:cNvPr id="159" name="Shape 159"/>
-          <p:cNvSpPr txBox="1"/>
+          <p:cNvSpPr txBox="1">
+            <a:spLocks noGrp="1"/>
+          </p:cNvSpPr>
           <p:nvPr>
-            <p:ph idx="1" type="body"/>
+            <p:ph type="body" idx="1"/>
           </p:nvPr>
         </p:nvSpPr>
         <p:spPr>
@@ -1120,7 +1284,7 @@
           </a:prstGeom>
         </p:spPr>
         <p:txBody>
-          <a:bodyPr anchorCtr="0" anchor="t" bIns="91425" lIns="91425" rIns="91425" tIns="91425">
+          <a:bodyPr lIns="91425" tIns="91425" rIns="91425" bIns="91425" anchor="t" anchorCtr="0">
             <a:noAutofit/>
           </a:bodyPr>
           <a:lstStyle/>
@@ -1131,9 +1295,6 @@
               </a:spcBef>
               <a:buNone/>
             </a:pPr>
-            <a:r>
-              <a:t/>
-            </a:r>
             <a:endParaRPr/>
           </a:p>
         </p:txBody>
@@ -1147,11 +1308,11 @@
 </file>
 
 <file path=ppt/notesSlides/notesSlide7.xml><?xml version="1.0" encoding="utf-8"?>
-<p:notes xmlns:a="http://schemas.openxmlformats.org/drawingml/2006/main" xmlns:r="http://schemas.openxmlformats.org/officeDocument/2006/relationships" xmlns:mc="http://schemas.openxmlformats.org/markup-compatibility/2006" xmlns:mv="urn:schemas-microsoft-com:mac:vml" xmlns:p="http://schemas.openxmlformats.org/presentationml/2006/main" xmlns:c="http://schemas.openxmlformats.org/drawingml/2006/chart" xmlns:dgm="http://schemas.openxmlformats.org/drawingml/2006/diagram" xmlns:o="urn:schemas-microsoft-com:office:office" xmlns:v="urn:schemas-microsoft-com:vml" xmlns:pvml="urn:schemas-microsoft-com:office:powerpoint" xmlns:com="http://schemas.openxmlformats.org/drawingml/2006/compatibility" xmlns:p14="http://schemas.microsoft.com/office/powerpoint/2010/main" showMasterPhAnim="0" showMasterSp="0">
+<p:notes xmlns:a="http://schemas.openxmlformats.org/drawingml/2006/main" xmlns:r="http://schemas.openxmlformats.org/officeDocument/2006/relationships" xmlns:p="http://schemas.openxmlformats.org/presentationml/2006/main" showMasterSp="0" showMasterPhAnim="0">
   <p:cSld>
     <p:spTree>
       <p:nvGrpSpPr>
-        <p:cNvPr id="163" name="Shape 163"/>
+        <p:cNvPr id="1" name="Shape 163"/>
         <p:cNvGrpSpPr/>
         <p:nvPr/>
       </p:nvGrpSpPr>
@@ -1166,19 +1327,26 @@
       <p:sp>
         <p:nvSpPr>
           <p:cNvPr id="164" name="Shape 164"/>
-          <p:cNvSpPr/>
+          <p:cNvSpPr>
+            <a:spLocks noGrp="1" noRot="1" noChangeAspect="1"/>
+          </p:cNvSpPr>
           <p:nvPr>
-            <p:ph idx="2" type="sldImg"/>
+            <p:ph type="sldImg" idx="2"/>
           </p:nvPr>
         </p:nvSpPr>
         <p:spPr>
           <a:xfrm>
-            <a:off x="381300" y="685800"/>
+            <a:off x="381000" y="685800"/>
             <a:ext cx="6096000" cy="3429000"/>
           </a:xfrm>
           <a:custGeom>
+            <a:avLst/>
+            <a:gdLst/>
+            <a:ahLst/>
+            <a:cxnLst/>
+            <a:rect l="0" t="0" r="0" b="0"/>
             <a:pathLst>
-              <a:path extrusionOk="0" h="120000" w="120000">
+              <a:path w="120000" h="120000" extrusionOk="0">
                 <a:moveTo>
                   <a:pt x="0" y="0"/>
                 </a:moveTo>
@@ -1200,9 +1368,11 @@
       <p:sp>
         <p:nvSpPr>
           <p:cNvPr id="165" name="Shape 165"/>
-          <p:cNvSpPr txBox="1"/>
+          <p:cNvSpPr txBox="1">
+            <a:spLocks noGrp="1"/>
+          </p:cNvSpPr>
           <p:nvPr>
-            <p:ph idx="1" type="body"/>
+            <p:ph type="body" idx="1"/>
           </p:nvPr>
         </p:nvSpPr>
         <p:spPr>
@@ -1215,7 +1385,7 @@
           </a:prstGeom>
         </p:spPr>
         <p:txBody>
-          <a:bodyPr anchorCtr="0" anchor="t" bIns="91425" lIns="91425" rIns="91425" tIns="91425">
+          <a:bodyPr lIns="91425" tIns="91425" rIns="91425" bIns="91425" anchor="t" anchorCtr="0">
             <a:noAutofit/>
           </a:bodyPr>
           <a:lstStyle/>
@@ -1226,9 +1396,6 @@
               </a:spcBef>
               <a:buNone/>
             </a:pPr>
-            <a:r>
-              <a:t/>
-            </a:r>
             <a:endParaRPr/>
           </a:p>
         </p:txBody>
@@ -1242,11 +1409,11 @@
 </file>
 
 <file path=ppt/notesSlides/notesSlide8.xml><?xml version="1.0" encoding="utf-8"?>
-<p:notes xmlns:a="http://schemas.openxmlformats.org/drawingml/2006/main" xmlns:r="http://schemas.openxmlformats.org/officeDocument/2006/relationships" xmlns:mc="http://schemas.openxmlformats.org/markup-compatibility/2006" xmlns:mv="urn:schemas-microsoft-com:mac:vml" xmlns:p="http://schemas.openxmlformats.org/presentationml/2006/main" xmlns:c="http://schemas.openxmlformats.org/drawingml/2006/chart" xmlns:dgm="http://schemas.openxmlformats.org/drawingml/2006/diagram" xmlns:o="urn:schemas-microsoft-com:office:office" xmlns:v="urn:schemas-microsoft-com:vml" xmlns:pvml="urn:schemas-microsoft-com:office:powerpoint" xmlns:com="http://schemas.openxmlformats.org/drawingml/2006/compatibility" xmlns:p14="http://schemas.microsoft.com/office/powerpoint/2010/main" showMasterPhAnim="0" showMasterSp="0">
+<p:notes xmlns:a="http://schemas.openxmlformats.org/drawingml/2006/main" xmlns:r="http://schemas.openxmlformats.org/officeDocument/2006/relationships" xmlns:p="http://schemas.openxmlformats.org/presentationml/2006/main" showMasterSp="0" showMasterPhAnim="0">
   <p:cSld>
     <p:spTree>
       <p:nvGrpSpPr>
-        <p:cNvPr id="170" name="Shape 170"/>
+        <p:cNvPr id="1" name="Shape 170"/>
         <p:cNvGrpSpPr/>
         <p:nvPr/>
       </p:nvGrpSpPr>
@@ -1261,19 +1428,26 @@
       <p:sp>
         <p:nvSpPr>
           <p:cNvPr id="171" name="Shape 171"/>
-          <p:cNvSpPr/>
+          <p:cNvSpPr>
+            <a:spLocks noGrp="1" noRot="1" noChangeAspect="1"/>
+          </p:cNvSpPr>
           <p:nvPr>
-            <p:ph idx="2" type="sldImg"/>
+            <p:ph type="sldImg" idx="2"/>
           </p:nvPr>
         </p:nvSpPr>
         <p:spPr>
           <a:xfrm>
-            <a:off x="381300" y="685800"/>
+            <a:off x="381000" y="685800"/>
             <a:ext cx="6096000" cy="3429000"/>
           </a:xfrm>
           <a:custGeom>
+            <a:avLst/>
+            <a:gdLst/>
+            <a:ahLst/>
+            <a:cxnLst/>
+            <a:rect l="0" t="0" r="0" b="0"/>
             <a:pathLst>
-              <a:path extrusionOk="0" h="120000" w="120000">
+              <a:path w="120000" h="120000" extrusionOk="0">
                 <a:moveTo>
                   <a:pt x="0" y="0"/>
                 </a:moveTo>
@@ -1295,9 +1469,11 @@
       <p:sp>
         <p:nvSpPr>
           <p:cNvPr id="172" name="Shape 172"/>
-          <p:cNvSpPr txBox="1"/>
+          <p:cNvSpPr txBox="1">
+            <a:spLocks noGrp="1"/>
+          </p:cNvSpPr>
           <p:nvPr>
-            <p:ph idx="1" type="body"/>
+            <p:ph type="body" idx="1"/>
           </p:nvPr>
         </p:nvSpPr>
         <p:spPr>
@@ -1310,7 +1486,7 @@
           </a:prstGeom>
         </p:spPr>
         <p:txBody>
-          <a:bodyPr anchorCtr="0" anchor="t" bIns="91425" lIns="91425" rIns="91425" tIns="91425">
+          <a:bodyPr lIns="91425" tIns="91425" rIns="91425" bIns="91425" anchor="t" anchorCtr="0">
             <a:noAutofit/>
           </a:bodyPr>
           <a:lstStyle/>
@@ -1321,9 +1497,6 @@
               </a:spcBef>
               <a:buNone/>
             </a:pPr>
-            <a:r>
-              <a:t/>
-            </a:r>
             <a:endParaRPr/>
           </a:p>
         </p:txBody>
@@ -1337,11 +1510,11 @@
 </file>
 
 <file path=ppt/notesSlides/notesSlide9.xml><?xml version="1.0" encoding="utf-8"?>
-<p:notes xmlns:a="http://schemas.openxmlformats.org/drawingml/2006/main" xmlns:r="http://schemas.openxmlformats.org/officeDocument/2006/relationships" xmlns:mc="http://schemas.openxmlformats.org/markup-compatibility/2006" xmlns:mv="urn:schemas-microsoft-com:mac:vml" xmlns:p="http://schemas.openxmlformats.org/presentationml/2006/main" xmlns:c="http://schemas.openxmlformats.org/drawingml/2006/chart" xmlns:dgm="http://schemas.openxmlformats.org/drawingml/2006/diagram" xmlns:o="urn:schemas-microsoft-com:office:office" xmlns:v="urn:schemas-microsoft-com:vml" xmlns:pvml="urn:schemas-microsoft-com:office:powerpoint" xmlns:com="http://schemas.openxmlformats.org/drawingml/2006/compatibility" xmlns:p14="http://schemas.microsoft.com/office/powerpoint/2010/main" showMasterPhAnim="0" showMasterSp="0">
+<p:notes xmlns:a="http://schemas.openxmlformats.org/drawingml/2006/main" xmlns:r="http://schemas.openxmlformats.org/officeDocument/2006/relationships" xmlns:p="http://schemas.openxmlformats.org/presentationml/2006/main" showMasterSp="0" showMasterPhAnim="0">
   <p:cSld>
     <p:spTree>
       <p:nvGrpSpPr>
-        <p:cNvPr id="176" name="Shape 176"/>
+        <p:cNvPr id="1" name="Shape 176"/>
         <p:cNvGrpSpPr/>
         <p:nvPr/>
       </p:nvGrpSpPr>
@@ -1356,19 +1529,26 @@
       <p:sp>
         <p:nvSpPr>
           <p:cNvPr id="177" name="Shape 177"/>
-          <p:cNvSpPr/>
+          <p:cNvSpPr>
+            <a:spLocks noGrp="1" noRot="1" noChangeAspect="1"/>
+          </p:cNvSpPr>
           <p:nvPr>
-            <p:ph idx="2" type="sldImg"/>
+            <p:ph type="sldImg" idx="2"/>
           </p:nvPr>
         </p:nvSpPr>
         <p:spPr>
           <a:xfrm>
-            <a:off x="381300" y="685800"/>
+            <a:off x="381000" y="685800"/>
             <a:ext cx="6096000" cy="3429000"/>
           </a:xfrm>
           <a:custGeom>
+            <a:avLst/>
+            <a:gdLst/>
+            <a:ahLst/>
+            <a:cxnLst/>
+            <a:rect l="0" t="0" r="0" b="0"/>
             <a:pathLst>
-              <a:path extrusionOk="0" h="120000" w="120000">
+              <a:path w="120000" h="120000" extrusionOk="0">
                 <a:moveTo>
                   <a:pt x="0" y="0"/>
                 </a:moveTo>
@@ -1390,9 +1570,11 @@
       <p:sp>
         <p:nvSpPr>
           <p:cNvPr id="178" name="Shape 178"/>
-          <p:cNvSpPr txBox="1"/>
+          <p:cNvSpPr txBox="1">
+            <a:spLocks noGrp="1"/>
+          </p:cNvSpPr>
           <p:nvPr>
-            <p:ph idx="1" type="body"/>
+            <p:ph type="body" idx="1"/>
           </p:nvPr>
         </p:nvSpPr>
         <p:spPr>
@@ -1405,7 +1587,7 @@
           </a:prstGeom>
         </p:spPr>
         <p:txBody>
-          <a:bodyPr anchorCtr="0" anchor="t" bIns="91425" lIns="91425" rIns="91425" tIns="91425">
+          <a:bodyPr lIns="91425" tIns="91425" rIns="91425" bIns="91425" anchor="t" anchorCtr="0">
             <a:noAutofit/>
           </a:bodyPr>
           <a:lstStyle/>
@@ -1416,9 +1598,6 @@
               </a:spcBef>
               <a:buNone/>
             </a:pPr>
-            <a:r>
-              <a:t/>
-            </a:r>
             <a:endParaRPr/>
           </a:p>
         </p:txBody>
@@ -1432,18 +1611,19 @@
 </file>
 
 <file path=ppt/slideLayouts/slideLayout1.xml><?xml version="1.0" encoding="utf-8"?>
-<p:sldLayout xmlns:a="http://schemas.openxmlformats.org/drawingml/2006/main" xmlns:r="http://schemas.openxmlformats.org/officeDocument/2006/relationships" xmlns:mc="http://schemas.openxmlformats.org/markup-compatibility/2006" xmlns:mv="urn:schemas-microsoft-com:mac:vml" xmlns:p="http://schemas.openxmlformats.org/presentationml/2006/main" xmlns:c="http://schemas.openxmlformats.org/drawingml/2006/chart" xmlns:dgm="http://schemas.openxmlformats.org/drawingml/2006/diagram" xmlns:o="urn:schemas-microsoft-com:office:office" xmlns:v="urn:schemas-microsoft-com:vml" xmlns:pvml="urn:schemas-microsoft-com:office:powerpoint" xmlns:com="http://schemas.openxmlformats.org/drawingml/2006/compatibility" xmlns:p14="http://schemas.microsoft.com/office/powerpoint/2010/main" type="title">
+<p:sldLayout xmlns:a="http://schemas.openxmlformats.org/drawingml/2006/main" xmlns:r="http://schemas.openxmlformats.org/officeDocument/2006/relationships" xmlns:p="http://schemas.openxmlformats.org/presentationml/2006/main" type="title">
   <p:cSld name="Title slide">
     <p:bg>
       <p:bgPr>
         <a:solidFill>
           <a:schemeClr val="dk1"/>
         </a:solidFill>
+        <a:effectLst/>
       </p:bgPr>
     </p:bg>
     <p:spTree>
       <p:nvGrpSpPr>
-        <p:cNvPr id="9" name="Shape 9"/>
+        <p:cNvPr id="1" name="Shape 9"/>
         <p:cNvGrpSpPr/>
         <p:nvPr/>
       </p:nvGrpSpPr>
@@ -1491,7 +1671,7 @@
             </a:ln>
           </p:spPr>
           <p:txBody>
-            <a:bodyPr anchorCtr="0" anchor="ctr" bIns="91425" lIns="91425" rIns="91425" tIns="91425">
+            <a:bodyPr lIns="91425" tIns="91425" rIns="91425" bIns="91425" anchor="ctr" anchorCtr="0">
               <a:noAutofit/>
             </a:bodyPr>
             <a:lstStyle/>
@@ -1502,9 +1682,6 @@
                 </a:spcBef>
                 <a:buNone/>
               </a:pPr>
-              <a:r>
-                <a:t/>
-              </a:r>
               <a:endParaRPr/>
             </a:p>
           </p:txBody>
@@ -1531,7 +1708,7 @@
             </a:ln>
           </p:spPr>
           <p:txBody>
-            <a:bodyPr anchorCtr="0" anchor="ctr" bIns="91425" lIns="91425" rIns="91425" tIns="91425">
+            <a:bodyPr lIns="91425" tIns="91425" rIns="91425" bIns="91425" anchor="ctr" anchorCtr="0">
               <a:noAutofit/>
             </a:bodyPr>
             <a:lstStyle/>
@@ -1542,9 +1719,6 @@
                 </a:spcBef>
                 <a:buNone/>
               </a:pPr>
-              <a:r>
-                <a:t/>
-              </a:r>
               <a:endParaRPr/>
             </a:p>
           </p:txBody>
@@ -1556,7 +1730,7 @@
             <p:nvPr/>
           </p:nvSpPr>
           <p:spPr>
-            <a:xfrm flipH="1" rot="10800000">
+            <a:xfrm rot="10800000" flipH="1">
               <a:off x="7113588" y="106"/>
               <a:ext cx="1015200" cy="1015200"/>
             </a:xfrm>
@@ -1571,7 +1745,7 @@
             </a:ln>
           </p:spPr>
           <p:txBody>
-            <a:bodyPr anchorCtr="0" anchor="ctr" bIns="91425" lIns="91425" rIns="91425" tIns="91425">
+            <a:bodyPr lIns="91425" tIns="91425" rIns="91425" bIns="91425" anchor="ctr" anchorCtr="0">
               <a:noAutofit/>
             </a:bodyPr>
             <a:lstStyle/>
@@ -1582,9 +1756,6 @@
                 </a:spcBef>
                 <a:buNone/>
               </a:pPr>
-              <a:r>
-                <a:t/>
-              </a:r>
               <a:endParaRPr/>
             </a:p>
           </p:txBody>
@@ -1611,7 +1782,7 @@
             </a:ln>
           </p:spPr>
           <p:txBody>
-            <a:bodyPr anchorCtr="0" anchor="ctr" bIns="91425" lIns="91425" rIns="91425" tIns="91425">
+            <a:bodyPr lIns="91425" tIns="91425" rIns="91425" bIns="91425" anchor="ctr" anchorCtr="0">
               <a:noAutofit/>
             </a:bodyPr>
             <a:lstStyle/>
@@ -1622,9 +1793,6 @@
                 </a:spcBef>
                 <a:buNone/>
               </a:pPr>
-              <a:r>
-                <a:t/>
-              </a:r>
               <a:endParaRPr/>
             </a:p>
           </p:txBody>
@@ -1651,7 +1819,7 @@
             </a:ln>
           </p:spPr>
           <p:txBody>
-            <a:bodyPr anchorCtr="0" anchor="ctr" bIns="91425" lIns="91425" rIns="91425" tIns="91425">
+            <a:bodyPr lIns="91425" tIns="91425" rIns="91425" bIns="91425" anchor="ctr" anchorCtr="0">
               <a:noAutofit/>
             </a:bodyPr>
             <a:lstStyle/>
@@ -1662,9 +1830,6 @@
                 </a:spcBef>
                 <a:buNone/>
               </a:pPr>
-              <a:r>
-                <a:t/>
-              </a:r>
               <a:endParaRPr/>
             </a:p>
           </p:txBody>
@@ -1673,7 +1838,9 @@
       <p:sp>
         <p:nvSpPr>
           <p:cNvPr id="16" name="Shape 16"/>
-          <p:cNvSpPr txBox="1"/>
+          <p:cNvSpPr txBox="1">
+            <a:spLocks noGrp="1"/>
+          </p:cNvSpPr>
           <p:nvPr>
             <p:ph type="ctrTitle"/>
           </p:nvPr>
@@ -1688,7 +1855,7 @@
           </a:prstGeom>
         </p:spPr>
         <p:txBody>
-          <a:bodyPr anchorCtr="0" anchor="b" bIns="91425" lIns="91425" rIns="91425" tIns="91425"/>
+          <a:bodyPr lIns="91425" tIns="91425" rIns="91425" bIns="91425" anchor="b" anchorCtr="0"/>
           <a:lstStyle>
             <a:lvl1pPr lvl="0">
               <a:spcBef>
@@ -1817,15 +1984,19 @@
               </a:defRPr>
             </a:lvl9pPr>
           </a:lstStyle>
-          <a:p/>
+          <a:p>
+            <a:endParaRPr/>
+          </a:p>
         </p:txBody>
       </p:sp>
       <p:sp>
         <p:nvSpPr>
           <p:cNvPr id="17" name="Shape 17"/>
-          <p:cNvSpPr txBox="1"/>
+          <p:cNvSpPr txBox="1">
+            <a:spLocks noGrp="1"/>
+          </p:cNvSpPr>
           <p:nvPr>
-            <p:ph idx="1" type="subTitle"/>
+            <p:ph type="subTitle" idx="1"/>
           </p:nvPr>
         </p:nvSpPr>
         <p:spPr>
@@ -1838,7 +2009,7 @@
           </a:prstGeom>
         </p:spPr>
         <p:txBody>
-          <a:bodyPr anchorCtr="0" anchor="t" bIns="91425" lIns="91425" rIns="91425" tIns="91425"/>
+          <a:bodyPr lIns="91425" tIns="91425" rIns="91425" bIns="91425" anchor="t" anchorCtr="0"/>
           <a:lstStyle>
             <a:lvl1pPr lvl="0">
               <a:lnSpc>
@@ -2030,15 +2201,19 @@
               </a:defRPr>
             </a:lvl9pPr>
           </a:lstStyle>
-          <a:p/>
+          <a:p>
+            <a:endParaRPr/>
+          </a:p>
         </p:txBody>
       </p:sp>
       <p:sp>
         <p:nvSpPr>
           <p:cNvPr id="18" name="Shape 18"/>
-          <p:cNvSpPr txBox="1"/>
+          <p:cNvSpPr txBox="1">
+            <a:spLocks noGrp="1"/>
+          </p:cNvSpPr>
           <p:nvPr>
-            <p:ph idx="12" type="sldNum"/>
+            <p:ph type="sldNum" idx="12"/>
           </p:nvPr>
         </p:nvSpPr>
         <p:spPr>
@@ -2051,7 +2226,7 @@
           </a:prstGeom>
         </p:spPr>
         <p:txBody>
-          <a:bodyPr anchorCtr="0" anchor="ctr" bIns="91425" lIns="91425" rIns="91425" tIns="91425">
+          <a:bodyPr lIns="91425" tIns="91425" rIns="91425" bIns="91425" anchor="ctr" anchorCtr="0">
             <a:noAutofit/>
           </a:bodyPr>
           <a:lstStyle/>
@@ -2066,6 +2241,7 @@
               <a:rPr lang="en"/>
               <a:t>‹#›</a:t>
             </a:fld>
+            <a:endParaRPr lang="en"/>
           </a:p>
         </p:txBody>
       </p:sp>
@@ -2078,18 +2254,19 @@
 </file>
 
 <file path=ppt/slideLayouts/slideLayout10.xml><?xml version="1.0" encoding="utf-8"?>
-<p:sldLayout xmlns:a="http://schemas.openxmlformats.org/drawingml/2006/main" xmlns:r="http://schemas.openxmlformats.org/officeDocument/2006/relationships" xmlns:mc="http://schemas.openxmlformats.org/markup-compatibility/2006" xmlns:mv="urn:schemas-microsoft-com:mac:vml" xmlns:p="http://schemas.openxmlformats.org/presentationml/2006/main" xmlns:c="http://schemas.openxmlformats.org/drawingml/2006/chart" xmlns:dgm="http://schemas.openxmlformats.org/drawingml/2006/diagram" xmlns:o="urn:schemas-microsoft-com:office:office" xmlns:v="urn:schemas-microsoft-com:vml" xmlns:pvml="urn:schemas-microsoft-com:office:powerpoint" xmlns:com="http://schemas.openxmlformats.org/drawingml/2006/compatibility" xmlns:p14="http://schemas.microsoft.com/office/powerpoint/2010/main">
+<p:sldLayout xmlns:a="http://schemas.openxmlformats.org/drawingml/2006/main" xmlns:r="http://schemas.openxmlformats.org/officeDocument/2006/relationships" xmlns:p="http://schemas.openxmlformats.org/presentationml/2006/main">
   <p:cSld name="Big number">
     <p:bg>
       <p:bgPr>
         <a:solidFill>
           <a:schemeClr val="dk1"/>
         </a:solidFill>
+        <a:effectLst/>
       </p:bgPr>
     </p:bg>
     <p:spTree>
       <p:nvGrpSpPr>
-        <p:cNvPr id="69" name="Shape 69"/>
+        <p:cNvPr id="1" name="Shape 69"/>
         <p:cNvGrpSpPr/>
         <p:nvPr/>
       </p:nvGrpSpPr>
@@ -2137,7 +2314,7 @@
             </a:ln>
           </p:spPr>
           <p:txBody>
-            <a:bodyPr anchorCtr="0" anchor="ctr" bIns="91425" lIns="91425" rIns="91425" tIns="91425">
+            <a:bodyPr lIns="91425" tIns="91425" rIns="91425" bIns="91425" anchor="ctr" anchorCtr="0">
               <a:noAutofit/>
             </a:bodyPr>
             <a:lstStyle/>
@@ -2148,9 +2325,6 @@
                 </a:spcBef>
                 <a:buNone/>
               </a:pPr>
-              <a:r>
-                <a:t/>
-              </a:r>
               <a:endParaRPr/>
             </a:p>
           </p:txBody>
@@ -2177,7 +2351,7 @@
             </a:ln>
           </p:spPr>
           <p:txBody>
-            <a:bodyPr anchorCtr="0" anchor="ctr" bIns="91425" lIns="91425" rIns="91425" tIns="91425">
+            <a:bodyPr lIns="91425" tIns="91425" rIns="91425" bIns="91425" anchor="ctr" anchorCtr="0">
               <a:noAutofit/>
             </a:bodyPr>
             <a:lstStyle/>
@@ -2188,9 +2362,6 @@
                 </a:spcBef>
                 <a:buNone/>
               </a:pPr>
-              <a:r>
-                <a:t/>
-              </a:r>
               <a:endParaRPr/>
             </a:p>
           </p:txBody>
@@ -2202,7 +2373,7 @@
             <p:nvPr/>
           </p:nvSpPr>
           <p:spPr>
-            <a:xfrm flipH="1" rot="10800000">
+            <a:xfrm rot="10800000" flipH="1">
               <a:off x="7113588" y="106"/>
               <a:ext cx="1015200" cy="1015200"/>
             </a:xfrm>
@@ -2217,7 +2388,7 @@
             </a:ln>
           </p:spPr>
           <p:txBody>
-            <a:bodyPr anchorCtr="0" anchor="ctr" bIns="91425" lIns="91425" rIns="91425" tIns="91425">
+            <a:bodyPr lIns="91425" tIns="91425" rIns="91425" bIns="91425" anchor="ctr" anchorCtr="0">
               <a:noAutofit/>
             </a:bodyPr>
             <a:lstStyle/>
@@ -2228,9 +2399,6 @@
                 </a:spcBef>
                 <a:buNone/>
               </a:pPr>
-              <a:r>
-                <a:t/>
-              </a:r>
               <a:endParaRPr/>
             </a:p>
           </p:txBody>
@@ -2257,7 +2425,7 @@
             </a:ln>
           </p:spPr>
           <p:txBody>
-            <a:bodyPr anchorCtr="0" anchor="ctr" bIns="91425" lIns="91425" rIns="91425" tIns="91425">
+            <a:bodyPr lIns="91425" tIns="91425" rIns="91425" bIns="91425" anchor="ctr" anchorCtr="0">
               <a:noAutofit/>
             </a:bodyPr>
             <a:lstStyle/>
@@ -2268,9 +2436,6 @@
                 </a:spcBef>
                 <a:buNone/>
               </a:pPr>
-              <a:r>
-                <a:t/>
-              </a:r>
               <a:endParaRPr/>
             </a:p>
           </p:txBody>
@@ -2297,7 +2462,7 @@
             </a:ln>
           </p:spPr>
           <p:txBody>
-            <a:bodyPr anchorCtr="0" anchor="ctr" bIns="91425" lIns="91425" rIns="91425" tIns="91425">
+            <a:bodyPr lIns="91425" tIns="91425" rIns="91425" bIns="91425" anchor="ctr" anchorCtr="0">
               <a:noAutofit/>
             </a:bodyPr>
             <a:lstStyle/>
@@ -2308,9 +2473,6 @@
                 </a:spcBef>
                 <a:buNone/>
               </a:pPr>
-              <a:r>
-                <a:t/>
-              </a:r>
               <a:endParaRPr/>
             </a:p>
           </p:txBody>
@@ -2319,7 +2481,9 @@
       <p:sp>
         <p:nvSpPr>
           <p:cNvPr id="76" name="Shape 76"/>
-          <p:cNvSpPr txBox="1"/>
+          <p:cNvSpPr txBox="1">
+            <a:spLocks noGrp="1"/>
+          </p:cNvSpPr>
           <p:nvPr>
             <p:ph type="title"/>
           </p:nvPr>
@@ -2334,7 +2498,7 @@
           </a:prstGeom>
         </p:spPr>
         <p:txBody>
-          <a:bodyPr anchorCtr="0" anchor="b" bIns="91425" lIns="91425" rIns="91425" tIns="91425"/>
+          <a:bodyPr lIns="91425" tIns="91425" rIns="91425" bIns="91425" anchor="b" anchorCtr="0"/>
           <a:lstStyle>
             <a:lvl1pPr lvl="0" algn="ctr">
               <a:spcBef>
@@ -2463,15 +2627,19 @@
               </a:defRPr>
             </a:lvl9pPr>
           </a:lstStyle>
-          <a:p/>
+          <a:p>
+            <a:endParaRPr/>
+          </a:p>
         </p:txBody>
       </p:sp>
       <p:sp>
         <p:nvSpPr>
           <p:cNvPr id="77" name="Shape 77"/>
-          <p:cNvSpPr txBox="1"/>
+          <p:cNvSpPr txBox="1">
+            <a:spLocks noGrp="1"/>
+          </p:cNvSpPr>
           <p:nvPr>
-            <p:ph idx="1" type="body"/>
+            <p:ph type="body" idx="1"/>
           </p:nvPr>
         </p:nvSpPr>
         <p:spPr>
@@ -2484,7 +2652,7 @@
           </a:prstGeom>
         </p:spPr>
         <p:txBody>
-          <a:bodyPr anchorCtr="0" anchor="t" bIns="91425" lIns="91425" rIns="91425" tIns="91425"/>
+          <a:bodyPr lIns="91425" tIns="91425" rIns="91425" bIns="91425" anchor="t" anchorCtr="0"/>
           <a:lstStyle>
             <a:lvl1pPr lvl="0" algn="ctr">
               <a:spcBef>
@@ -2604,15 +2772,19 @@
               </a:defRPr>
             </a:lvl9pPr>
           </a:lstStyle>
-          <a:p/>
+          <a:p>
+            <a:endParaRPr/>
+          </a:p>
         </p:txBody>
       </p:sp>
       <p:sp>
         <p:nvSpPr>
           <p:cNvPr id="78" name="Shape 78"/>
-          <p:cNvSpPr txBox="1"/>
+          <p:cNvSpPr txBox="1">
+            <a:spLocks noGrp="1"/>
+          </p:cNvSpPr>
           <p:nvPr>
-            <p:ph idx="12" type="sldNum"/>
+            <p:ph type="sldNum" idx="12"/>
           </p:nvPr>
         </p:nvSpPr>
         <p:spPr>
@@ -2625,7 +2797,7 @@
           </a:prstGeom>
         </p:spPr>
         <p:txBody>
-          <a:bodyPr anchorCtr="0" anchor="ctr" bIns="91425" lIns="91425" rIns="91425" tIns="91425">
+          <a:bodyPr lIns="91425" tIns="91425" rIns="91425" bIns="91425" anchor="ctr" anchorCtr="0">
             <a:noAutofit/>
           </a:bodyPr>
           <a:lstStyle/>
@@ -2640,6 +2812,7 @@
               <a:rPr lang="en"/>
               <a:t>‹#›</a:t>
             </a:fld>
+            <a:endParaRPr lang="en"/>
           </a:p>
         </p:txBody>
       </p:sp>
@@ -2652,11 +2825,11 @@
 </file>
 
 <file path=ppt/slideLayouts/slideLayout11.xml><?xml version="1.0" encoding="utf-8"?>
-<p:sldLayout xmlns:a="http://schemas.openxmlformats.org/drawingml/2006/main" xmlns:r="http://schemas.openxmlformats.org/officeDocument/2006/relationships" xmlns:mc="http://schemas.openxmlformats.org/markup-compatibility/2006" xmlns:mv="urn:schemas-microsoft-com:mac:vml" xmlns:p="http://schemas.openxmlformats.org/presentationml/2006/main" xmlns:c="http://schemas.openxmlformats.org/drawingml/2006/chart" xmlns:dgm="http://schemas.openxmlformats.org/drawingml/2006/diagram" xmlns:o="urn:schemas-microsoft-com:office:office" xmlns:v="urn:schemas-microsoft-com:vml" xmlns:pvml="urn:schemas-microsoft-com:office:powerpoint" xmlns:com="http://schemas.openxmlformats.org/drawingml/2006/compatibility" xmlns:p14="http://schemas.microsoft.com/office/powerpoint/2010/main" type="blank">
+<p:sldLayout xmlns:a="http://schemas.openxmlformats.org/drawingml/2006/main" xmlns:r="http://schemas.openxmlformats.org/officeDocument/2006/relationships" xmlns:p="http://schemas.openxmlformats.org/presentationml/2006/main" type="blank">
   <p:cSld name="Blank">
     <p:spTree>
       <p:nvGrpSpPr>
-        <p:cNvPr id="79" name="Shape 79"/>
+        <p:cNvPr id="1" name="Shape 79"/>
         <p:cNvGrpSpPr/>
         <p:nvPr/>
       </p:nvGrpSpPr>
@@ -2671,9 +2844,11 @@
       <p:sp>
         <p:nvSpPr>
           <p:cNvPr id="80" name="Shape 80"/>
-          <p:cNvSpPr txBox="1"/>
+          <p:cNvSpPr txBox="1">
+            <a:spLocks noGrp="1"/>
+          </p:cNvSpPr>
           <p:nvPr>
-            <p:ph idx="12" type="sldNum"/>
+            <p:ph type="sldNum" idx="12"/>
           </p:nvPr>
         </p:nvSpPr>
         <p:spPr>
@@ -2686,7 +2861,7 @@
           </a:prstGeom>
         </p:spPr>
         <p:txBody>
-          <a:bodyPr anchorCtr="0" anchor="ctr" bIns="91425" lIns="91425" rIns="91425" tIns="91425">
+          <a:bodyPr lIns="91425" tIns="91425" rIns="91425" bIns="91425" anchor="ctr" anchorCtr="0">
             <a:noAutofit/>
           </a:bodyPr>
           <a:lstStyle/>
@@ -2705,6 +2880,11 @@
               </a:rPr>
               <a:t>‹#›</a:t>
             </a:fld>
+            <a:endParaRPr lang="en">
+              <a:solidFill>
+                <a:schemeClr val="dk2"/>
+              </a:solidFill>
+            </a:endParaRPr>
           </a:p>
         </p:txBody>
       </p:sp>
@@ -2717,11 +2897,11 @@
 </file>
 
 <file path=ppt/slideLayouts/slideLayout12.xml><?xml version="1.0" encoding="utf-8"?>
-<p:sldLayout xmlns:a="http://schemas.openxmlformats.org/drawingml/2006/main" xmlns:r="http://schemas.openxmlformats.org/officeDocument/2006/relationships" xmlns:mc="http://schemas.openxmlformats.org/markup-compatibility/2006" xmlns:mv="urn:schemas-microsoft-com:mac:vml" xmlns:p="http://schemas.openxmlformats.org/presentationml/2006/main" xmlns:c="http://schemas.openxmlformats.org/drawingml/2006/chart" xmlns:dgm="http://schemas.openxmlformats.org/drawingml/2006/diagram" xmlns:o="urn:schemas-microsoft-com:office:office" xmlns:v="urn:schemas-microsoft-com:vml" xmlns:pvml="urn:schemas-microsoft-com:office:powerpoint" xmlns:com="http://schemas.openxmlformats.org/drawingml/2006/compatibility" xmlns:p14="http://schemas.microsoft.com/office/powerpoint/2010/main" type="title">
+<p:sldLayout xmlns:a="http://schemas.openxmlformats.org/drawingml/2006/main" xmlns:r="http://schemas.openxmlformats.org/officeDocument/2006/relationships" xmlns:p="http://schemas.openxmlformats.org/presentationml/2006/main" type="title">
   <p:cSld name="Title slide">
     <p:spTree>
       <p:nvGrpSpPr>
-        <p:cNvPr id="85" name="Shape 85"/>
+        <p:cNvPr id="1" name="Shape 85"/>
         <p:cNvGrpSpPr/>
         <p:nvPr/>
       </p:nvGrpSpPr>
@@ -2736,7 +2916,9 @@
       <p:sp>
         <p:nvSpPr>
           <p:cNvPr id="86" name="Shape 86"/>
-          <p:cNvSpPr txBox="1"/>
+          <p:cNvSpPr txBox="1">
+            <a:spLocks noGrp="1"/>
+          </p:cNvSpPr>
           <p:nvPr>
             <p:ph type="ctrTitle"/>
           </p:nvPr>
@@ -2751,65 +2933,65 @@
           </a:prstGeom>
         </p:spPr>
         <p:txBody>
-          <a:bodyPr anchorCtr="0" anchor="b" bIns="91425" lIns="91425" rIns="91425" tIns="91425"/>
+          <a:bodyPr lIns="91425" tIns="91425" rIns="91425" bIns="91425" anchor="b" anchorCtr="0"/>
           <a:lstStyle>
-            <a:lvl1pPr lvl="0" rtl="0" algn="ctr">
+            <a:lvl1pPr lvl="0" algn="ctr" rtl="0">
               <a:spcBef>
                 <a:spcPts val="0"/>
               </a:spcBef>
               <a:buSzPct val="100000"/>
               <a:defRPr sz="5200"/>
             </a:lvl1pPr>
-            <a:lvl2pPr lvl="1" rtl="0" algn="ctr">
+            <a:lvl2pPr lvl="1" algn="ctr" rtl="0">
               <a:spcBef>
                 <a:spcPts val="0"/>
               </a:spcBef>
               <a:buSzPct val="100000"/>
               <a:defRPr sz="5200"/>
             </a:lvl2pPr>
-            <a:lvl3pPr lvl="2" rtl="0" algn="ctr">
+            <a:lvl3pPr lvl="2" algn="ctr" rtl="0">
               <a:spcBef>
                 <a:spcPts val="0"/>
               </a:spcBef>
               <a:buSzPct val="100000"/>
               <a:defRPr sz="5200"/>
             </a:lvl3pPr>
-            <a:lvl4pPr lvl="3" rtl="0" algn="ctr">
+            <a:lvl4pPr lvl="3" algn="ctr" rtl="0">
               <a:spcBef>
                 <a:spcPts val="0"/>
               </a:spcBef>
               <a:buSzPct val="100000"/>
               <a:defRPr sz="5200"/>
             </a:lvl4pPr>
-            <a:lvl5pPr lvl="4" rtl="0" algn="ctr">
+            <a:lvl5pPr lvl="4" algn="ctr" rtl="0">
               <a:spcBef>
                 <a:spcPts val="0"/>
               </a:spcBef>
               <a:buSzPct val="100000"/>
               <a:defRPr sz="5200"/>
             </a:lvl5pPr>
-            <a:lvl6pPr lvl="5" rtl="0" algn="ctr">
+            <a:lvl6pPr lvl="5" algn="ctr" rtl="0">
               <a:spcBef>
                 <a:spcPts val="0"/>
               </a:spcBef>
               <a:buSzPct val="100000"/>
               <a:defRPr sz="5200"/>
             </a:lvl6pPr>
-            <a:lvl7pPr lvl="6" rtl="0" algn="ctr">
+            <a:lvl7pPr lvl="6" algn="ctr" rtl="0">
               <a:spcBef>
                 <a:spcPts val="0"/>
               </a:spcBef>
               <a:buSzPct val="100000"/>
               <a:defRPr sz="5200"/>
             </a:lvl7pPr>
-            <a:lvl8pPr lvl="7" rtl="0" algn="ctr">
+            <a:lvl8pPr lvl="7" algn="ctr" rtl="0">
               <a:spcBef>
                 <a:spcPts val="0"/>
               </a:spcBef>
               <a:buSzPct val="100000"/>
               <a:defRPr sz="5200"/>
             </a:lvl8pPr>
-            <a:lvl9pPr lvl="8" rtl="0" algn="ctr">
+            <a:lvl9pPr lvl="8" algn="ctr" rtl="0">
               <a:spcBef>
                 <a:spcPts val="0"/>
               </a:spcBef>
@@ -2817,15 +2999,19 @@
               <a:defRPr sz="5200"/>
             </a:lvl9pPr>
           </a:lstStyle>
-          <a:p/>
+          <a:p>
+            <a:endParaRPr/>
+          </a:p>
         </p:txBody>
       </p:sp>
       <p:sp>
         <p:nvSpPr>
           <p:cNvPr id="87" name="Shape 87"/>
-          <p:cNvSpPr txBox="1"/>
+          <p:cNvSpPr txBox="1">
+            <a:spLocks noGrp="1"/>
+          </p:cNvSpPr>
           <p:nvPr>
-            <p:ph idx="1" type="subTitle"/>
+            <p:ph type="subTitle" idx="1"/>
           </p:nvPr>
         </p:nvSpPr>
         <p:spPr>
@@ -2838,9 +3024,9 @@
           </a:prstGeom>
         </p:spPr>
         <p:txBody>
-          <a:bodyPr anchorCtr="0" anchor="t" bIns="91425" lIns="91425" rIns="91425" tIns="91425"/>
+          <a:bodyPr lIns="91425" tIns="91425" rIns="91425" bIns="91425" anchor="t" anchorCtr="0"/>
           <a:lstStyle>
-            <a:lvl1pPr lvl="0" rtl="0" algn="ctr">
+            <a:lvl1pPr lvl="0" algn="ctr" rtl="0">
               <a:lnSpc>
                 <a:spcPct val="100000"/>
               </a:lnSpc>
@@ -2854,7 +3040,7 @@
               <a:buNone/>
               <a:defRPr sz="2800"/>
             </a:lvl1pPr>
-            <a:lvl2pPr lvl="1" rtl="0" algn="ctr">
+            <a:lvl2pPr lvl="1" algn="ctr" rtl="0">
               <a:lnSpc>
                 <a:spcPct val="100000"/>
               </a:lnSpc>
@@ -2868,7 +3054,7 @@
               <a:buNone/>
               <a:defRPr sz="2800"/>
             </a:lvl2pPr>
-            <a:lvl3pPr lvl="2" rtl="0" algn="ctr">
+            <a:lvl3pPr lvl="2" algn="ctr" rtl="0">
               <a:lnSpc>
                 <a:spcPct val="100000"/>
               </a:lnSpc>
@@ -2882,7 +3068,7 @@
               <a:buNone/>
               <a:defRPr sz="2800"/>
             </a:lvl3pPr>
-            <a:lvl4pPr lvl="3" rtl="0" algn="ctr">
+            <a:lvl4pPr lvl="3" algn="ctr" rtl="0">
               <a:lnSpc>
                 <a:spcPct val="100000"/>
               </a:lnSpc>
@@ -2896,7 +3082,7 @@
               <a:buNone/>
               <a:defRPr sz="2800"/>
             </a:lvl4pPr>
-            <a:lvl5pPr lvl="4" rtl="0" algn="ctr">
+            <a:lvl5pPr lvl="4" algn="ctr" rtl="0">
               <a:lnSpc>
                 <a:spcPct val="100000"/>
               </a:lnSpc>
@@ -2910,7 +3096,7 @@
               <a:buNone/>
               <a:defRPr sz="2800"/>
             </a:lvl5pPr>
-            <a:lvl6pPr lvl="5" rtl="0" algn="ctr">
+            <a:lvl6pPr lvl="5" algn="ctr" rtl="0">
               <a:lnSpc>
                 <a:spcPct val="100000"/>
               </a:lnSpc>
@@ -2924,7 +3110,7 @@
               <a:buNone/>
               <a:defRPr sz="2800"/>
             </a:lvl6pPr>
-            <a:lvl7pPr lvl="6" rtl="0" algn="ctr">
+            <a:lvl7pPr lvl="6" algn="ctr" rtl="0">
               <a:lnSpc>
                 <a:spcPct val="100000"/>
               </a:lnSpc>
@@ -2938,7 +3124,7 @@
               <a:buNone/>
               <a:defRPr sz="2800"/>
             </a:lvl7pPr>
-            <a:lvl8pPr lvl="7" rtl="0" algn="ctr">
+            <a:lvl8pPr lvl="7" algn="ctr" rtl="0">
               <a:lnSpc>
                 <a:spcPct val="100000"/>
               </a:lnSpc>
@@ -2952,7 +3138,7 @@
               <a:buNone/>
               <a:defRPr sz="2800"/>
             </a:lvl8pPr>
-            <a:lvl9pPr lvl="8" rtl="0" algn="ctr">
+            <a:lvl9pPr lvl="8" algn="ctr" rtl="0">
               <a:lnSpc>
                 <a:spcPct val="100000"/>
               </a:lnSpc>
@@ -2967,15 +3153,19 @@
               <a:defRPr sz="2800"/>
             </a:lvl9pPr>
           </a:lstStyle>
-          <a:p/>
+          <a:p>
+            <a:endParaRPr/>
+          </a:p>
         </p:txBody>
       </p:sp>
       <p:sp>
         <p:nvSpPr>
           <p:cNvPr id="88" name="Shape 88"/>
-          <p:cNvSpPr txBox="1"/>
+          <p:cNvSpPr txBox="1">
+            <a:spLocks noGrp="1"/>
+          </p:cNvSpPr>
           <p:nvPr>
-            <p:ph idx="12" type="sldNum"/>
+            <p:ph type="sldNum" idx="12"/>
           </p:nvPr>
         </p:nvSpPr>
         <p:spPr>
@@ -2988,7 +3178,7 @@
           </a:prstGeom>
         </p:spPr>
         <p:txBody>
-          <a:bodyPr anchorCtr="0" anchor="ctr" bIns="91425" lIns="91425" rIns="91425" tIns="91425">
+          <a:bodyPr lIns="91425" tIns="91425" rIns="91425" bIns="91425" anchor="ctr" anchorCtr="0">
             <a:noAutofit/>
           </a:bodyPr>
           <a:lstStyle/>
@@ -3003,6 +3193,7 @@
               <a:rPr lang="en"/>
               <a:t>‹#›</a:t>
             </a:fld>
+            <a:endParaRPr lang="en"/>
           </a:p>
         </p:txBody>
       </p:sp>
@@ -3015,11 +3206,11 @@
 </file>
 
 <file path=ppt/slideLayouts/slideLayout13.xml><?xml version="1.0" encoding="utf-8"?>
-<p:sldLayout xmlns:a="http://schemas.openxmlformats.org/drawingml/2006/main" xmlns:r="http://schemas.openxmlformats.org/officeDocument/2006/relationships" xmlns:mc="http://schemas.openxmlformats.org/markup-compatibility/2006" xmlns:mv="urn:schemas-microsoft-com:mac:vml" xmlns:p="http://schemas.openxmlformats.org/presentationml/2006/main" xmlns:c="http://schemas.openxmlformats.org/drawingml/2006/chart" xmlns:dgm="http://schemas.openxmlformats.org/drawingml/2006/diagram" xmlns:o="urn:schemas-microsoft-com:office:office" xmlns:v="urn:schemas-microsoft-com:vml" xmlns:pvml="urn:schemas-microsoft-com:office:powerpoint" xmlns:com="http://schemas.openxmlformats.org/drawingml/2006/compatibility" xmlns:p14="http://schemas.microsoft.com/office/powerpoint/2010/main" type="secHead">
+<p:sldLayout xmlns:a="http://schemas.openxmlformats.org/drawingml/2006/main" xmlns:r="http://schemas.openxmlformats.org/officeDocument/2006/relationships" xmlns:p="http://schemas.openxmlformats.org/presentationml/2006/main" type="secHead">
   <p:cSld name="Section header">
     <p:spTree>
       <p:nvGrpSpPr>
-        <p:cNvPr id="89" name="Shape 89"/>
+        <p:cNvPr id="1" name="Shape 89"/>
         <p:cNvGrpSpPr/>
         <p:nvPr/>
       </p:nvGrpSpPr>
@@ -3034,7 +3225,9 @@
       <p:sp>
         <p:nvSpPr>
           <p:cNvPr id="90" name="Shape 90"/>
-          <p:cNvSpPr txBox="1"/>
+          <p:cNvSpPr txBox="1">
+            <a:spLocks noGrp="1"/>
+          </p:cNvSpPr>
           <p:nvPr>
             <p:ph type="title"/>
           </p:nvPr>
@@ -3049,65 +3242,65 @@
           </a:prstGeom>
         </p:spPr>
         <p:txBody>
-          <a:bodyPr anchorCtr="0" anchor="ctr" bIns="91425" lIns="91425" rIns="91425" tIns="91425"/>
+          <a:bodyPr lIns="91425" tIns="91425" rIns="91425" bIns="91425" anchor="ctr" anchorCtr="0"/>
           <a:lstStyle>
-            <a:lvl1pPr lvl="0" rtl="0" algn="ctr">
+            <a:lvl1pPr lvl="0" algn="ctr" rtl="0">
               <a:spcBef>
                 <a:spcPts val="0"/>
               </a:spcBef>
               <a:buSzPct val="100000"/>
               <a:defRPr sz="3600"/>
             </a:lvl1pPr>
-            <a:lvl2pPr lvl="1" rtl="0" algn="ctr">
+            <a:lvl2pPr lvl="1" algn="ctr" rtl="0">
               <a:spcBef>
                 <a:spcPts val="0"/>
               </a:spcBef>
               <a:buSzPct val="100000"/>
               <a:defRPr sz="3600"/>
             </a:lvl2pPr>
-            <a:lvl3pPr lvl="2" rtl="0" algn="ctr">
+            <a:lvl3pPr lvl="2" algn="ctr" rtl="0">
               <a:spcBef>
                 <a:spcPts val="0"/>
               </a:spcBef>
               <a:buSzPct val="100000"/>
               <a:defRPr sz="3600"/>
             </a:lvl3pPr>
-            <a:lvl4pPr lvl="3" rtl="0" algn="ctr">
+            <a:lvl4pPr lvl="3" algn="ctr" rtl="0">
               <a:spcBef>
                 <a:spcPts val="0"/>
               </a:spcBef>
               <a:buSzPct val="100000"/>
               <a:defRPr sz="3600"/>
             </a:lvl4pPr>
-            <a:lvl5pPr lvl="4" rtl="0" algn="ctr">
+            <a:lvl5pPr lvl="4" algn="ctr" rtl="0">
               <a:spcBef>
                 <a:spcPts val="0"/>
               </a:spcBef>
               <a:buSzPct val="100000"/>
               <a:defRPr sz="3600"/>
             </a:lvl5pPr>
-            <a:lvl6pPr lvl="5" rtl="0" algn="ctr">
+            <a:lvl6pPr lvl="5" algn="ctr" rtl="0">
               <a:spcBef>
                 <a:spcPts val="0"/>
               </a:spcBef>
               <a:buSzPct val="100000"/>
               <a:defRPr sz="3600"/>
             </a:lvl6pPr>
-            <a:lvl7pPr lvl="6" rtl="0" algn="ctr">
+            <a:lvl7pPr lvl="6" algn="ctr" rtl="0">
               <a:spcBef>
                 <a:spcPts val="0"/>
               </a:spcBef>
               <a:buSzPct val="100000"/>
               <a:defRPr sz="3600"/>
             </a:lvl7pPr>
-            <a:lvl8pPr lvl="7" rtl="0" algn="ctr">
+            <a:lvl8pPr lvl="7" algn="ctr" rtl="0">
               <a:spcBef>
                 <a:spcPts val="0"/>
               </a:spcBef>
               <a:buSzPct val="100000"/>
               <a:defRPr sz="3600"/>
             </a:lvl8pPr>
-            <a:lvl9pPr lvl="8" rtl="0" algn="ctr">
+            <a:lvl9pPr lvl="8" algn="ctr" rtl="0">
               <a:spcBef>
                 <a:spcPts val="0"/>
               </a:spcBef>
@@ -3115,15 +3308,19 @@
               <a:defRPr sz="3600"/>
             </a:lvl9pPr>
           </a:lstStyle>
-          <a:p/>
+          <a:p>
+            <a:endParaRPr/>
+          </a:p>
         </p:txBody>
       </p:sp>
       <p:sp>
         <p:nvSpPr>
           <p:cNvPr id="91" name="Shape 91"/>
-          <p:cNvSpPr txBox="1"/>
+          <p:cNvSpPr txBox="1">
+            <a:spLocks noGrp="1"/>
+          </p:cNvSpPr>
           <p:nvPr>
-            <p:ph idx="12" type="sldNum"/>
+            <p:ph type="sldNum" idx="12"/>
           </p:nvPr>
         </p:nvSpPr>
         <p:spPr>
@@ -3136,7 +3333,7 @@
           </a:prstGeom>
         </p:spPr>
         <p:txBody>
-          <a:bodyPr anchorCtr="0" anchor="ctr" bIns="91425" lIns="91425" rIns="91425" tIns="91425">
+          <a:bodyPr lIns="91425" tIns="91425" rIns="91425" bIns="91425" anchor="ctr" anchorCtr="0">
             <a:noAutofit/>
           </a:bodyPr>
           <a:lstStyle/>
@@ -3151,6 +3348,7 @@
               <a:rPr lang="en"/>
               <a:t>‹#›</a:t>
             </a:fld>
+            <a:endParaRPr lang="en"/>
           </a:p>
         </p:txBody>
       </p:sp>
@@ -3163,11 +3361,11 @@
 </file>
 
 <file path=ppt/slideLayouts/slideLayout14.xml><?xml version="1.0" encoding="utf-8"?>
-<p:sldLayout xmlns:a="http://schemas.openxmlformats.org/drawingml/2006/main" xmlns:r="http://schemas.openxmlformats.org/officeDocument/2006/relationships" xmlns:mc="http://schemas.openxmlformats.org/markup-compatibility/2006" xmlns:mv="urn:schemas-microsoft-com:mac:vml" xmlns:p="http://schemas.openxmlformats.org/presentationml/2006/main" xmlns:c="http://schemas.openxmlformats.org/drawingml/2006/chart" xmlns:dgm="http://schemas.openxmlformats.org/drawingml/2006/diagram" xmlns:o="urn:schemas-microsoft-com:office:office" xmlns:v="urn:schemas-microsoft-com:vml" xmlns:pvml="urn:schemas-microsoft-com:office:powerpoint" xmlns:com="http://schemas.openxmlformats.org/drawingml/2006/compatibility" xmlns:p14="http://schemas.microsoft.com/office/powerpoint/2010/main" type="tx">
+<p:sldLayout xmlns:a="http://schemas.openxmlformats.org/drawingml/2006/main" xmlns:r="http://schemas.openxmlformats.org/officeDocument/2006/relationships" xmlns:p="http://schemas.openxmlformats.org/presentationml/2006/main" type="tx">
   <p:cSld name="Title and body">
     <p:spTree>
       <p:nvGrpSpPr>
-        <p:cNvPr id="92" name="Shape 92"/>
+        <p:cNvPr id="1" name="Shape 92"/>
         <p:cNvGrpSpPr/>
         <p:nvPr/>
       </p:nvGrpSpPr>
@@ -3182,7 +3380,9 @@
       <p:sp>
         <p:nvSpPr>
           <p:cNvPr id="93" name="Shape 93"/>
-          <p:cNvSpPr txBox="1"/>
+          <p:cNvSpPr txBox="1">
+            <a:spLocks noGrp="1"/>
+          </p:cNvSpPr>
           <p:nvPr>
             <p:ph type="title"/>
           </p:nvPr>
@@ -3197,7 +3397,7 @@
           </a:prstGeom>
         </p:spPr>
         <p:txBody>
-          <a:bodyPr anchorCtr="0" anchor="t" bIns="91425" lIns="91425" rIns="91425" tIns="91425"/>
+          <a:bodyPr lIns="91425" tIns="91425" rIns="91425" bIns="91425" anchor="t" anchorCtr="0"/>
           <a:lstStyle>
             <a:lvl1pPr lvl="0" rtl="0">
               <a:spcBef>
@@ -3254,15 +3454,19 @@
               <a:defRPr/>
             </a:lvl9pPr>
           </a:lstStyle>
-          <a:p/>
+          <a:p>
+            <a:endParaRPr/>
+          </a:p>
         </p:txBody>
       </p:sp>
       <p:sp>
         <p:nvSpPr>
           <p:cNvPr id="94" name="Shape 94"/>
-          <p:cNvSpPr txBox="1"/>
+          <p:cNvSpPr txBox="1">
+            <a:spLocks noGrp="1"/>
+          </p:cNvSpPr>
           <p:nvPr>
-            <p:ph idx="1" type="body"/>
+            <p:ph type="body" idx="1"/>
           </p:nvPr>
         </p:nvSpPr>
         <p:spPr>
@@ -3275,7 +3479,7 @@
           </a:prstGeom>
         </p:spPr>
         <p:txBody>
-          <a:bodyPr anchorCtr="0" anchor="t" bIns="91425" lIns="91425" rIns="91425" tIns="91425"/>
+          <a:bodyPr lIns="91425" tIns="91425" rIns="91425" bIns="91425" anchor="t" anchorCtr="0"/>
           <a:lstStyle>
             <a:lvl1pPr lvl="0" rtl="0">
               <a:spcBef>
@@ -3332,15 +3536,19 @@
               <a:defRPr/>
             </a:lvl9pPr>
           </a:lstStyle>
-          <a:p/>
+          <a:p>
+            <a:endParaRPr/>
+          </a:p>
         </p:txBody>
       </p:sp>
       <p:sp>
         <p:nvSpPr>
           <p:cNvPr id="95" name="Shape 95"/>
-          <p:cNvSpPr txBox="1"/>
+          <p:cNvSpPr txBox="1">
+            <a:spLocks noGrp="1"/>
+          </p:cNvSpPr>
           <p:nvPr>
-            <p:ph idx="12" type="sldNum"/>
+            <p:ph type="sldNum" idx="12"/>
           </p:nvPr>
         </p:nvSpPr>
         <p:spPr>
@@ -3353,7 +3561,7 @@
           </a:prstGeom>
         </p:spPr>
         <p:txBody>
-          <a:bodyPr anchorCtr="0" anchor="ctr" bIns="91425" lIns="91425" rIns="91425" tIns="91425">
+          <a:bodyPr lIns="91425" tIns="91425" rIns="91425" bIns="91425" anchor="ctr" anchorCtr="0">
             <a:noAutofit/>
           </a:bodyPr>
           <a:lstStyle/>
@@ -3368,6 +3576,7 @@
               <a:rPr lang="en"/>
               <a:t>‹#›</a:t>
             </a:fld>
+            <a:endParaRPr lang="en"/>
           </a:p>
         </p:txBody>
       </p:sp>
@@ -3380,11 +3589,11 @@
 </file>
 
 <file path=ppt/slideLayouts/slideLayout15.xml><?xml version="1.0" encoding="utf-8"?>
-<p:sldLayout xmlns:a="http://schemas.openxmlformats.org/drawingml/2006/main" xmlns:r="http://schemas.openxmlformats.org/officeDocument/2006/relationships" xmlns:mc="http://schemas.openxmlformats.org/markup-compatibility/2006" xmlns:mv="urn:schemas-microsoft-com:mac:vml" xmlns:p="http://schemas.openxmlformats.org/presentationml/2006/main" xmlns:c="http://schemas.openxmlformats.org/drawingml/2006/chart" xmlns:dgm="http://schemas.openxmlformats.org/drawingml/2006/diagram" xmlns:o="urn:schemas-microsoft-com:office:office" xmlns:v="urn:schemas-microsoft-com:vml" xmlns:pvml="urn:schemas-microsoft-com:office:powerpoint" xmlns:com="http://schemas.openxmlformats.org/drawingml/2006/compatibility" xmlns:p14="http://schemas.microsoft.com/office/powerpoint/2010/main" type="twoColTx">
+<p:sldLayout xmlns:a="http://schemas.openxmlformats.org/drawingml/2006/main" xmlns:r="http://schemas.openxmlformats.org/officeDocument/2006/relationships" xmlns:p="http://schemas.openxmlformats.org/presentationml/2006/main" type="twoColTx">
   <p:cSld name="Title and two columns">
     <p:spTree>
       <p:nvGrpSpPr>
-        <p:cNvPr id="96" name="Shape 96"/>
+        <p:cNvPr id="1" name="Shape 96"/>
         <p:cNvGrpSpPr/>
         <p:nvPr/>
       </p:nvGrpSpPr>
@@ -3399,7 +3608,9 @@
       <p:sp>
         <p:nvSpPr>
           <p:cNvPr id="97" name="Shape 97"/>
-          <p:cNvSpPr txBox="1"/>
+          <p:cNvSpPr txBox="1">
+            <a:spLocks noGrp="1"/>
+          </p:cNvSpPr>
           <p:nvPr>
             <p:ph type="title"/>
           </p:nvPr>
@@ -3414,7 +3625,7 @@
           </a:prstGeom>
         </p:spPr>
         <p:txBody>
-          <a:bodyPr anchorCtr="0" anchor="t" bIns="91425" lIns="91425" rIns="91425" tIns="91425"/>
+          <a:bodyPr lIns="91425" tIns="91425" rIns="91425" bIns="91425" anchor="t" anchorCtr="0"/>
           <a:lstStyle>
             <a:lvl1pPr lvl="0" rtl="0">
               <a:spcBef>
@@ -3471,15 +3682,19 @@
               <a:defRPr/>
             </a:lvl9pPr>
           </a:lstStyle>
-          <a:p/>
+          <a:p>
+            <a:endParaRPr/>
+          </a:p>
         </p:txBody>
       </p:sp>
       <p:sp>
         <p:nvSpPr>
           <p:cNvPr id="98" name="Shape 98"/>
-          <p:cNvSpPr txBox="1"/>
+          <p:cNvSpPr txBox="1">
+            <a:spLocks noGrp="1"/>
+          </p:cNvSpPr>
           <p:nvPr>
-            <p:ph idx="1" type="body"/>
+            <p:ph type="body" idx="1"/>
           </p:nvPr>
         </p:nvSpPr>
         <p:spPr>
@@ -3492,7 +3707,7 @@
           </a:prstGeom>
         </p:spPr>
         <p:txBody>
-          <a:bodyPr anchorCtr="0" anchor="t" bIns="91425" lIns="91425" rIns="91425" tIns="91425"/>
+          <a:bodyPr lIns="91425" tIns="91425" rIns="91425" bIns="91425" anchor="t" anchorCtr="0"/>
           <a:lstStyle>
             <a:lvl1pPr lvl="0" rtl="0">
               <a:spcBef>
@@ -3558,15 +3773,19 @@
               <a:defRPr sz="1200"/>
             </a:lvl9pPr>
           </a:lstStyle>
-          <a:p/>
+          <a:p>
+            <a:endParaRPr/>
+          </a:p>
         </p:txBody>
       </p:sp>
       <p:sp>
         <p:nvSpPr>
           <p:cNvPr id="99" name="Shape 99"/>
-          <p:cNvSpPr txBox="1"/>
+          <p:cNvSpPr txBox="1">
+            <a:spLocks noGrp="1"/>
+          </p:cNvSpPr>
           <p:nvPr>
-            <p:ph idx="2" type="body"/>
+            <p:ph type="body" idx="2"/>
           </p:nvPr>
         </p:nvSpPr>
         <p:spPr>
@@ -3579,7 +3798,7 @@
           </a:prstGeom>
         </p:spPr>
         <p:txBody>
-          <a:bodyPr anchorCtr="0" anchor="t" bIns="91425" lIns="91425" rIns="91425" tIns="91425"/>
+          <a:bodyPr lIns="91425" tIns="91425" rIns="91425" bIns="91425" anchor="t" anchorCtr="0"/>
           <a:lstStyle>
             <a:lvl1pPr lvl="0" rtl="0">
               <a:spcBef>
@@ -3645,15 +3864,19 @@
               <a:defRPr sz="1200"/>
             </a:lvl9pPr>
           </a:lstStyle>
-          <a:p/>
+          <a:p>
+            <a:endParaRPr/>
+          </a:p>
         </p:txBody>
       </p:sp>
       <p:sp>
         <p:nvSpPr>
           <p:cNvPr id="100" name="Shape 100"/>
-          <p:cNvSpPr txBox="1"/>
+          <p:cNvSpPr txBox="1">
+            <a:spLocks noGrp="1"/>
+          </p:cNvSpPr>
           <p:nvPr>
-            <p:ph idx="12" type="sldNum"/>
+            <p:ph type="sldNum" idx="12"/>
           </p:nvPr>
         </p:nvSpPr>
         <p:spPr>
@@ -3666,7 +3889,7 @@
           </a:prstGeom>
         </p:spPr>
         <p:txBody>
-          <a:bodyPr anchorCtr="0" anchor="ctr" bIns="91425" lIns="91425" rIns="91425" tIns="91425">
+          <a:bodyPr lIns="91425" tIns="91425" rIns="91425" bIns="91425" anchor="ctr" anchorCtr="0">
             <a:noAutofit/>
           </a:bodyPr>
           <a:lstStyle/>
@@ -3681,6 +3904,7 @@
               <a:rPr lang="en"/>
               <a:t>‹#›</a:t>
             </a:fld>
+            <a:endParaRPr lang="en"/>
           </a:p>
         </p:txBody>
       </p:sp>
@@ -3693,11 +3917,11 @@
 </file>
 
 <file path=ppt/slideLayouts/slideLayout16.xml><?xml version="1.0" encoding="utf-8"?>
-<p:sldLayout xmlns:a="http://schemas.openxmlformats.org/drawingml/2006/main" xmlns:r="http://schemas.openxmlformats.org/officeDocument/2006/relationships" xmlns:mc="http://schemas.openxmlformats.org/markup-compatibility/2006" xmlns:mv="urn:schemas-microsoft-com:mac:vml" xmlns:p="http://schemas.openxmlformats.org/presentationml/2006/main" xmlns:c="http://schemas.openxmlformats.org/drawingml/2006/chart" xmlns:dgm="http://schemas.openxmlformats.org/drawingml/2006/diagram" xmlns:o="urn:schemas-microsoft-com:office:office" xmlns:v="urn:schemas-microsoft-com:vml" xmlns:pvml="urn:schemas-microsoft-com:office:powerpoint" xmlns:com="http://schemas.openxmlformats.org/drawingml/2006/compatibility" xmlns:p14="http://schemas.microsoft.com/office/powerpoint/2010/main" type="titleOnly">
+<p:sldLayout xmlns:a="http://schemas.openxmlformats.org/drawingml/2006/main" xmlns:r="http://schemas.openxmlformats.org/officeDocument/2006/relationships" xmlns:p="http://schemas.openxmlformats.org/presentationml/2006/main" type="titleOnly">
   <p:cSld name="Title only">
     <p:spTree>
       <p:nvGrpSpPr>
-        <p:cNvPr id="101" name="Shape 101"/>
+        <p:cNvPr id="1" name="Shape 101"/>
         <p:cNvGrpSpPr/>
         <p:nvPr/>
       </p:nvGrpSpPr>
@@ -3712,7 +3936,9 @@
       <p:sp>
         <p:nvSpPr>
           <p:cNvPr id="102" name="Shape 102"/>
-          <p:cNvSpPr txBox="1"/>
+          <p:cNvSpPr txBox="1">
+            <a:spLocks noGrp="1"/>
+          </p:cNvSpPr>
           <p:nvPr>
             <p:ph type="title"/>
           </p:nvPr>
@@ -3727,7 +3953,7 @@
           </a:prstGeom>
         </p:spPr>
         <p:txBody>
-          <a:bodyPr anchorCtr="0" anchor="t" bIns="91425" lIns="91425" rIns="91425" tIns="91425"/>
+          <a:bodyPr lIns="91425" tIns="91425" rIns="91425" bIns="91425" anchor="t" anchorCtr="0"/>
           <a:lstStyle>
             <a:lvl1pPr lvl="0" rtl="0">
               <a:spcBef>
@@ -3784,15 +4010,19 @@
               <a:defRPr/>
             </a:lvl9pPr>
           </a:lstStyle>
-          <a:p/>
+          <a:p>
+            <a:endParaRPr/>
+          </a:p>
         </p:txBody>
       </p:sp>
       <p:sp>
         <p:nvSpPr>
           <p:cNvPr id="103" name="Shape 103"/>
-          <p:cNvSpPr txBox="1"/>
+          <p:cNvSpPr txBox="1">
+            <a:spLocks noGrp="1"/>
+          </p:cNvSpPr>
           <p:nvPr>
-            <p:ph idx="12" type="sldNum"/>
+            <p:ph type="sldNum" idx="12"/>
           </p:nvPr>
         </p:nvSpPr>
         <p:spPr>
@@ -3805,7 +4035,7 @@
           </a:prstGeom>
         </p:spPr>
         <p:txBody>
-          <a:bodyPr anchorCtr="0" anchor="ctr" bIns="91425" lIns="91425" rIns="91425" tIns="91425">
+          <a:bodyPr lIns="91425" tIns="91425" rIns="91425" bIns="91425" anchor="ctr" anchorCtr="0">
             <a:noAutofit/>
           </a:bodyPr>
           <a:lstStyle/>
@@ -3820,6 +4050,7 @@
               <a:rPr lang="en"/>
               <a:t>‹#›</a:t>
             </a:fld>
+            <a:endParaRPr lang="en"/>
           </a:p>
         </p:txBody>
       </p:sp>
@@ -3832,11 +4063,11 @@
 </file>
 
 <file path=ppt/slideLayouts/slideLayout17.xml><?xml version="1.0" encoding="utf-8"?>
-<p:sldLayout xmlns:a="http://schemas.openxmlformats.org/drawingml/2006/main" xmlns:r="http://schemas.openxmlformats.org/officeDocument/2006/relationships" xmlns:mc="http://schemas.openxmlformats.org/markup-compatibility/2006" xmlns:mv="urn:schemas-microsoft-com:mac:vml" xmlns:p="http://schemas.openxmlformats.org/presentationml/2006/main" xmlns:c="http://schemas.openxmlformats.org/drawingml/2006/chart" xmlns:dgm="http://schemas.openxmlformats.org/drawingml/2006/diagram" xmlns:o="urn:schemas-microsoft-com:office:office" xmlns:v="urn:schemas-microsoft-com:vml" xmlns:pvml="urn:schemas-microsoft-com:office:powerpoint" xmlns:com="http://schemas.openxmlformats.org/drawingml/2006/compatibility" xmlns:p14="http://schemas.microsoft.com/office/powerpoint/2010/main">
+<p:sldLayout xmlns:a="http://schemas.openxmlformats.org/drawingml/2006/main" xmlns:r="http://schemas.openxmlformats.org/officeDocument/2006/relationships" xmlns:p="http://schemas.openxmlformats.org/presentationml/2006/main">
   <p:cSld name="One column text">
     <p:spTree>
       <p:nvGrpSpPr>
-        <p:cNvPr id="104" name="Shape 104"/>
+        <p:cNvPr id="1" name="Shape 104"/>
         <p:cNvGrpSpPr/>
         <p:nvPr/>
       </p:nvGrpSpPr>
@@ -3851,7 +4082,9 @@
       <p:sp>
         <p:nvSpPr>
           <p:cNvPr id="105" name="Shape 105"/>
-          <p:cNvSpPr txBox="1"/>
+          <p:cNvSpPr txBox="1">
+            <a:spLocks noGrp="1"/>
+          </p:cNvSpPr>
           <p:nvPr>
             <p:ph type="title"/>
           </p:nvPr>
@@ -3866,7 +4099,7 @@
           </a:prstGeom>
         </p:spPr>
         <p:txBody>
-          <a:bodyPr anchorCtr="0" anchor="b" bIns="91425" lIns="91425" rIns="91425" tIns="91425"/>
+          <a:bodyPr lIns="91425" tIns="91425" rIns="91425" bIns="91425" anchor="b" anchorCtr="0"/>
           <a:lstStyle>
             <a:lvl1pPr lvl="0" rtl="0">
               <a:spcBef>
@@ -3932,15 +4165,19 @@
               <a:defRPr sz="2400"/>
             </a:lvl9pPr>
           </a:lstStyle>
-          <a:p/>
+          <a:p>
+            <a:endParaRPr/>
+          </a:p>
         </p:txBody>
       </p:sp>
       <p:sp>
         <p:nvSpPr>
           <p:cNvPr id="106" name="Shape 106"/>
-          <p:cNvSpPr txBox="1"/>
+          <p:cNvSpPr txBox="1">
+            <a:spLocks noGrp="1"/>
+          </p:cNvSpPr>
           <p:nvPr>
-            <p:ph idx="1" type="body"/>
+            <p:ph type="body" idx="1"/>
           </p:nvPr>
         </p:nvSpPr>
         <p:spPr>
@@ -3953,7 +4190,7 @@
           </a:prstGeom>
         </p:spPr>
         <p:txBody>
-          <a:bodyPr anchorCtr="0" anchor="t" bIns="91425" lIns="91425" rIns="91425" tIns="91425"/>
+          <a:bodyPr lIns="91425" tIns="91425" rIns="91425" bIns="91425" anchor="t" anchorCtr="0"/>
           <a:lstStyle>
             <a:lvl1pPr lvl="0" rtl="0">
               <a:spcBef>
@@ -4019,15 +4256,19 @@
               <a:defRPr sz="1200"/>
             </a:lvl9pPr>
           </a:lstStyle>
-          <a:p/>
+          <a:p>
+            <a:endParaRPr/>
+          </a:p>
         </p:txBody>
       </p:sp>
       <p:sp>
         <p:nvSpPr>
           <p:cNvPr id="107" name="Shape 107"/>
-          <p:cNvSpPr txBox="1"/>
+          <p:cNvSpPr txBox="1">
+            <a:spLocks noGrp="1"/>
+          </p:cNvSpPr>
           <p:nvPr>
-            <p:ph idx="12" type="sldNum"/>
+            <p:ph type="sldNum" idx="12"/>
           </p:nvPr>
         </p:nvSpPr>
         <p:spPr>
@@ -4040,7 +4281,7 @@
           </a:prstGeom>
         </p:spPr>
         <p:txBody>
-          <a:bodyPr anchorCtr="0" anchor="ctr" bIns="91425" lIns="91425" rIns="91425" tIns="91425">
+          <a:bodyPr lIns="91425" tIns="91425" rIns="91425" bIns="91425" anchor="ctr" anchorCtr="0">
             <a:noAutofit/>
           </a:bodyPr>
           <a:lstStyle/>
@@ -4055,6 +4296,7 @@
               <a:rPr lang="en"/>
               <a:t>‹#›</a:t>
             </a:fld>
+            <a:endParaRPr lang="en"/>
           </a:p>
         </p:txBody>
       </p:sp>
@@ -4067,11 +4309,11 @@
 </file>
 
 <file path=ppt/slideLayouts/slideLayout18.xml><?xml version="1.0" encoding="utf-8"?>
-<p:sldLayout xmlns:a="http://schemas.openxmlformats.org/drawingml/2006/main" xmlns:r="http://schemas.openxmlformats.org/officeDocument/2006/relationships" xmlns:mc="http://schemas.openxmlformats.org/markup-compatibility/2006" xmlns:mv="urn:schemas-microsoft-com:mac:vml" xmlns:p="http://schemas.openxmlformats.org/presentationml/2006/main" xmlns:c="http://schemas.openxmlformats.org/drawingml/2006/chart" xmlns:dgm="http://schemas.openxmlformats.org/drawingml/2006/diagram" xmlns:o="urn:schemas-microsoft-com:office:office" xmlns:v="urn:schemas-microsoft-com:vml" xmlns:pvml="urn:schemas-microsoft-com:office:powerpoint" xmlns:com="http://schemas.openxmlformats.org/drawingml/2006/compatibility" xmlns:p14="http://schemas.microsoft.com/office/powerpoint/2010/main">
+<p:sldLayout xmlns:a="http://schemas.openxmlformats.org/drawingml/2006/main" xmlns:r="http://schemas.openxmlformats.org/officeDocument/2006/relationships" xmlns:p="http://schemas.openxmlformats.org/presentationml/2006/main">
   <p:cSld name="Main point">
     <p:spTree>
       <p:nvGrpSpPr>
-        <p:cNvPr id="108" name="Shape 108"/>
+        <p:cNvPr id="1" name="Shape 108"/>
         <p:cNvGrpSpPr/>
         <p:nvPr/>
       </p:nvGrpSpPr>
@@ -4086,7 +4328,9 @@
       <p:sp>
         <p:nvSpPr>
           <p:cNvPr id="109" name="Shape 109"/>
-          <p:cNvSpPr txBox="1"/>
+          <p:cNvSpPr txBox="1">
+            <a:spLocks noGrp="1"/>
+          </p:cNvSpPr>
           <p:nvPr>
             <p:ph type="title"/>
           </p:nvPr>
@@ -4101,7 +4345,7 @@
           </a:prstGeom>
         </p:spPr>
         <p:txBody>
-          <a:bodyPr anchorCtr="0" anchor="ctr" bIns="91425" lIns="91425" rIns="91425" tIns="91425"/>
+          <a:bodyPr lIns="91425" tIns="91425" rIns="91425" bIns="91425" anchor="ctr" anchorCtr="0"/>
           <a:lstStyle>
             <a:lvl1pPr lvl="0" rtl="0">
               <a:spcBef>
@@ -4167,15 +4411,19 @@
               <a:defRPr sz="4800"/>
             </a:lvl9pPr>
           </a:lstStyle>
-          <a:p/>
+          <a:p>
+            <a:endParaRPr/>
+          </a:p>
         </p:txBody>
       </p:sp>
       <p:sp>
         <p:nvSpPr>
           <p:cNvPr id="110" name="Shape 110"/>
-          <p:cNvSpPr txBox="1"/>
+          <p:cNvSpPr txBox="1">
+            <a:spLocks noGrp="1"/>
+          </p:cNvSpPr>
           <p:nvPr>
-            <p:ph idx="12" type="sldNum"/>
+            <p:ph type="sldNum" idx="12"/>
           </p:nvPr>
         </p:nvSpPr>
         <p:spPr>
@@ -4188,7 +4436,7 @@
           </a:prstGeom>
         </p:spPr>
         <p:txBody>
-          <a:bodyPr anchorCtr="0" anchor="ctr" bIns="91425" lIns="91425" rIns="91425" tIns="91425">
+          <a:bodyPr lIns="91425" tIns="91425" rIns="91425" bIns="91425" anchor="ctr" anchorCtr="0">
             <a:noAutofit/>
           </a:bodyPr>
           <a:lstStyle/>
@@ -4203,6 +4451,7 @@
               <a:rPr lang="en"/>
               <a:t>‹#›</a:t>
             </a:fld>
+            <a:endParaRPr lang="en"/>
           </a:p>
         </p:txBody>
       </p:sp>
@@ -4215,11 +4464,11 @@
 </file>
 
 <file path=ppt/slideLayouts/slideLayout19.xml><?xml version="1.0" encoding="utf-8"?>
-<p:sldLayout xmlns:a="http://schemas.openxmlformats.org/drawingml/2006/main" xmlns:r="http://schemas.openxmlformats.org/officeDocument/2006/relationships" xmlns:mc="http://schemas.openxmlformats.org/markup-compatibility/2006" xmlns:mv="urn:schemas-microsoft-com:mac:vml" xmlns:p="http://schemas.openxmlformats.org/presentationml/2006/main" xmlns:c="http://schemas.openxmlformats.org/drawingml/2006/chart" xmlns:dgm="http://schemas.openxmlformats.org/drawingml/2006/diagram" xmlns:o="urn:schemas-microsoft-com:office:office" xmlns:v="urn:schemas-microsoft-com:vml" xmlns:pvml="urn:schemas-microsoft-com:office:powerpoint" xmlns:com="http://schemas.openxmlformats.org/drawingml/2006/compatibility" xmlns:p14="http://schemas.microsoft.com/office/powerpoint/2010/main">
+<p:sldLayout xmlns:a="http://schemas.openxmlformats.org/drawingml/2006/main" xmlns:r="http://schemas.openxmlformats.org/officeDocument/2006/relationships" xmlns:p="http://schemas.openxmlformats.org/presentationml/2006/main">
   <p:cSld name="Section title and description">
     <p:spTree>
       <p:nvGrpSpPr>
-        <p:cNvPr id="111" name="Shape 111"/>
+        <p:cNvPr id="1" name="Shape 111"/>
         <p:cNvGrpSpPr/>
         <p:nvPr/>
       </p:nvGrpSpPr>
@@ -4253,7 +4502,7 @@
           </a:ln>
         </p:spPr>
         <p:txBody>
-          <a:bodyPr anchorCtr="0" anchor="ctr" bIns="91425" lIns="91425" rIns="91425" tIns="91425">
+          <a:bodyPr lIns="91425" tIns="91425" rIns="91425" bIns="91425" anchor="ctr" anchorCtr="0">
             <a:noAutofit/>
           </a:bodyPr>
           <a:lstStyle/>
@@ -4264,9 +4513,6 @@
               </a:spcBef>
               <a:buNone/>
             </a:pPr>
-            <a:r>
-              <a:t/>
-            </a:r>
             <a:endParaRPr/>
           </a:p>
         </p:txBody>
@@ -4274,7 +4520,9 @@
       <p:sp>
         <p:nvSpPr>
           <p:cNvPr id="113" name="Shape 113"/>
-          <p:cNvSpPr txBox="1"/>
+          <p:cNvSpPr txBox="1">
+            <a:spLocks noGrp="1"/>
+          </p:cNvSpPr>
           <p:nvPr>
             <p:ph type="title"/>
           </p:nvPr>
@@ -4289,65 +4537,65 @@
           </a:prstGeom>
         </p:spPr>
         <p:txBody>
-          <a:bodyPr anchorCtr="0" anchor="b" bIns="91425" lIns="91425" rIns="91425" tIns="91425"/>
+          <a:bodyPr lIns="91425" tIns="91425" rIns="91425" bIns="91425" anchor="b" anchorCtr="0"/>
           <a:lstStyle>
-            <a:lvl1pPr lvl="0" rtl="0" algn="ctr">
+            <a:lvl1pPr lvl="0" algn="ctr" rtl="0">
               <a:spcBef>
                 <a:spcPts val="0"/>
               </a:spcBef>
               <a:buSzPct val="100000"/>
               <a:defRPr sz="4200"/>
             </a:lvl1pPr>
-            <a:lvl2pPr lvl="1" rtl="0" algn="ctr">
+            <a:lvl2pPr lvl="1" algn="ctr" rtl="0">
               <a:spcBef>
                 <a:spcPts val="0"/>
               </a:spcBef>
               <a:buSzPct val="100000"/>
               <a:defRPr sz="4200"/>
             </a:lvl2pPr>
-            <a:lvl3pPr lvl="2" rtl="0" algn="ctr">
+            <a:lvl3pPr lvl="2" algn="ctr" rtl="0">
               <a:spcBef>
                 <a:spcPts val="0"/>
               </a:spcBef>
               <a:buSzPct val="100000"/>
               <a:defRPr sz="4200"/>
             </a:lvl3pPr>
-            <a:lvl4pPr lvl="3" rtl="0" algn="ctr">
+            <a:lvl4pPr lvl="3" algn="ctr" rtl="0">
               <a:spcBef>
                 <a:spcPts val="0"/>
               </a:spcBef>
               <a:buSzPct val="100000"/>
               <a:defRPr sz="4200"/>
             </a:lvl4pPr>
-            <a:lvl5pPr lvl="4" rtl="0" algn="ctr">
+            <a:lvl5pPr lvl="4" algn="ctr" rtl="0">
               <a:spcBef>
                 <a:spcPts val="0"/>
               </a:spcBef>
               <a:buSzPct val="100000"/>
               <a:defRPr sz="4200"/>
             </a:lvl5pPr>
-            <a:lvl6pPr lvl="5" rtl="0" algn="ctr">
+            <a:lvl6pPr lvl="5" algn="ctr" rtl="0">
               <a:spcBef>
                 <a:spcPts val="0"/>
               </a:spcBef>
               <a:buSzPct val="100000"/>
               <a:defRPr sz="4200"/>
             </a:lvl6pPr>
-            <a:lvl7pPr lvl="6" rtl="0" algn="ctr">
+            <a:lvl7pPr lvl="6" algn="ctr" rtl="0">
               <a:spcBef>
                 <a:spcPts val="0"/>
               </a:spcBef>
               <a:buSzPct val="100000"/>
               <a:defRPr sz="4200"/>
             </a:lvl7pPr>
-            <a:lvl8pPr lvl="7" rtl="0" algn="ctr">
+            <a:lvl8pPr lvl="7" algn="ctr" rtl="0">
               <a:spcBef>
                 <a:spcPts val="0"/>
               </a:spcBef>
               <a:buSzPct val="100000"/>
               <a:defRPr sz="4200"/>
             </a:lvl8pPr>
-            <a:lvl9pPr lvl="8" rtl="0" algn="ctr">
+            <a:lvl9pPr lvl="8" algn="ctr" rtl="0">
               <a:spcBef>
                 <a:spcPts val="0"/>
               </a:spcBef>
@@ -4355,15 +4603,19 @@
               <a:defRPr sz="4200"/>
             </a:lvl9pPr>
           </a:lstStyle>
-          <a:p/>
+          <a:p>
+            <a:endParaRPr/>
+          </a:p>
         </p:txBody>
       </p:sp>
       <p:sp>
         <p:nvSpPr>
           <p:cNvPr id="114" name="Shape 114"/>
-          <p:cNvSpPr txBox="1"/>
+          <p:cNvSpPr txBox="1">
+            <a:spLocks noGrp="1"/>
+          </p:cNvSpPr>
           <p:nvPr>
-            <p:ph idx="1" type="subTitle"/>
+            <p:ph type="subTitle" idx="1"/>
           </p:nvPr>
         </p:nvSpPr>
         <p:spPr>
@@ -4376,9 +4628,9 @@
           </a:prstGeom>
         </p:spPr>
         <p:txBody>
-          <a:bodyPr anchorCtr="0" anchor="t" bIns="91425" lIns="91425" rIns="91425" tIns="91425"/>
+          <a:bodyPr lIns="91425" tIns="91425" rIns="91425" bIns="91425" anchor="t" anchorCtr="0"/>
           <a:lstStyle>
-            <a:lvl1pPr lvl="0" rtl="0" algn="ctr">
+            <a:lvl1pPr lvl="0" algn="ctr" rtl="0">
               <a:lnSpc>
                 <a:spcPct val="100000"/>
               </a:lnSpc>
@@ -4392,7 +4644,7 @@
               <a:buNone/>
               <a:defRPr sz="2100"/>
             </a:lvl1pPr>
-            <a:lvl2pPr lvl="1" rtl="0" algn="ctr">
+            <a:lvl2pPr lvl="1" algn="ctr" rtl="0">
               <a:lnSpc>
                 <a:spcPct val="100000"/>
               </a:lnSpc>
@@ -4406,7 +4658,7 @@
               <a:buNone/>
               <a:defRPr sz="2100"/>
             </a:lvl2pPr>
-            <a:lvl3pPr lvl="2" rtl="0" algn="ctr">
+            <a:lvl3pPr lvl="2" algn="ctr" rtl="0">
               <a:lnSpc>
                 <a:spcPct val="100000"/>
               </a:lnSpc>
@@ -4420,7 +4672,7 @@
               <a:buNone/>
               <a:defRPr sz="2100"/>
             </a:lvl3pPr>
-            <a:lvl4pPr lvl="3" rtl="0" algn="ctr">
+            <a:lvl4pPr lvl="3" algn="ctr" rtl="0">
               <a:lnSpc>
                 <a:spcPct val="100000"/>
               </a:lnSpc>
@@ -4434,7 +4686,7 @@
               <a:buNone/>
               <a:defRPr sz="2100"/>
             </a:lvl4pPr>
-            <a:lvl5pPr lvl="4" rtl="0" algn="ctr">
+            <a:lvl5pPr lvl="4" algn="ctr" rtl="0">
               <a:lnSpc>
                 <a:spcPct val="100000"/>
               </a:lnSpc>
@@ -4448,7 +4700,7 @@
               <a:buNone/>
               <a:defRPr sz="2100"/>
             </a:lvl5pPr>
-            <a:lvl6pPr lvl="5" rtl="0" algn="ctr">
+            <a:lvl6pPr lvl="5" algn="ctr" rtl="0">
               <a:lnSpc>
                 <a:spcPct val="100000"/>
               </a:lnSpc>
@@ -4462,7 +4714,7 @@
               <a:buNone/>
               <a:defRPr sz="2100"/>
             </a:lvl6pPr>
-            <a:lvl7pPr lvl="6" rtl="0" algn="ctr">
+            <a:lvl7pPr lvl="6" algn="ctr" rtl="0">
               <a:lnSpc>
                 <a:spcPct val="100000"/>
               </a:lnSpc>
@@ -4476,7 +4728,7 @@
               <a:buNone/>
               <a:defRPr sz="2100"/>
             </a:lvl7pPr>
-            <a:lvl8pPr lvl="7" rtl="0" algn="ctr">
+            <a:lvl8pPr lvl="7" algn="ctr" rtl="0">
               <a:lnSpc>
                 <a:spcPct val="100000"/>
               </a:lnSpc>
@@ -4490,7 +4742,7 @@
               <a:buNone/>
               <a:defRPr sz="2100"/>
             </a:lvl8pPr>
-            <a:lvl9pPr lvl="8" rtl="0" algn="ctr">
+            <a:lvl9pPr lvl="8" algn="ctr" rtl="0">
               <a:lnSpc>
                 <a:spcPct val="100000"/>
               </a:lnSpc>
@@ -4505,15 +4757,19 @@
               <a:defRPr sz="2100"/>
             </a:lvl9pPr>
           </a:lstStyle>
-          <a:p/>
+          <a:p>
+            <a:endParaRPr/>
+          </a:p>
         </p:txBody>
       </p:sp>
       <p:sp>
         <p:nvSpPr>
           <p:cNvPr id="115" name="Shape 115"/>
-          <p:cNvSpPr txBox="1"/>
+          <p:cNvSpPr txBox="1">
+            <a:spLocks noGrp="1"/>
+          </p:cNvSpPr>
           <p:nvPr>
-            <p:ph idx="2" type="body"/>
+            <p:ph type="body" idx="2"/>
           </p:nvPr>
         </p:nvSpPr>
         <p:spPr>
@@ -4526,7 +4782,7 @@
           </a:prstGeom>
         </p:spPr>
         <p:txBody>
-          <a:bodyPr anchorCtr="0" anchor="ctr" bIns="91425" lIns="91425" rIns="91425" tIns="91425"/>
+          <a:bodyPr lIns="91425" tIns="91425" rIns="91425" bIns="91425" anchor="ctr" anchorCtr="0"/>
           <a:lstStyle>
             <a:lvl1pPr lvl="0" rtl="0">
               <a:spcBef>
@@ -4583,15 +4839,19 @@
               <a:defRPr/>
             </a:lvl9pPr>
           </a:lstStyle>
-          <a:p/>
+          <a:p>
+            <a:endParaRPr/>
+          </a:p>
         </p:txBody>
       </p:sp>
       <p:sp>
         <p:nvSpPr>
           <p:cNvPr id="116" name="Shape 116"/>
-          <p:cNvSpPr txBox="1"/>
+          <p:cNvSpPr txBox="1">
+            <a:spLocks noGrp="1"/>
+          </p:cNvSpPr>
           <p:nvPr>
-            <p:ph idx="12" type="sldNum"/>
+            <p:ph type="sldNum" idx="12"/>
           </p:nvPr>
         </p:nvSpPr>
         <p:spPr>
@@ -4604,7 +4864,7 @@
           </a:prstGeom>
         </p:spPr>
         <p:txBody>
-          <a:bodyPr anchorCtr="0" anchor="ctr" bIns="91425" lIns="91425" rIns="91425" tIns="91425">
+          <a:bodyPr lIns="91425" tIns="91425" rIns="91425" bIns="91425" anchor="ctr" anchorCtr="0">
             <a:noAutofit/>
           </a:bodyPr>
           <a:lstStyle/>
@@ -4619,6 +4879,7 @@
               <a:rPr lang="en"/>
               <a:t>‹#›</a:t>
             </a:fld>
+            <a:endParaRPr lang="en"/>
           </a:p>
         </p:txBody>
       </p:sp>
@@ -4631,18 +4892,19 @@
 </file>
 
 <file path=ppt/slideLayouts/slideLayout2.xml><?xml version="1.0" encoding="utf-8"?>
-<p:sldLayout xmlns:a="http://schemas.openxmlformats.org/drawingml/2006/main" xmlns:r="http://schemas.openxmlformats.org/officeDocument/2006/relationships" xmlns:mc="http://schemas.openxmlformats.org/markup-compatibility/2006" xmlns:mv="urn:schemas-microsoft-com:mac:vml" xmlns:p="http://schemas.openxmlformats.org/presentationml/2006/main" xmlns:c="http://schemas.openxmlformats.org/drawingml/2006/chart" xmlns:dgm="http://schemas.openxmlformats.org/drawingml/2006/diagram" xmlns:o="urn:schemas-microsoft-com:office:office" xmlns:v="urn:schemas-microsoft-com:vml" xmlns:pvml="urn:schemas-microsoft-com:office:powerpoint" xmlns:com="http://schemas.openxmlformats.org/drawingml/2006/compatibility" xmlns:p14="http://schemas.microsoft.com/office/powerpoint/2010/main" type="secHead">
+<p:sldLayout xmlns:a="http://schemas.openxmlformats.org/drawingml/2006/main" xmlns:r="http://schemas.openxmlformats.org/officeDocument/2006/relationships" xmlns:p="http://schemas.openxmlformats.org/presentationml/2006/main" type="secHead">
   <p:cSld name="Section header">
     <p:bg>
       <p:bgPr>
         <a:solidFill>
           <a:schemeClr val="dk1"/>
         </a:solidFill>
+        <a:effectLst/>
       </p:bgPr>
     </p:bg>
     <p:spTree>
       <p:nvGrpSpPr>
-        <p:cNvPr id="19" name="Shape 19"/>
+        <p:cNvPr id="1" name="Shape 19"/>
         <p:cNvGrpSpPr/>
         <p:nvPr/>
       </p:nvGrpSpPr>
@@ -4690,7 +4952,7 @@
             </a:ln>
           </p:spPr>
           <p:txBody>
-            <a:bodyPr anchorCtr="0" anchor="ctr" bIns="91425" lIns="91425" rIns="91425" tIns="91425">
+            <a:bodyPr lIns="91425" tIns="91425" rIns="91425" bIns="91425" anchor="ctr" anchorCtr="0">
               <a:noAutofit/>
             </a:bodyPr>
             <a:lstStyle/>
@@ -4701,9 +4963,6 @@
                 </a:spcBef>
                 <a:buNone/>
               </a:pPr>
-              <a:r>
-                <a:t/>
-              </a:r>
               <a:endParaRPr/>
             </a:p>
           </p:txBody>
@@ -4730,7 +4989,7 @@
             </a:ln>
           </p:spPr>
           <p:txBody>
-            <a:bodyPr anchorCtr="0" anchor="ctr" bIns="91425" lIns="91425" rIns="91425" tIns="91425">
+            <a:bodyPr lIns="91425" tIns="91425" rIns="91425" bIns="91425" anchor="ctr" anchorCtr="0">
               <a:noAutofit/>
             </a:bodyPr>
             <a:lstStyle/>
@@ -4741,9 +5000,6 @@
                 </a:spcBef>
                 <a:buNone/>
               </a:pPr>
-              <a:r>
-                <a:t/>
-              </a:r>
               <a:endParaRPr/>
             </a:p>
           </p:txBody>
@@ -4755,7 +5011,7 @@
             <p:nvPr/>
           </p:nvSpPr>
           <p:spPr>
-            <a:xfrm flipH="1" rot="10800000">
+            <a:xfrm rot="10800000" flipH="1">
               <a:off x="7113588" y="106"/>
               <a:ext cx="1015200" cy="1015200"/>
             </a:xfrm>
@@ -4770,7 +5026,7 @@
             </a:ln>
           </p:spPr>
           <p:txBody>
-            <a:bodyPr anchorCtr="0" anchor="ctr" bIns="91425" lIns="91425" rIns="91425" tIns="91425">
+            <a:bodyPr lIns="91425" tIns="91425" rIns="91425" bIns="91425" anchor="ctr" anchorCtr="0">
               <a:noAutofit/>
             </a:bodyPr>
             <a:lstStyle/>
@@ -4781,9 +5037,6 @@
                 </a:spcBef>
                 <a:buNone/>
               </a:pPr>
-              <a:r>
-                <a:t/>
-              </a:r>
               <a:endParaRPr/>
             </a:p>
           </p:txBody>
@@ -4810,7 +5063,7 @@
             </a:ln>
           </p:spPr>
           <p:txBody>
-            <a:bodyPr anchorCtr="0" anchor="ctr" bIns="91425" lIns="91425" rIns="91425" tIns="91425">
+            <a:bodyPr lIns="91425" tIns="91425" rIns="91425" bIns="91425" anchor="ctr" anchorCtr="0">
               <a:noAutofit/>
             </a:bodyPr>
             <a:lstStyle/>
@@ -4821,9 +5074,6 @@
                 </a:spcBef>
                 <a:buNone/>
               </a:pPr>
-              <a:r>
-                <a:t/>
-              </a:r>
               <a:endParaRPr/>
             </a:p>
           </p:txBody>
@@ -4850,7 +5100,7 @@
             </a:ln>
           </p:spPr>
           <p:txBody>
-            <a:bodyPr anchorCtr="0" anchor="ctr" bIns="91425" lIns="91425" rIns="91425" tIns="91425">
+            <a:bodyPr lIns="91425" tIns="91425" rIns="91425" bIns="91425" anchor="ctr" anchorCtr="0">
               <a:noAutofit/>
             </a:bodyPr>
             <a:lstStyle/>
@@ -4861,9 +5111,6 @@
                 </a:spcBef>
                 <a:buNone/>
               </a:pPr>
-              <a:r>
-                <a:t/>
-              </a:r>
               <a:endParaRPr/>
             </a:p>
           </p:txBody>
@@ -4872,7 +5119,9 @@
       <p:sp>
         <p:nvSpPr>
           <p:cNvPr id="26" name="Shape 26"/>
-          <p:cNvSpPr txBox="1"/>
+          <p:cNvSpPr txBox="1">
+            <a:spLocks noGrp="1"/>
+          </p:cNvSpPr>
           <p:nvPr>
             <p:ph type="title"/>
           </p:nvPr>
@@ -4887,7 +5136,7 @@
           </a:prstGeom>
         </p:spPr>
         <p:txBody>
-          <a:bodyPr anchorCtr="0" anchor="ctr" bIns="91425" lIns="91425" rIns="91425" tIns="91425"/>
+          <a:bodyPr lIns="91425" tIns="91425" rIns="91425" bIns="91425" anchor="ctr" anchorCtr="0"/>
           <a:lstStyle>
             <a:lvl1pPr lvl="0">
               <a:spcBef>
@@ -5016,15 +5265,19 @@
               </a:defRPr>
             </a:lvl9pPr>
           </a:lstStyle>
-          <a:p/>
+          <a:p>
+            <a:endParaRPr/>
+          </a:p>
         </p:txBody>
       </p:sp>
       <p:sp>
         <p:nvSpPr>
           <p:cNvPr id="27" name="Shape 27"/>
-          <p:cNvSpPr txBox="1"/>
+          <p:cNvSpPr txBox="1">
+            <a:spLocks noGrp="1"/>
+          </p:cNvSpPr>
           <p:nvPr>
-            <p:ph idx="12" type="sldNum"/>
+            <p:ph type="sldNum" idx="12"/>
           </p:nvPr>
         </p:nvSpPr>
         <p:spPr>
@@ -5037,7 +5290,7 @@
           </a:prstGeom>
         </p:spPr>
         <p:txBody>
-          <a:bodyPr anchorCtr="0" anchor="ctr" bIns="91425" lIns="91425" rIns="91425" tIns="91425">
+          <a:bodyPr lIns="91425" tIns="91425" rIns="91425" bIns="91425" anchor="ctr" anchorCtr="0">
             <a:noAutofit/>
           </a:bodyPr>
           <a:lstStyle/>
@@ -5052,6 +5305,7 @@
               <a:rPr lang="en"/>
               <a:t>‹#›</a:t>
             </a:fld>
+            <a:endParaRPr lang="en"/>
           </a:p>
         </p:txBody>
       </p:sp>
@@ -5064,11 +5318,11 @@
 </file>
 
 <file path=ppt/slideLayouts/slideLayout20.xml><?xml version="1.0" encoding="utf-8"?>
-<p:sldLayout xmlns:a="http://schemas.openxmlformats.org/drawingml/2006/main" xmlns:r="http://schemas.openxmlformats.org/officeDocument/2006/relationships" xmlns:mc="http://schemas.openxmlformats.org/markup-compatibility/2006" xmlns:mv="urn:schemas-microsoft-com:mac:vml" xmlns:p="http://schemas.openxmlformats.org/presentationml/2006/main" xmlns:c="http://schemas.openxmlformats.org/drawingml/2006/chart" xmlns:dgm="http://schemas.openxmlformats.org/drawingml/2006/diagram" xmlns:o="urn:schemas-microsoft-com:office:office" xmlns:v="urn:schemas-microsoft-com:vml" xmlns:pvml="urn:schemas-microsoft-com:office:powerpoint" xmlns:com="http://schemas.openxmlformats.org/drawingml/2006/compatibility" xmlns:p14="http://schemas.microsoft.com/office/powerpoint/2010/main">
+<p:sldLayout xmlns:a="http://schemas.openxmlformats.org/drawingml/2006/main" xmlns:r="http://schemas.openxmlformats.org/officeDocument/2006/relationships" xmlns:p="http://schemas.openxmlformats.org/presentationml/2006/main">
   <p:cSld name="Caption">
     <p:spTree>
       <p:nvGrpSpPr>
-        <p:cNvPr id="117" name="Shape 117"/>
+        <p:cNvPr id="1" name="Shape 117"/>
         <p:cNvGrpSpPr/>
         <p:nvPr/>
       </p:nvGrpSpPr>
@@ -5083,9 +5337,11 @@
       <p:sp>
         <p:nvSpPr>
           <p:cNvPr id="118" name="Shape 118"/>
-          <p:cNvSpPr txBox="1"/>
+          <p:cNvSpPr txBox="1">
+            <a:spLocks noGrp="1"/>
+          </p:cNvSpPr>
           <p:nvPr>
-            <p:ph idx="1" type="body"/>
+            <p:ph type="body" idx="1"/>
           </p:nvPr>
         </p:nvSpPr>
         <p:spPr>
@@ -5098,7 +5354,7 @@
           </a:prstGeom>
         </p:spPr>
         <p:txBody>
-          <a:bodyPr anchorCtr="0" anchor="ctr" bIns="91425" lIns="91425" rIns="91425" tIns="91425"/>
+          <a:bodyPr lIns="91425" tIns="91425" rIns="91425" bIns="91425" anchor="ctr" anchorCtr="0"/>
           <a:lstStyle>
             <a:lvl1pPr lvl="0" rtl="0">
               <a:lnSpc>
@@ -5114,15 +5370,19 @@
               <a:defRPr/>
             </a:lvl1pPr>
           </a:lstStyle>
-          <a:p/>
+          <a:p>
+            <a:endParaRPr/>
+          </a:p>
         </p:txBody>
       </p:sp>
       <p:sp>
         <p:nvSpPr>
           <p:cNvPr id="119" name="Shape 119"/>
-          <p:cNvSpPr txBox="1"/>
+          <p:cNvSpPr txBox="1">
+            <a:spLocks noGrp="1"/>
+          </p:cNvSpPr>
           <p:nvPr>
-            <p:ph idx="12" type="sldNum"/>
+            <p:ph type="sldNum" idx="12"/>
           </p:nvPr>
         </p:nvSpPr>
         <p:spPr>
@@ -5135,7 +5395,7 @@
           </a:prstGeom>
         </p:spPr>
         <p:txBody>
-          <a:bodyPr anchorCtr="0" anchor="ctr" bIns="91425" lIns="91425" rIns="91425" tIns="91425">
+          <a:bodyPr lIns="91425" tIns="91425" rIns="91425" bIns="91425" anchor="ctr" anchorCtr="0">
             <a:noAutofit/>
           </a:bodyPr>
           <a:lstStyle/>
@@ -5150,6 +5410,7 @@
               <a:rPr lang="en"/>
               <a:t>‹#›</a:t>
             </a:fld>
+            <a:endParaRPr lang="en"/>
           </a:p>
         </p:txBody>
       </p:sp>
@@ -5162,11 +5423,11 @@
 </file>
 
 <file path=ppt/slideLayouts/slideLayout21.xml><?xml version="1.0" encoding="utf-8"?>
-<p:sldLayout xmlns:a="http://schemas.openxmlformats.org/drawingml/2006/main" xmlns:r="http://schemas.openxmlformats.org/officeDocument/2006/relationships" xmlns:mc="http://schemas.openxmlformats.org/markup-compatibility/2006" xmlns:mv="urn:schemas-microsoft-com:mac:vml" xmlns:p="http://schemas.openxmlformats.org/presentationml/2006/main" xmlns:c="http://schemas.openxmlformats.org/drawingml/2006/chart" xmlns:dgm="http://schemas.openxmlformats.org/drawingml/2006/diagram" xmlns:o="urn:schemas-microsoft-com:office:office" xmlns:v="urn:schemas-microsoft-com:vml" xmlns:pvml="urn:schemas-microsoft-com:office:powerpoint" xmlns:com="http://schemas.openxmlformats.org/drawingml/2006/compatibility" xmlns:p14="http://schemas.microsoft.com/office/powerpoint/2010/main">
+<p:sldLayout xmlns:a="http://schemas.openxmlformats.org/drawingml/2006/main" xmlns:r="http://schemas.openxmlformats.org/officeDocument/2006/relationships" xmlns:p="http://schemas.openxmlformats.org/presentationml/2006/main">
   <p:cSld name="Big number">
     <p:spTree>
       <p:nvGrpSpPr>
-        <p:cNvPr id="120" name="Shape 120"/>
+        <p:cNvPr id="1" name="Shape 120"/>
         <p:cNvGrpSpPr/>
         <p:nvPr/>
       </p:nvGrpSpPr>
@@ -5181,7 +5442,9 @@
       <p:sp>
         <p:nvSpPr>
           <p:cNvPr id="121" name="Shape 121"/>
-          <p:cNvSpPr txBox="1"/>
+          <p:cNvSpPr txBox="1">
+            <a:spLocks noGrp="1"/>
+          </p:cNvSpPr>
           <p:nvPr>
             <p:ph type="title"/>
           </p:nvPr>
@@ -5196,65 +5459,65 @@
           </a:prstGeom>
         </p:spPr>
         <p:txBody>
-          <a:bodyPr anchorCtr="0" anchor="b" bIns="91425" lIns="91425" rIns="91425" tIns="91425"/>
+          <a:bodyPr lIns="91425" tIns="91425" rIns="91425" bIns="91425" anchor="b" anchorCtr="0"/>
           <a:lstStyle>
-            <a:lvl1pPr lvl="0" rtl="0" algn="ctr">
+            <a:lvl1pPr lvl="0" algn="ctr" rtl="0">
               <a:spcBef>
                 <a:spcPts val="0"/>
               </a:spcBef>
               <a:buSzPct val="100000"/>
               <a:defRPr sz="12000"/>
             </a:lvl1pPr>
-            <a:lvl2pPr lvl="1" rtl="0" algn="ctr">
+            <a:lvl2pPr lvl="1" algn="ctr" rtl="0">
               <a:spcBef>
                 <a:spcPts val="0"/>
               </a:spcBef>
               <a:buSzPct val="100000"/>
               <a:defRPr sz="12000"/>
             </a:lvl2pPr>
-            <a:lvl3pPr lvl="2" rtl="0" algn="ctr">
+            <a:lvl3pPr lvl="2" algn="ctr" rtl="0">
               <a:spcBef>
                 <a:spcPts val="0"/>
               </a:spcBef>
               <a:buSzPct val="100000"/>
               <a:defRPr sz="12000"/>
             </a:lvl3pPr>
-            <a:lvl4pPr lvl="3" rtl="0" algn="ctr">
+            <a:lvl4pPr lvl="3" algn="ctr" rtl="0">
               <a:spcBef>
                 <a:spcPts val="0"/>
               </a:spcBef>
               <a:buSzPct val="100000"/>
               <a:defRPr sz="12000"/>
             </a:lvl4pPr>
-            <a:lvl5pPr lvl="4" rtl="0" algn="ctr">
+            <a:lvl5pPr lvl="4" algn="ctr" rtl="0">
               <a:spcBef>
                 <a:spcPts val="0"/>
               </a:spcBef>
               <a:buSzPct val="100000"/>
               <a:defRPr sz="12000"/>
             </a:lvl5pPr>
-            <a:lvl6pPr lvl="5" rtl="0" algn="ctr">
+            <a:lvl6pPr lvl="5" algn="ctr" rtl="0">
               <a:spcBef>
                 <a:spcPts val="0"/>
               </a:spcBef>
               <a:buSzPct val="100000"/>
               <a:defRPr sz="12000"/>
             </a:lvl6pPr>
-            <a:lvl7pPr lvl="6" rtl="0" algn="ctr">
+            <a:lvl7pPr lvl="6" algn="ctr" rtl="0">
               <a:spcBef>
                 <a:spcPts val="0"/>
               </a:spcBef>
               <a:buSzPct val="100000"/>
               <a:defRPr sz="12000"/>
             </a:lvl7pPr>
-            <a:lvl8pPr lvl="7" rtl="0" algn="ctr">
+            <a:lvl8pPr lvl="7" algn="ctr" rtl="0">
               <a:spcBef>
                 <a:spcPts val="0"/>
               </a:spcBef>
               <a:buSzPct val="100000"/>
               <a:defRPr sz="12000"/>
             </a:lvl8pPr>
-            <a:lvl9pPr lvl="8" rtl="0" algn="ctr">
+            <a:lvl9pPr lvl="8" algn="ctr" rtl="0">
               <a:spcBef>
                 <a:spcPts val="0"/>
               </a:spcBef>
@@ -5262,15 +5525,19 @@
               <a:defRPr sz="12000"/>
             </a:lvl9pPr>
           </a:lstStyle>
-          <a:p/>
+          <a:p>
+            <a:endParaRPr/>
+          </a:p>
         </p:txBody>
       </p:sp>
       <p:sp>
         <p:nvSpPr>
           <p:cNvPr id="122" name="Shape 122"/>
-          <p:cNvSpPr txBox="1"/>
+          <p:cNvSpPr txBox="1">
+            <a:spLocks noGrp="1"/>
+          </p:cNvSpPr>
           <p:nvPr>
-            <p:ph idx="1" type="body"/>
+            <p:ph type="body" idx="1"/>
           </p:nvPr>
         </p:nvSpPr>
         <p:spPr>
@@ -5283,72 +5550,76 @@
           </a:prstGeom>
         </p:spPr>
         <p:txBody>
-          <a:bodyPr anchorCtr="0" anchor="t" bIns="91425" lIns="91425" rIns="91425" tIns="91425"/>
+          <a:bodyPr lIns="91425" tIns="91425" rIns="91425" bIns="91425" anchor="t" anchorCtr="0"/>
           <a:lstStyle>
-            <a:lvl1pPr lvl="0" rtl="0" algn="ctr">
+            <a:lvl1pPr lvl="0" algn="ctr" rtl="0">
               <a:spcBef>
                 <a:spcPts val="0"/>
               </a:spcBef>
               <a:defRPr/>
             </a:lvl1pPr>
-            <a:lvl2pPr lvl="1" rtl="0" algn="ctr">
+            <a:lvl2pPr lvl="1" algn="ctr" rtl="0">
               <a:spcBef>
                 <a:spcPts val="0"/>
               </a:spcBef>
               <a:defRPr/>
             </a:lvl2pPr>
-            <a:lvl3pPr lvl="2" rtl="0" algn="ctr">
+            <a:lvl3pPr lvl="2" algn="ctr" rtl="0">
               <a:spcBef>
                 <a:spcPts val="0"/>
               </a:spcBef>
               <a:defRPr/>
             </a:lvl3pPr>
-            <a:lvl4pPr lvl="3" rtl="0" algn="ctr">
+            <a:lvl4pPr lvl="3" algn="ctr" rtl="0">
               <a:spcBef>
                 <a:spcPts val="0"/>
               </a:spcBef>
               <a:defRPr/>
             </a:lvl4pPr>
-            <a:lvl5pPr lvl="4" rtl="0" algn="ctr">
+            <a:lvl5pPr lvl="4" algn="ctr" rtl="0">
               <a:spcBef>
                 <a:spcPts val="0"/>
               </a:spcBef>
               <a:defRPr/>
             </a:lvl5pPr>
-            <a:lvl6pPr lvl="5" rtl="0" algn="ctr">
+            <a:lvl6pPr lvl="5" algn="ctr" rtl="0">
               <a:spcBef>
                 <a:spcPts val="0"/>
               </a:spcBef>
               <a:defRPr/>
             </a:lvl6pPr>
-            <a:lvl7pPr lvl="6" rtl="0" algn="ctr">
+            <a:lvl7pPr lvl="6" algn="ctr" rtl="0">
               <a:spcBef>
                 <a:spcPts val="0"/>
               </a:spcBef>
               <a:defRPr/>
             </a:lvl7pPr>
-            <a:lvl8pPr lvl="7" rtl="0" algn="ctr">
+            <a:lvl8pPr lvl="7" algn="ctr" rtl="0">
               <a:spcBef>
                 <a:spcPts val="0"/>
               </a:spcBef>
               <a:defRPr/>
             </a:lvl8pPr>
-            <a:lvl9pPr lvl="8" rtl="0" algn="ctr">
+            <a:lvl9pPr lvl="8" algn="ctr" rtl="0">
               <a:spcBef>
                 <a:spcPts val="0"/>
               </a:spcBef>
               <a:defRPr/>
             </a:lvl9pPr>
           </a:lstStyle>
-          <a:p/>
+          <a:p>
+            <a:endParaRPr/>
+          </a:p>
         </p:txBody>
       </p:sp>
       <p:sp>
         <p:nvSpPr>
           <p:cNvPr id="123" name="Shape 123"/>
-          <p:cNvSpPr txBox="1"/>
+          <p:cNvSpPr txBox="1">
+            <a:spLocks noGrp="1"/>
+          </p:cNvSpPr>
           <p:nvPr>
-            <p:ph idx="12" type="sldNum"/>
+            <p:ph type="sldNum" idx="12"/>
           </p:nvPr>
         </p:nvSpPr>
         <p:spPr>
@@ -5361,7 +5632,7 @@
           </a:prstGeom>
         </p:spPr>
         <p:txBody>
-          <a:bodyPr anchorCtr="0" anchor="ctr" bIns="91425" lIns="91425" rIns="91425" tIns="91425">
+          <a:bodyPr lIns="91425" tIns="91425" rIns="91425" bIns="91425" anchor="ctr" anchorCtr="0">
             <a:noAutofit/>
           </a:bodyPr>
           <a:lstStyle/>
@@ -5376,6 +5647,7 @@
               <a:rPr lang="en"/>
               <a:t>‹#›</a:t>
             </a:fld>
+            <a:endParaRPr lang="en"/>
           </a:p>
         </p:txBody>
       </p:sp>
@@ -5388,11 +5660,11 @@
 </file>
 
 <file path=ppt/slideLayouts/slideLayout22.xml><?xml version="1.0" encoding="utf-8"?>
-<p:sldLayout xmlns:a="http://schemas.openxmlformats.org/drawingml/2006/main" xmlns:r="http://schemas.openxmlformats.org/officeDocument/2006/relationships" xmlns:mc="http://schemas.openxmlformats.org/markup-compatibility/2006" xmlns:mv="urn:schemas-microsoft-com:mac:vml" xmlns:p="http://schemas.openxmlformats.org/presentationml/2006/main" xmlns:c="http://schemas.openxmlformats.org/drawingml/2006/chart" xmlns:dgm="http://schemas.openxmlformats.org/drawingml/2006/diagram" xmlns:o="urn:schemas-microsoft-com:office:office" xmlns:v="urn:schemas-microsoft-com:vml" xmlns:pvml="urn:schemas-microsoft-com:office:powerpoint" xmlns:com="http://schemas.openxmlformats.org/drawingml/2006/compatibility" xmlns:p14="http://schemas.microsoft.com/office/powerpoint/2010/main" type="blank">
+<p:sldLayout xmlns:a="http://schemas.openxmlformats.org/drawingml/2006/main" xmlns:r="http://schemas.openxmlformats.org/officeDocument/2006/relationships" xmlns:p="http://schemas.openxmlformats.org/presentationml/2006/main" type="blank">
   <p:cSld name="Blank">
     <p:spTree>
       <p:nvGrpSpPr>
-        <p:cNvPr id="124" name="Shape 124"/>
+        <p:cNvPr id="1" name="Shape 124"/>
         <p:cNvGrpSpPr/>
         <p:nvPr/>
       </p:nvGrpSpPr>
@@ -5407,9 +5679,11 @@
       <p:sp>
         <p:nvSpPr>
           <p:cNvPr id="125" name="Shape 125"/>
-          <p:cNvSpPr txBox="1"/>
+          <p:cNvSpPr txBox="1">
+            <a:spLocks noGrp="1"/>
+          </p:cNvSpPr>
           <p:nvPr>
-            <p:ph idx="12" type="sldNum"/>
+            <p:ph type="sldNum" idx="12"/>
           </p:nvPr>
         </p:nvSpPr>
         <p:spPr>
@@ -5422,7 +5696,7 @@
           </a:prstGeom>
         </p:spPr>
         <p:txBody>
-          <a:bodyPr anchorCtr="0" anchor="ctr" bIns="91425" lIns="91425" rIns="91425" tIns="91425">
+          <a:bodyPr lIns="91425" tIns="91425" rIns="91425" bIns="91425" anchor="ctr" anchorCtr="0">
             <a:noAutofit/>
           </a:bodyPr>
           <a:lstStyle/>
@@ -5437,6 +5711,7 @@
               <a:rPr lang="en"/>
               <a:t>‹#›</a:t>
             </a:fld>
+            <a:endParaRPr lang="en"/>
           </a:p>
         </p:txBody>
       </p:sp>
@@ -5449,11 +5724,11 @@
 </file>
 
 <file path=ppt/slideLayouts/slideLayout3.xml><?xml version="1.0" encoding="utf-8"?>
-<p:sldLayout xmlns:a="http://schemas.openxmlformats.org/drawingml/2006/main" xmlns:r="http://schemas.openxmlformats.org/officeDocument/2006/relationships" xmlns:mc="http://schemas.openxmlformats.org/markup-compatibility/2006" xmlns:mv="urn:schemas-microsoft-com:mac:vml" xmlns:p="http://schemas.openxmlformats.org/presentationml/2006/main" xmlns:c="http://schemas.openxmlformats.org/drawingml/2006/chart" xmlns:dgm="http://schemas.openxmlformats.org/drawingml/2006/diagram" xmlns:o="urn:schemas-microsoft-com:office:office" xmlns:v="urn:schemas-microsoft-com:vml" xmlns:pvml="urn:schemas-microsoft-com:office:powerpoint" xmlns:com="http://schemas.openxmlformats.org/drawingml/2006/compatibility" xmlns:p14="http://schemas.microsoft.com/office/powerpoint/2010/main" type="tx">
+<p:sldLayout xmlns:a="http://schemas.openxmlformats.org/drawingml/2006/main" xmlns:r="http://schemas.openxmlformats.org/officeDocument/2006/relationships" xmlns:p="http://schemas.openxmlformats.org/presentationml/2006/main" type="tx">
   <p:cSld name="Title and body">
     <p:spTree>
       <p:nvGrpSpPr>
-        <p:cNvPr id="28" name="Shape 28"/>
+        <p:cNvPr id="1" name="Shape 28"/>
         <p:cNvGrpSpPr/>
         <p:nvPr/>
       </p:nvGrpSpPr>
@@ -5501,7 +5776,7 @@
             </a:ln>
           </p:spPr>
           <p:txBody>
-            <a:bodyPr anchorCtr="0" anchor="ctr" bIns="91425" lIns="91425" rIns="91425" tIns="91425">
+            <a:bodyPr lIns="91425" tIns="91425" rIns="91425" bIns="91425" anchor="ctr" anchorCtr="0">
               <a:noAutofit/>
             </a:bodyPr>
             <a:lstStyle/>
@@ -5512,9 +5787,6 @@
                 </a:spcBef>
                 <a:buNone/>
               </a:pPr>
-              <a:r>
-                <a:t/>
-              </a:r>
               <a:endParaRPr/>
             </a:p>
           </p:txBody>
@@ -5541,7 +5813,7 @@
             </a:ln>
           </p:spPr>
           <p:txBody>
-            <a:bodyPr anchorCtr="0" anchor="ctr" bIns="91425" lIns="91425" rIns="91425" tIns="91425">
+            <a:bodyPr lIns="91425" tIns="91425" rIns="91425" bIns="91425" anchor="ctr" anchorCtr="0">
               <a:noAutofit/>
             </a:bodyPr>
             <a:lstStyle/>
@@ -5552,9 +5824,6 @@
                 </a:spcBef>
                 <a:buNone/>
               </a:pPr>
-              <a:r>
-                <a:t/>
-              </a:r>
               <a:endParaRPr/>
             </a:p>
           </p:txBody>
@@ -5581,7 +5850,7 @@
             </a:ln>
           </p:spPr>
           <p:txBody>
-            <a:bodyPr anchorCtr="0" anchor="ctr" bIns="91425" lIns="91425" rIns="91425" tIns="91425">
+            <a:bodyPr lIns="91425" tIns="91425" rIns="91425" bIns="91425" anchor="ctr" anchorCtr="0">
               <a:noAutofit/>
             </a:bodyPr>
             <a:lstStyle/>
@@ -5592,9 +5861,6 @@
                 </a:spcBef>
                 <a:buNone/>
               </a:pPr>
-              <a:r>
-                <a:t/>
-              </a:r>
               <a:endParaRPr/>
             </a:p>
           </p:txBody>
@@ -5621,7 +5887,7 @@
             </a:ln>
           </p:spPr>
           <p:txBody>
-            <a:bodyPr anchorCtr="0" anchor="ctr" bIns="91425" lIns="91425" rIns="91425" tIns="91425">
+            <a:bodyPr lIns="91425" tIns="91425" rIns="91425" bIns="91425" anchor="ctr" anchorCtr="0">
               <a:noAutofit/>
             </a:bodyPr>
             <a:lstStyle/>
@@ -5632,9 +5898,6 @@
                 </a:spcBef>
                 <a:buNone/>
               </a:pPr>
-              <a:r>
-                <a:t/>
-              </a:r>
               <a:endParaRPr/>
             </a:p>
           </p:txBody>
@@ -5661,7 +5924,7 @@
             </a:ln>
           </p:spPr>
           <p:txBody>
-            <a:bodyPr anchorCtr="0" anchor="ctr" bIns="91425" lIns="91425" rIns="91425" tIns="91425">
+            <a:bodyPr lIns="91425" tIns="91425" rIns="91425" bIns="91425" anchor="ctr" anchorCtr="0">
               <a:noAutofit/>
             </a:bodyPr>
             <a:lstStyle/>
@@ -5672,9 +5935,6 @@
                 </a:spcBef>
                 <a:buNone/>
               </a:pPr>
-              <a:r>
-                <a:t/>
-              </a:r>
               <a:endParaRPr/>
             </a:p>
           </p:txBody>
@@ -5683,7 +5943,9 @@
       <p:sp>
         <p:nvSpPr>
           <p:cNvPr id="35" name="Shape 35"/>
-          <p:cNvSpPr txBox="1"/>
+          <p:cNvSpPr txBox="1">
+            <a:spLocks noGrp="1"/>
+          </p:cNvSpPr>
           <p:nvPr>
             <p:ph type="title"/>
           </p:nvPr>
@@ -5698,7 +5960,7 @@
           </a:prstGeom>
         </p:spPr>
         <p:txBody>
-          <a:bodyPr anchorCtr="0" anchor="t" bIns="91425" lIns="91425" rIns="91425" tIns="91425"/>
+          <a:bodyPr lIns="91425" tIns="91425" rIns="91425" bIns="91425" anchor="t" anchorCtr="0"/>
           <a:lstStyle>
             <a:lvl1pPr lvl="0">
               <a:spcBef>
@@ -5755,15 +6017,19 @@
               <a:defRPr/>
             </a:lvl9pPr>
           </a:lstStyle>
-          <a:p/>
+          <a:p>
+            <a:endParaRPr/>
+          </a:p>
         </p:txBody>
       </p:sp>
       <p:sp>
         <p:nvSpPr>
           <p:cNvPr id="36" name="Shape 36"/>
-          <p:cNvSpPr txBox="1"/>
+          <p:cNvSpPr txBox="1">
+            <a:spLocks noGrp="1"/>
+          </p:cNvSpPr>
           <p:nvPr>
-            <p:ph idx="1" type="body"/>
+            <p:ph type="body" idx="1"/>
           </p:nvPr>
         </p:nvSpPr>
         <p:spPr>
@@ -5776,7 +6042,7 @@
           </a:prstGeom>
         </p:spPr>
         <p:txBody>
-          <a:bodyPr anchorCtr="0" anchor="t" bIns="91425" lIns="91425" rIns="91425" tIns="91425"/>
+          <a:bodyPr lIns="91425" tIns="91425" rIns="91425" bIns="91425" anchor="t" anchorCtr="0"/>
           <a:lstStyle>
             <a:lvl1pPr lvl="0">
               <a:spcBef>
@@ -5833,15 +6099,19 @@
               <a:defRPr/>
             </a:lvl9pPr>
           </a:lstStyle>
-          <a:p/>
+          <a:p>
+            <a:endParaRPr/>
+          </a:p>
         </p:txBody>
       </p:sp>
       <p:sp>
         <p:nvSpPr>
           <p:cNvPr id="37" name="Shape 37"/>
-          <p:cNvSpPr txBox="1"/>
+          <p:cNvSpPr txBox="1">
+            <a:spLocks noGrp="1"/>
+          </p:cNvSpPr>
           <p:nvPr>
-            <p:ph idx="12" type="sldNum"/>
+            <p:ph type="sldNum" idx="12"/>
           </p:nvPr>
         </p:nvSpPr>
         <p:spPr>
@@ -5854,7 +6124,7 @@
           </a:prstGeom>
         </p:spPr>
         <p:txBody>
-          <a:bodyPr anchorCtr="0" anchor="ctr" bIns="91425" lIns="91425" rIns="91425" tIns="91425">
+          <a:bodyPr lIns="91425" tIns="91425" rIns="91425" bIns="91425" anchor="ctr" anchorCtr="0">
             <a:noAutofit/>
           </a:bodyPr>
           <a:lstStyle/>
@@ -5869,6 +6139,7 @@
               <a:rPr lang="en"/>
               <a:t>‹#›</a:t>
             </a:fld>
+            <a:endParaRPr lang="en"/>
           </a:p>
         </p:txBody>
       </p:sp>
@@ -5881,11 +6152,11 @@
 </file>
 
 <file path=ppt/slideLayouts/slideLayout4.xml><?xml version="1.0" encoding="utf-8"?>
-<p:sldLayout xmlns:a="http://schemas.openxmlformats.org/drawingml/2006/main" xmlns:r="http://schemas.openxmlformats.org/officeDocument/2006/relationships" xmlns:mc="http://schemas.openxmlformats.org/markup-compatibility/2006" xmlns:mv="urn:schemas-microsoft-com:mac:vml" xmlns:p="http://schemas.openxmlformats.org/presentationml/2006/main" xmlns:c="http://schemas.openxmlformats.org/drawingml/2006/chart" xmlns:dgm="http://schemas.openxmlformats.org/drawingml/2006/diagram" xmlns:o="urn:schemas-microsoft-com:office:office" xmlns:v="urn:schemas-microsoft-com:vml" xmlns:pvml="urn:schemas-microsoft-com:office:powerpoint" xmlns:com="http://schemas.openxmlformats.org/drawingml/2006/compatibility" xmlns:p14="http://schemas.microsoft.com/office/powerpoint/2010/main" type="twoColTx">
+<p:sldLayout xmlns:a="http://schemas.openxmlformats.org/drawingml/2006/main" xmlns:r="http://schemas.openxmlformats.org/officeDocument/2006/relationships" xmlns:p="http://schemas.openxmlformats.org/presentationml/2006/main" type="twoColTx">
   <p:cSld name="Title and two columns">
     <p:spTree>
       <p:nvGrpSpPr>
-        <p:cNvPr id="38" name="Shape 38"/>
+        <p:cNvPr id="1" name="Shape 38"/>
         <p:cNvGrpSpPr/>
         <p:nvPr/>
       </p:nvGrpSpPr>
@@ -5900,7 +6171,9 @@
       <p:sp>
         <p:nvSpPr>
           <p:cNvPr id="39" name="Shape 39"/>
-          <p:cNvSpPr txBox="1"/>
+          <p:cNvSpPr txBox="1">
+            <a:spLocks noGrp="1"/>
+          </p:cNvSpPr>
           <p:nvPr>
             <p:ph type="title"/>
           </p:nvPr>
@@ -5915,7 +6188,7 @@
           </a:prstGeom>
         </p:spPr>
         <p:txBody>
-          <a:bodyPr anchorCtr="0" anchor="t" bIns="91425" lIns="91425" rIns="91425" tIns="91425"/>
+          <a:bodyPr lIns="91425" tIns="91425" rIns="91425" bIns="91425" anchor="t" anchorCtr="0"/>
           <a:lstStyle>
             <a:lvl1pPr lvl="0">
               <a:spcBef>
@@ -5972,15 +6245,19 @@
               <a:defRPr/>
             </a:lvl9pPr>
           </a:lstStyle>
-          <a:p/>
+          <a:p>
+            <a:endParaRPr/>
+          </a:p>
         </p:txBody>
       </p:sp>
       <p:sp>
         <p:nvSpPr>
           <p:cNvPr id="40" name="Shape 40"/>
-          <p:cNvSpPr txBox="1"/>
+          <p:cNvSpPr txBox="1">
+            <a:spLocks noGrp="1"/>
+          </p:cNvSpPr>
           <p:nvPr>
-            <p:ph idx="1" type="body"/>
+            <p:ph type="body" idx="1"/>
           </p:nvPr>
         </p:nvSpPr>
         <p:spPr>
@@ -5993,7 +6270,7 @@
           </a:prstGeom>
         </p:spPr>
         <p:txBody>
-          <a:bodyPr anchorCtr="0" anchor="t" bIns="91425" lIns="91425" rIns="91425" tIns="91425"/>
+          <a:bodyPr lIns="91425" tIns="91425" rIns="91425" bIns="91425" anchor="t" anchorCtr="0"/>
           <a:lstStyle>
             <a:lvl1pPr lvl="0">
               <a:spcBef>
@@ -6059,15 +6336,19 @@
               <a:defRPr sz="1200"/>
             </a:lvl9pPr>
           </a:lstStyle>
-          <a:p/>
+          <a:p>
+            <a:endParaRPr/>
+          </a:p>
         </p:txBody>
       </p:sp>
       <p:sp>
         <p:nvSpPr>
           <p:cNvPr id="41" name="Shape 41"/>
-          <p:cNvSpPr txBox="1"/>
+          <p:cNvSpPr txBox="1">
+            <a:spLocks noGrp="1"/>
+          </p:cNvSpPr>
           <p:nvPr>
-            <p:ph idx="2" type="body"/>
+            <p:ph type="body" idx="2"/>
           </p:nvPr>
         </p:nvSpPr>
         <p:spPr>
@@ -6080,7 +6361,7 @@
           </a:prstGeom>
         </p:spPr>
         <p:txBody>
-          <a:bodyPr anchorCtr="0" anchor="t" bIns="91425" lIns="91425" rIns="91425" tIns="91425"/>
+          <a:bodyPr lIns="91425" tIns="91425" rIns="91425" bIns="91425" anchor="t" anchorCtr="0"/>
           <a:lstStyle>
             <a:lvl1pPr lvl="0">
               <a:spcBef>
@@ -6146,15 +6427,19 @@
               <a:defRPr sz="1200"/>
             </a:lvl9pPr>
           </a:lstStyle>
-          <a:p/>
+          <a:p>
+            <a:endParaRPr/>
+          </a:p>
         </p:txBody>
       </p:sp>
       <p:sp>
         <p:nvSpPr>
           <p:cNvPr id="42" name="Shape 42"/>
-          <p:cNvSpPr txBox="1"/>
+          <p:cNvSpPr txBox="1">
+            <a:spLocks noGrp="1"/>
+          </p:cNvSpPr>
           <p:nvPr>
-            <p:ph idx="12" type="sldNum"/>
+            <p:ph type="sldNum" idx="12"/>
           </p:nvPr>
         </p:nvSpPr>
         <p:spPr>
@@ -6167,7 +6452,7 @@
           </a:prstGeom>
         </p:spPr>
         <p:txBody>
-          <a:bodyPr anchorCtr="0" anchor="ctr" bIns="91425" lIns="91425" rIns="91425" tIns="91425">
+          <a:bodyPr lIns="91425" tIns="91425" rIns="91425" bIns="91425" anchor="ctr" anchorCtr="0">
             <a:noAutofit/>
           </a:bodyPr>
           <a:lstStyle/>
@@ -6186,6 +6471,11 @@
               </a:rPr>
               <a:t>‹#›</a:t>
             </a:fld>
+            <a:endParaRPr lang="en">
+              <a:solidFill>
+                <a:schemeClr val="dk2"/>
+              </a:solidFill>
+            </a:endParaRPr>
           </a:p>
         </p:txBody>
       </p:sp>
@@ -6198,11 +6488,11 @@
 </file>
 
 <file path=ppt/slideLayouts/slideLayout5.xml><?xml version="1.0" encoding="utf-8"?>
-<p:sldLayout xmlns:a="http://schemas.openxmlformats.org/drawingml/2006/main" xmlns:r="http://schemas.openxmlformats.org/officeDocument/2006/relationships" xmlns:mc="http://schemas.openxmlformats.org/markup-compatibility/2006" xmlns:mv="urn:schemas-microsoft-com:mac:vml" xmlns:p="http://schemas.openxmlformats.org/presentationml/2006/main" xmlns:c="http://schemas.openxmlformats.org/drawingml/2006/chart" xmlns:dgm="http://schemas.openxmlformats.org/drawingml/2006/diagram" xmlns:o="urn:schemas-microsoft-com:office:office" xmlns:v="urn:schemas-microsoft-com:vml" xmlns:pvml="urn:schemas-microsoft-com:office:powerpoint" xmlns:com="http://schemas.openxmlformats.org/drawingml/2006/compatibility" xmlns:p14="http://schemas.microsoft.com/office/powerpoint/2010/main" type="titleOnly">
+<p:sldLayout xmlns:a="http://schemas.openxmlformats.org/drawingml/2006/main" xmlns:r="http://schemas.openxmlformats.org/officeDocument/2006/relationships" xmlns:p="http://schemas.openxmlformats.org/presentationml/2006/main" type="titleOnly">
   <p:cSld name="Title only">
     <p:spTree>
       <p:nvGrpSpPr>
-        <p:cNvPr id="43" name="Shape 43"/>
+        <p:cNvPr id="1" name="Shape 43"/>
         <p:cNvGrpSpPr/>
         <p:nvPr/>
       </p:nvGrpSpPr>
@@ -6217,7 +6507,9 @@
       <p:sp>
         <p:nvSpPr>
           <p:cNvPr id="44" name="Shape 44"/>
-          <p:cNvSpPr txBox="1"/>
+          <p:cNvSpPr txBox="1">
+            <a:spLocks noGrp="1"/>
+          </p:cNvSpPr>
           <p:nvPr>
             <p:ph type="title"/>
           </p:nvPr>
@@ -6232,7 +6524,7 @@
           </a:prstGeom>
         </p:spPr>
         <p:txBody>
-          <a:bodyPr anchorCtr="0" anchor="t" bIns="91425" lIns="91425" rIns="91425" tIns="91425"/>
+          <a:bodyPr lIns="91425" tIns="91425" rIns="91425" bIns="91425" anchor="t" anchorCtr="0"/>
           <a:lstStyle>
             <a:lvl1pPr lvl="0">
               <a:spcBef>
@@ -6289,15 +6581,19 @@
               <a:defRPr/>
             </a:lvl9pPr>
           </a:lstStyle>
-          <a:p/>
+          <a:p>
+            <a:endParaRPr/>
+          </a:p>
         </p:txBody>
       </p:sp>
       <p:sp>
         <p:nvSpPr>
           <p:cNvPr id="45" name="Shape 45"/>
-          <p:cNvSpPr txBox="1"/>
+          <p:cNvSpPr txBox="1">
+            <a:spLocks noGrp="1"/>
+          </p:cNvSpPr>
           <p:nvPr>
-            <p:ph idx="12" type="sldNum"/>
+            <p:ph type="sldNum" idx="12"/>
           </p:nvPr>
         </p:nvSpPr>
         <p:spPr>
@@ -6310,7 +6606,7 @@
           </a:prstGeom>
         </p:spPr>
         <p:txBody>
-          <a:bodyPr anchorCtr="0" anchor="ctr" bIns="91425" lIns="91425" rIns="91425" tIns="91425">
+          <a:bodyPr lIns="91425" tIns="91425" rIns="91425" bIns="91425" anchor="ctr" anchorCtr="0">
             <a:noAutofit/>
           </a:bodyPr>
           <a:lstStyle/>
@@ -6329,6 +6625,11 @@
               </a:rPr>
               <a:t>‹#›</a:t>
             </a:fld>
+            <a:endParaRPr lang="en">
+              <a:solidFill>
+                <a:schemeClr val="dk2"/>
+              </a:solidFill>
+            </a:endParaRPr>
           </a:p>
         </p:txBody>
       </p:sp>
@@ -6341,11 +6642,11 @@
 </file>
 
 <file path=ppt/slideLayouts/slideLayout6.xml><?xml version="1.0" encoding="utf-8"?>
-<p:sldLayout xmlns:a="http://schemas.openxmlformats.org/drawingml/2006/main" xmlns:r="http://schemas.openxmlformats.org/officeDocument/2006/relationships" xmlns:mc="http://schemas.openxmlformats.org/markup-compatibility/2006" xmlns:mv="urn:schemas-microsoft-com:mac:vml" xmlns:p="http://schemas.openxmlformats.org/presentationml/2006/main" xmlns:c="http://schemas.openxmlformats.org/drawingml/2006/chart" xmlns:dgm="http://schemas.openxmlformats.org/drawingml/2006/diagram" xmlns:o="urn:schemas-microsoft-com:office:office" xmlns:v="urn:schemas-microsoft-com:vml" xmlns:pvml="urn:schemas-microsoft-com:office:powerpoint" xmlns:com="http://schemas.openxmlformats.org/drawingml/2006/compatibility" xmlns:p14="http://schemas.microsoft.com/office/powerpoint/2010/main">
+<p:sldLayout xmlns:a="http://schemas.openxmlformats.org/drawingml/2006/main" xmlns:r="http://schemas.openxmlformats.org/officeDocument/2006/relationships" xmlns:p="http://schemas.openxmlformats.org/presentationml/2006/main">
   <p:cSld name="One column text">
     <p:spTree>
       <p:nvGrpSpPr>
-        <p:cNvPr id="46" name="Shape 46"/>
+        <p:cNvPr id="1" name="Shape 46"/>
         <p:cNvGrpSpPr/>
         <p:nvPr/>
       </p:nvGrpSpPr>
@@ -6360,7 +6661,9 @@
       <p:sp>
         <p:nvSpPr>
           <p:cNvPr id="47" name="Shape 47"/>
-          <p:cNvSpPr txBox="1"/>
+          <p:cNvSpPr txBox="1">
+            <a:spLocks noGrp="1"/>
+          </p:cNvSpPr>
           <p:nvPr>
             <p:ph type="title"/>
           </p:nvPr>
@@ -6375,7 +6678,7 @@
           </a:prstGeom>
         </p:spPr>
         <p:txBody>
-          <a:bodyPr anchorCtr="0" anchor="b" bIns="91425" lIns="91425" rIns="91425" tIns="91425"/>
+          <a:bodyPr lIns="91425" tIns="91425" rIns="91425" bIns="91425" anchor="b" anchorCtr="0"/>
           <a:lstStyle>
             <a:lvl1pPr lvl="0">
               <a:spcBef>
@@ -6441,15 +6744,19 @@
               <a:defRPr sz="2400"/>
             </a:lvl9pPr>
           </a:lstStyle>
-          <a:p/>
+          <a:p>
+            <a:endParaRPr/>
+          </a:p>
         </p:txBody>
       </p:sp>
       <p:sp>
         <p:nvSpPr>
           <p:cNvPr id="48" name="Shape 48"/>
-          <p:cNvSpPr txBox="1"/>
+          <p:cNvSpPr txBox="1">
+            <a:spLocks noGrp="1"/>
+          </p:cNvSpPr>
           <p:nvPr>
-            <p:ph idx="1" type="body"/>
+            <p:ph type="body" idx="1"/>
           </p:nvPr>
         </p:nvSpPr>
         <p:spPr>
@@ -6462,7 +6769,7 @@
           </a:prstGeom>
         </p:spPr>
         <p:txBody>
-          <a:bodyPr anchorCtr="0" anchor="t" bIns="91425" lIns="91425" rIns="91425" tIns="91425"/>
+          <a:bodyPr lIns="91425" tIns="91425" rIns="91425" bIns="91425" anchor="t" anchorCtr="0"/>
           <a:lstStyle>
             <a:lvl1pPr lvl="0">
               <a:spcBef>
@@ -6528,15 +6835,19 @@
               <a:defRPr sz="1200"/>
             </a:lvl9pPr>
           </a:lstStyle>
-          <a:p/>
+          <a:p>
+            <a:endParaRPr/>
+          </a:p>
         </p:txBody>
       </p:sp>
       <p:sp>
         <p:nvSpPr>
           <p:cNvPr id="49" name="Shape 49"/>
-          <p:cNvSpPr txBox="1"/>
+          <p:cNvSpPr txBox="1">
+            <a:spLocks noGrp="1"/>
+          </p:cNvSpPr>
           <p:nvPr>
-            <p:ph idx="12" type="sldNum"/>
+            <p:ph type="sldNum" idx="12"/>
           </p:nvPr>
         </p:nvSpPr>
         <p:spPr>
@@ -6549,7 +6860,7 @@
           </a:prstGeom>
         </p:spPr>
         <p:txBody>
-          <a:bodyPr anchorCtr="0" anchor="ctr" bIns="91425" lIns="91425" rIns="91425" tIns="91425">
+          <a:bodyPr lIns="91425" tIns="91425" rIns="91425" bIns="91425" anchor="ctr" anchorCtr="0">
             <a:noAutofit/>
           </a:bodyPr>
           <a:lstStyle/>
@@ -6568,6 +6879,11 @@
               </a:rPr>
               <a:t>‹#›</a:t>
             </a:fld>
+            <a:endParaRPr lang="en">
+              <a:solidFill>
+                <a:schemeClr val="dk2"/>
+              </a:solidFill>
+            </a:endParaRPr>
           </a:p>
         </p:txBody>
       </p:sp>
@@ -6580,18 +6896,19 @@
 </file>
 
 <file path=ppt/slideLayouts/slideLayout7.xml><?xml version="1.0" encoding="utf-8"?>
-<p:sldLayout xmlns:a="http://schemas.openxmlformats.org/drawingml/2006/main" xmlns:r="http://schemas.openxmlformats.org/officeDocument/2006/relationships" xmlns:mc="http://schemas.openxmlformats.org/markup-compatibility/2006" xmlns:mv="urn:schemas-microsoft-com:mac:vml" xmlns:p="http://schemas.openxmlformats.org/presentationml/2006/main" xmlns:c="http://schemas.openxmlformats.org/drawingml/2006/chart" xmlns:dgm="http://schemas.openxmlformats.org/drawingml/2006/diagram" xmlns:o="urn:schemas-microsoft-com:office:office" xmlns:v="urn:schemas-microsoft-com:vml" xmlns:pvml="urn:schemas-microsoft-com:office:powerpoint" xmlns:com="http://schemas.openxmlformats.org/drawingml/2006/compatibility" xmlns:p14="http://schemas.microsoft.com/office/powerpoint/2010/main">
+<p:sldLayout xmlns:a="http://schemas.openxmlformats.org/drawingml/2006/main" xmlns:r="http://schemas.openxmlformats.org/officeDocument/2006/relationships" xmlns:p="http://schemas.openxmlformats.org/presentationml/2006/main">
   <p:cSld name="Main point">
     <p:bg>
       <p:bgPr>
         <a:solidFill>
           <a:schemeClr val="accent4"/>
         </a:solidFill>
+        <a:effectLst/>
       </p:bgPr>
     </p:bg>
     <p:spTree>
       <p:nvGrpSpPr>
-        <p:cNvPr id="50" name="Shape 50"/>
+        <p:cNvPr id="1" name="Shape 50"/>
         <p:cNvGrpSpPr/>
         <p:nvPr/>
       </p:nvGrpSpPr>
@@ -6639,7 +6956,7 @@
             </a:ln>
           </p:spPr>
           <p:txBody>
-            <a:bodyPr anchorCtr="0" anchor="ctr" bIns="91425" lIns="91425" rIns="91425" tIns="91425">
+            <a:bodyPr lIns="91425" tIns="91425" rIns="91425" bIns="91425" anchor="ctr" anchorCtr="0">
               <a:noAutofit/>
             </a:bodyPr>
             <a:lstStyle/>
@@ -6650,9 +6967,6 @@
                 </a:spcBef>
                 <a:buNone/>
               </a:pPr>
-              <a:r>
-                <a:t/>
-              </a:r>
               <a:endParaRPr/>
             </a:p>
           </p:txBody>
@@ -6679,7 +6993,7 @@
             </a:ln>
           </p:spPr>
           <p:txBody>
-            <a:bodyPr anchorCtr="0" anchor="ctr" bIns="91425" lIns="91425" rIns="91425" tIns="91425">
+            <a:bodyPr lIns="91425" tIns="91425" rIns="91425" bIns="91425" anchor="ctr" anchorCtr="0">
               <a:noAutofit/>
             </a:bodyPr>
             <a:lstStyle/>
@@ -6690,9 +7004,6 @@
                 </a:spcBef>
                 <a:buNone/>
               </a:pPr>
-              <a:r>
-                <a:t/>
-              </a:r>
               <a:endParaRPr/>
             </a:p>
           </p:txBody>
@@ -6704,7 +7015,7 @@
             <p:nvPr/>
           </p:nvSpPr>
           <p:spPr>
-            <a:xfrm flipH="1" rot="10800000">
+            <a:xfrm rot="10800000" flipH="1">
               <a:off x="7113588" y="106"/>
               <a:ext cx="1015200" cy="1015200"/>
             </a:xfrm>
@@ -6719,7 +7030,7 @@
             </a:ln>
           </p:spPr>
           <p:txBody>
-            <a:bodyPr anchorCtr="0" anchor="ctr" bIns="91425" lIns="91425" rIns="91425" tIns="91425">
+            <a:bodyPr lIns="91425" tIns="91425" rIns="91425" bIns="91425" anchor="ctr" anchorCtr="0">
               <a:noAutofit/>
             </a:bodyPr>
             <a:lstStyle/>
@@ -6730,9 +7041,6 @@
                 </a:spcBef>
                 <a:buNone/>
               </a:pPr>
-              <a:r>
-                <a:t/>
-              </a:r>
               <a:endParaRPr/>
             </a:p>
           </p:txBody>
@@ -6759,7 +7067,7 @@
             </a:ln>
           </p:spPr>
           <p:txBody>
-            <a:bodyPr anchorCtr="0" anchor="ctr" bIns="91425" lIns="91425" rIns="91425" tIns="91425">
+            <a:bodyPr lIns="91425" tIns="91425" rIns="91425" bIns="91425" anchor="ctr" anchorCtr="0">
               <a:noAutofit/>
             </a:bodyPr>
             <a:lstStyle/>
@@ -6770,9 +7078,6 @@
                 </a:spcBef>
                 <a:buNone/>
               </a:pPr>
-              <a:r>
-                <a:t/>
-              </a:r>
               <a:endParaRPr/>
             </a:p>
           </p:txBody>
@@ -6799,7 +7104,7 @@
             </a:ln>
           </p:spPr>
           <p:txBody>
-            <a:bodyPr anchorCtr="0" anchor="ctr" bIns="91425" lIns="91425" rIns="91425" tIns="91425">
+            <a:bodyPr lIns="91425" tIns="91425" rIns="91425" bIns="91425" anchor="ctr" anchorCtr="0">
               <a:noAutofit/>
             </a:bodyPr>
             <a:lstStyle/>
@@ -6810,9 +7115,6 @@
                 </a:spcBef>
                 <a:buNone/>
               </a:pPr>
-              <a:r>
-                <a:t/>
-              </a:r>
               <a:endParaRPr/>
             </a:p>
           </p:txBody>
@@ -6821,7 +7123,9 @@
       <p:sp>
         <p:nvSpPr>
           <p:cNvPr id="57" name="Shape 57"/>
-          <p:cNvSpPr txBox="1"/>
+          <p:cNvSpPr txBox="1">
+            <a:spLocks noGrp="1"/>
+          </p:cNvSpPr>
           <p:nvPr>
             <p:ph type="title"/>
           </p:nvPr>
@@ -6836,7 +7140,7 @@
           </a:prstGeom>
         </p:spPr>
         <p:txBody>
-          <a:bodyPr anchorCtr="0" anchor="ctr" bIns="91425" lIns="91425" rIns="91425" tIns="91425"/>
+          <a:bodyPr lIns="91425" tIns="91425" rIns="91425" bIns="91425" anchor="ctr" anchorCtr="0"/>
           <a:lstStyle>
             <a:lvl1pPr lvl="0">
               <a:spcBef>
@@ -6965,15 +7269,19 @@
               </a:defRPr>
             </a:lvl9pPr>
           </a:lstStyle>
-          <a:p/>
+          <a:p>
+            <a:endParaRPr/>
+          </a:p>
         </p:txBody>
       </p:sp>
       <p:sp>
         <p:nvSpPr>
           <p:cNvPr id="58" name="Shape 58"/>
-          <p:cNvSpPr txBox="1"/>
+          <p:cNvSpPr txBox="1">
+            <a:spLocks noGrp="1"/>
+          </p:cNvSpPr>
           <p:nvPr>
-            <p:ph idx="12" type="sldNum"/>
+            <p:ph type="sldNum" idx="12"/>
           </p:nvPr>
         </p:nvSpPr>
         <p:spPr>
@@ -6986,7 +7294,7 @@
           </a:prstGeom>
         </p:spPr>
         <p:txBody>
-          <a:bodyPr anchorCtr="0" anchor="ctr" bIns="91425" lIns="91425" rIns="91425" tIns="91425">
+          <a:bodyPr lIns="91425" tIns="91425" rIns="91425" bIns="91425" anchor="ctr" anchorCtr="0">
             <a:noAutofit/>
           </a:bodyPr>
           <a:lstStyle/>
@@ -7001,6 +7309,7 @@
               <a:rPr lang="en"/>
               <a:t>‹#›</a:t>
             </a:fld>
+            <a:endParaRPr lang="en"/>
           </a:p>
         </p:txBody>
       </p:sp>
@@ -7013,11 +7322,11 @@
 </file>
 
 <file path=ppt/slideLayouts/slideLayout8.xml><?xml version="1.0" encoding="utf-8"?>
-<p:sldLayout xmlns:a="http://schemas.openxmlformats.org/drawingml/2006/main" xmlns:r="http://schemas.openxmlformats.org/officeDocument/2006/relationships" xmlns:mc="http://schemas.openxmlformats.org/markup-compatibility/2006" xmlns:mv="urn:schemas-microsoft-com:mac:vml" xmlns:p="http://schemas.openxmlformats.org/presentationml/2006/main" xmlns:c="http://schemas.openxmlformats.org/drawingml/2006/chart" xmlns:dgm="http://schemas.openxmlformats.org/drawingml/2006/diagram" xmlns:o="urn:schemas-microsoft-com:office:office" xmlns:v="urn:schemas-microsoft-com:vml" xmlns:pvml="urn:schemas-microsoft-com:office:powerpoint" xmlns:com="http://schemas.openxmlformats.org/drawingml/2006/compatibility" xmlns:p14="http://schemas.microsoft.com/office/powerpoint/2010/main">
+<p:sldLayout xmlns:a="http://schemas.openxmlformats.org/drawingml/2006/main" xmlns:r="http://schemas.openxmlformats.org/officeDocument/2006/relationships" xmlns:p="http://schemas.openxmlformats.org/presentationml/2006/main">
   <p:cSld name="Section title and description">
     <p:spTree>
       <p:nvGrpSpPr>
-        <p:cNvPr id="59" name="Shape 59"/>
+        <p:cNvPr id="1" name="Shape 59"/>
         <p:cNvGrpSpPr/>
         <p:nvPr/>
       </p:nvGrpSpPr>
@@ -7051,7 +7360,7 @@
           </a:ln>
         </p:spPr>
         <p:txBody>
-          <a:bodyPr anchorCtr="0" anchor="ctr" bIns="91425" lIns="91425" rIns="91425" tIns="91425">
+          <a:bodyPr lIns="91425" tIns="91425" rIns="91425" bIns="91425" anchor="ctr" anchorCtr="0">
             <a:noAutofit/>
           </a:bodyPr>
           <a:lstStyle/>
@@ -7062,9 +7371,6 @@
               </a:spcBef>
               <a:buNone/>
             </a:pPr>
-            <a:r>
-              <a:t/>
-            </a:r>
             <a:endParaRPr/>
           </a:p>
         </p:txBody>
@@ -7084,21 +7390,23 @@
             <a:avLst/>
           </a:prstGeom>
           <a:noFill/>
-          <a:ln cap="flat" cmpd="sng" w="19050">
+          <a:ln w="19050" cap="flat" cmpd="sng">
             <a:solidFill>
               <a:schemeClr val="lt1"/>
             </a:solidFill>
             <a:prstDash val="solid"/>
             <a:round/>
-            <a:headEnd len="med" w="med" type="none"/>
-            <a:tailEnd len="med" w="med" type="none"/>
+            <a:headEnd type="none" w="med" len="med"/>
+            <a:tailEnd type="none" w="med" len="med"/>
           </a:ln>
         </p:spPr>
       </p:cxnSp>
       <p:sp>
         <p:nvSpPr>
           <p:cNvPr id="62" name="Shape 62"/>
-          <p:cNvSpPr txBox="1"/>
+          <p:cNvSpPr txBox="1">
+            <a:spLocks noGrp="1"/>
+          </p:cNvSpPr>
           <p:nvPr>
             <p:ph type="title"/>
           </p:nvPr>
@@ -7113,7 +7421,7 @@
           </a:prstGeom>
         </p:spPr>
         <p:txBody>
-          <a:bodyPr anchorCtr="0" anchor="b" bIns="91425" lIns="91425" rIns="91425" tIns="91425"/>
+          <a:bodyPr lIns="91425" tIns="91425" rIns="91425" bIns="91425" anchor="b" anchorCtr="0"/>
           <a:lstStyle>
             <a:lvl1pPr lvl="0" algn="ctr">
               <a:spcBef>
@@ -7179,15 +7487,19 @@
               <a:defRPr sz="4200"/>
             </a:lvl9pPr>
           </a:lstStyle>
-          <a:p/>
+          <a:p>
+            <a:endParaRPr/>
+          </a:p>
         </p:txBody>
       </p:sp>
       <p:sp>
         <p:nvSpPr>
           <p:cNvPr id="63" name="Shape 63"/>
-          <p:cNvSpPr txBox="1"/>
+          <p:cNvSpPr txBox="1">
+            <a:spLocks noGrp="1"/>
+          </p:cNvSpPr>
           <p:nvPr>
-            <p:ph idx="1" type="subTitle"/>
+            <p:ph type="subTitle" idx="1"/>
           </p:nvPr>
         </p:nvSpPr>
         <p:spPr>
@@ -7200,7 +7512,7 @@
           </a:prstGeom>
         </p:spPr>
         <p:txBody>
-          <a:bodyPr anchorCtr="0" anchor="t" bIns="91425" lIns="91425" rIns="91425" tIns="91425"/>
+          <a:bodyPr lIns="91425" tIns="91425" rIns="91425" bIns="91425" anchor="t" anchorCtr="0"/>
           <a:lstStyle>
             <a:lvl1pPr lvl="0" algn="ctr">
               <a:lnSpc>
@@ -7329,15 +7641,19 @@
               <a:defRPr sz="2100"/>
             </a:lvl9pPr>
           </a:lstStyle>
-          <a:p/>
+          <a:p>
+            <a:endParaRPr/>
+          </a:p>
         </p:txBody>
       </p:sp>
       <p:sp>
         <p:nvSpPr>
           <p:cNvPr id="64" name="Shape 64"/>
-          <p:cNvSpPr txBox="1"/>
+          <p:cNvSpPr txBox="1">
+            <a:spLocks noGrp="1"/>
+          </p:cNvSpPr>
           <p:nvPr>
-            <p:ph idx="2" type="body"/>
+            <p:ph type="body" idx="2"/>
           </p:nvPr>
         </p:nvSpPr>
         <p:spPr>
@@ -7350,7 +7666,7 @@
           </a:prstGeom>
         </p:spPr>
         <p:txBody>
-          <a:bodyPr anchorCtr="0" anchor="ctr" bIns="91425" lIns="91425" rIns="91425" tIns="91425"/>
+          <a:bodyPr lIns="91425" tIns="91425" rIns="91425" bIns="91425" anchor="ctr" anchorCtr="0"/>
           <a:lstStyle>
             <a:lvl1pPr lvl="0">
               <a:spcBef>
@@ -7470,15 +7786,19 @@
               </a:defRPr>
             </a:lvl9pPr>
           </a:lstStyle>
-          <a:p/>
+          <a:p>
+            <a:endParaRPr/>
+          </a:p>
         </p:txBody>
       </p:sp>
       <p:sp>
         <p:nvSpPr>
           <p:cNvPr id="65" name="Shape 65"/>
-          <p:cNvSpPr txBox="1"/>
+          <p:cNvSpPr txBox="1">
+            <a:spLocks noGrp="1"/>
+          </p:cNvSpPr>
           <p:nvPr>
-            <p:ph idx="12" type="sldNum"/>
+            <p:ph type="sldNum" idx="12"/>
           </p:nvPr>
         </p:nvSpPr>
         <p:spPr>
@@ -7491,7 +7811,7 @@
           </a:prstGeom>
         </p:spPr>
         <p:txBody>
-          <a:bodyPr anchorCtr="0" anchor="ctr" bIns="91425" lIns="91425" rIns="91425" tIns="91425">
+          <a:bodyPr lIns="91425" tIns="91425" rIns="91425" bIns="91425" anchor="ctr" anchorCtr="0">
             <a:noAutofit/>
           </a:bodyPr>
           <a:lstStyle/>
@@ -7506,6 +7826,7 @@
               <a:rPr lang="en"/>
               <a:t>‹#›</a:t>
             </a:fld>
+            <a:endParaRPr lang="en"/>
           </a:p>
         </p:txBody>
       </p:sp>
@@ -7518,11 +7839,11 @@
 </file>
 
 <file path=ppt/slideLayouts/slideLayout9.xml><?xml version="1.0" encoding="utf-8"?>
-<p:sldLayout xmlns:a="http://schemas.openxmlformats.org/drawingml/2006/main" xmlns:r="http://schemas.openxmlformats.org/officeDocument/2006/relationships" xmlns:mc="http://schemas.openxmlformats.org/markup-compatibility/2006" xmlns:mv="urn:schemas-microsoft-com:mac:vml" xmlns:p="http://schemas.openxmlformats.org/presentationml/2006/main" xmlns:c="http://schemas.openxmlformats.org/drawingml/2006/chart" xmlns:dgm="http://schemas.openxmlformats.org/drawingml/2006/diagram" xmlns:o="urn:schemas-microsoft-com:office:office" xmlns:v="urn:schemas-microsoft-com:vml" xmlns:pvml="urn:schemas-microsoft-com:office:powerpoint" xmlns:com="http://schemas.openxmlformats.org/drawingml/2006/compatibility" xmlns:p14="http://schemas.microsoft.com/office/powerpoint/2010/main">
+<p:sldLayout xmlns:a="http://schemas.openxmlformats.org/drawingml/2006/main" xmlns:r="http://schemas.openxmlformats.org/officeDocument/2006/relationships" xmlns:p="http://schemas.openxmlformats.org/presentationml/2006/main">
   <p:cSld name="Caption">
     <p:spTree>
       <p:nvGrpSpPr>
-        <p:cNvPr id="66" name="Shape 66"/>
+        <p:cNvPr id="1" name="Shape 66"/>
         <p:cNvGrpSpPr/>
         <p:nvPr/>
       </p:nvGrpSpPr>
@@ -7537,9 +7858,11 @@
       <p:sp>
         <p:nvSpPr>
           <p:cNvPr id="67" name="Shape 67"/>
-          <p:cNvSpPr txBox="1"/>
+          <p:cNvSpPr txBox="1">
+            <a:spLocks noGrp="1"/>
+          </p:cNvSpPr>
           <p:nvPr>
-            <p:ph idx="1" type="body"/>
+            <p:ph type="body" idx="1"/>
           </p:nvPr>
         </p:nvSpPr>
         <p:spPr>
@@ -7552,7 +7875,7 @@
           </a:prstGeom>
         </p:spPr>
         <p:txBody>
-          <a:bodyPr anchorCtr="0" anchor="ctr" bIns="91425" lIns="91425" rIns="91425" tIns="91425"/>
+          <a:bodyPr lIns="91425" tIns="91425" rIns="91425" bIns="91425" anchor="ctr" anchorCtr="0"/>
           <a:lstStyle>
             <a:lvl1pPr lvl="0">
               <a:lnSpc>
@@ -7568,15 +7891,19 @@
               <a:defRPr/>
             </a:lvl1pPr>
           </a:lstStyle>
-          <a:p/>
+          <a:p>
+            <a:endParaRPr/>
+          </a:p>
         </p:txBody>
       </p:sp>
       <p:sp>
         <p:nvSpPr>
           <p:cNvPr id="68" name="Shape 68"/>
-          <p:cNvSpPr txBox="1"/>
+          <p:cNvSpPr txBox="1">
+            <a:spLocks noGrp="1"/>
+          </p:cNvSpPr>
           <p:nvPr>
-            <p:ph idx="12" type="sldNum"/>
+            <p:ph type="sldNum" idx="12"/>
           </p:nvPr>
         </p:nvSpPr>
         <p:spPr>
@@ -7589,7 +7916,7 @@
           </a:prstGeom>
         </p:spPr>
         <p:txBody>
-          <a:bodyPr anchorCtr="0" anchor="ctr" bIns="91425" lIns="91425" rIns="91425" tIns="91425">
+          <a:bodyPr lIns="91425" tIns="91425" rIns="91425" bIns="91425" anchor="ctr" anchorCtr="0">
             <a:noAutofit/>
           </a:bodyPr>
           <a:lstStyle/>
@@ -7608,6 +7935,11 @@
               </a:rPr>
               <a:t>‹#›</a:t>
             </a:fld>
+            <a:endParaRPr lang="en">
+              <a:solidFill>
+                <a:schemeClr val="dk2"/>
+              </a:solidFill>
+            </a:endParaRPr>
           </a:p>
         </p:txBody>
       </p:sp>
@@ -7620,18 +7952,19 @@
 </file>
 
 <file path=ppt/slideMasters/slideMaster1.xml><?xml version="1.0" encoding="utf-8"?>
-<p:sldMaster xmlns:a="http://schemas.openxmlformats.org/drawingml/2006/main" xmlns:r="http://schemas.openxmlformats.org/officeDocument/2006/relationships" xmlns:mc="http://schemas.openxmlformats.org/markup-compatibility/2006" xmlns:mv="urn:schemas-microsoft-com:mac:vml" xmlns:p="http://schemas.openxmlformats.org/presentationml/2006/main" xmlns:c="http://schemas.openxmlformats.org/drawingml/2006/chart" xmlns:dgm="http://schemas.openxmlformats.org/drawingml/2006/diagram" xmlns:o="urn:schemas-microsoft-com:office:office" xmlns:v="urn:schemas-microsoft-com:vml" xmlns:pvml="urn:schemas-microsoft-com:office:powerpoint" xmlns:com="http://schemas.openxmlformats.org/drawingml/2006/compatibility" xmlns:p14="http://schemas.microsoft.com/office/powerpoint/2010/main">
+<p:sldMaster xmlns:a="http://schemas.openxmlformats.org/drawingml/2006/main" xmlns:r="http://schemas.openxmlformats.org/officeDocument/2006/relationships" xmlns:p="http://schemas.openxmlformats.org/presentationml/2006/main">
   <p:cSld>
     <p:bg>
       <p:bgPr>
         <a:solidFill>
           <a:schemeClr val="lt1"/>
         </a:solidFill>
+        <a:effectLst/>
       </p:bgPr>
     </p:bg>
     <p:spTree>
       <p:nvGrpSpPr>
-        <p:cNvPr id="5" name="Shape 5"/>
+        <p:cNvPr id="1" name="Shape 5"/>
         <p:cNvGrpSpPr/>
         <p:nvPr/>
       </p:nvGrpSpPr>
@@ -7646,7 +7979,9 @@
       <p:sp>
         <p:nvSpPr>
           <p:cNvPr id="6" name="Shape 6"/>
-          <p:cNvSpPr txBox="1"/>
+          <p:cNvSpPr txBox="1">
+            <a:spLocks noGrp="1"/>
+          </p:cNvSpPr>
           <p:nvPr>
             <p:ph type="title"/>
           </p:nvPr>
@@ -7665,7 +8000,7 @@
           </a:ln>
         </p:spPr>
         <p:txBody>
-          <a:bodyPr anchorCtr="0" anchor="t" bIns="91425" lIns="91425" rIns="91425" tIns="91425"/>
+          <a:bodyPr lIns="91425" tIns="91425" rIns="91425" bIns="91425" anchor="t" anchorCtr="0"/>
           <a:lstStyle>
             <a:lvl1pPr lvl="0">
               <a:spcBef>
@@ -7848,15 +8183,19 @@
               </a:defRPr>
             </a:lvl9pPr>
           </a:lstStyle>
-          <a:p/>
+          <a:p>
+            <a:endParaRPr/>
+          </a:p>
         </p:txBody>
       </p:sp>
       <p:sp>
         <p:nvSpPr>
           <p:cNvPr id="7" name="Shape 7"/>
-          <p:cNvSpPr txBox="1"/>
+          <p:cNvSpPr txBox="1">
+            <a:spLocks noGrp="1"/>
+          </p:cNvSpPr>
           <p:nvPr>
-            <p:ph idx="1" type="body"/>
+            <p:ph type="body" idx="1"/>
           </p:nvPr>
         </p:nvSpPr>
         <p:spPr>
@@ -7873,7 +8212,7 @@
           </a:ln>
         </p:spPr>
         <p:txBody>
-          <a:bodyPr anchorCtr="0" anchor="t" bIns="91425" lIns="91425" rIns="91425" tIns="91425"/>
+          <a:bodyPr lIns="91425" tIns="91425" rIns="91425" bIns="91425" anchor="t" anchorCtr="0"/>
           <a:lstStyle>
             <a:lvl1pPr lvl="0">
               <a:lnSpc>
@@ -8093,15 +8432,19 @@
               </a:defRPr>
             </a:lvl9pPr>
           </a:lstStyle>
-          <a:p/>
+          <a:p>
+            <a:endParaRPr/>
+          </a:p>
         </p:txBody>
       </p:sp>
       <p:sp>
         <p:nvSpPr>
           <p:cNvPr id="8" name="Shape 8"/>
-          <p:cNvSpPr txBox="1"/>
+          <p:cNvSpPr txBox="1">
+            <a:spLocks noGrp="1"/>
+          </p:cNvSpPr>
           <p:nvPr>
-            <p:ph idx="12" type="sldNum"/>
+            <p:ph type="sldNum" idx="12"/>
           </p:nvPr>
         </p:nvSpPr>
         <p:spPr>
@@ -8118,7 +8461,7 @@
           </a:ln>
         </p:spPr>
         <p:txBody>
-          <a:bodyPr anchorCtr="0" anchor="ctr" bIns="91425" lIns="91425" rIns="91425" tIns="91425">
+          <a:bodyPr lIns="91425" tIns="91425" rIns="91425" bIns="91425" anchor="ctr" anchorCtr="0">
             <a:noAutofit/>
           </a:bodyPr>
           <a:lstStyle/>
@@ -8141,12 +8484,21 @@
               </a:rPr>
               <a:t>‹#›</a:t>
             </a:fld>
+            <a:endParaRPr lang="en" sz="1000">
+              <a:solidFill>
+                <a:schemeClr val="lt1"/>
+              </a:solidFill>
+              <a:latin typeface="Roboto"/>
+              <a:ea typeface="Roboto"/>
+              <a:cs typeface="Roboto"/>
+              <a:sym typeface="Roboto"/>
+            </a:endParaRPr>
           </a:p>
         </p:txBody>
       </p:sp>
     </p:spTree>
   </p:cSld>
-  <p:clrMap accent1="accent1" accent2="accent2" accent3="accent3" accent4="accent4" accent5="accent5" accent6="accent6" bg1="lt1" bg2="dk2" tx1="dk1" tx2="lt2" folHlink="folHlink" hlink="hlink"/>
+  <p:clrMap bg1="lt1" tx1="dk1" bg2="dk2" tx2="lt2" accent1="accent1" accent2="accent2" accent3="accent3" accent4="accent4" accent5="accent5" accent6="accent6" hlink="hlink" folHlink="folHlink"/>
   <p:sldLayoutIdLst>
     <p:sldLayoutId id="2147483648" r:id="rId1"/>
     <p:sldLayoutId id="2147483649" r:id="rId2"/>
@@ -8160,10 +8512,10 @@
     <p:sldLayoutId id="2147483657" r:id="rId10"/>
     <p:sldLayoutId id="2147483658" r:id="rId11"/>
   </p:sldLayoutIdLst>
-  <p:hf dt="0" ftr="0" hdr="0" sldNum="0"/>
+  <p:hf sldNum="0" hdr="0" ftr="0" dt="0"/>
   <p:txStyles>
     <p:titleStyle>
-      <a:defPPr lvl="0" marR="0" rtl="0" algn="l">
+      <a:defPPr marR="0" lvl="0" algn="l" rtl="0">
         <a:lnSpc>
           <a:spcPct val="100000"/>
         </a:lnSpc>
@@ -8174,7 +8526,7 @@
           <a:spcPts val="0"/>
         </a:spcAft>
       </a:defPPr>
-      <a:lvl1pPr lvl="0" marR="0" rtl="0" algn="l">
+      <a:lvl1pPr marR="0" lvl="0" algn="l" rtl="0">
         <a:lnSpc>
           <a:spcPct val="100000"/>
         </a:lnSpc>
@@ -8185,7 +8537,7 @@
           <a:spcPts val="0"/>
         </a:spcAft>
         <a:buNone/>
-        <a:defRPr b="0" i="0" sz="1400" u="none" cap="none" strike="noStrike">
+        <a:defRPr sz="1400" b="0" i="0" u="none" strike="noStrike" cap="none">
           <a:solidFill>
             <a:srgbClr val="000000"/>
           </a:solidFill>
@@ -8197,7 +8549,7 @@
       </a:lvl1pPr>
     </p:titleStyle>
     <p:bodyStyle>
-      <a:defPPr lvl="0" marR="0" rtl="0" algn="l">
+      <a:defPPr marR="0" lvl="0" algn="l" rtl="0">
         <a:lnSpc>
           <a:spcPct val="100000"/>
         </a:lnSpc>
@@ -8208,7 +8560,7 @@
           <a:spcPts val="0"/>
         </a:spcAft>
       </a:defPPr>
-      <a:lvl1pPr lvl="0" marR="0" rtl="0" algn="l">
+      <a:lvl1pPr marR="0" lvl="0" algn="l" rtl="0">
         <a:lnSpc>
           <a:spcPct val="100000"/>
         </a:lnSpc>
@@ -8219,7 +8571,7 @@
           <a:spcPts val="0"/>
         </a:spcAft>
         <a:buNone/>
-        <a:defRPr b="0" i="0" sz="1400" u="none" cap="none" strike="noStrike">
+        <a:defRPr sz="1400" b="0" i="0" u="none" strike="noStrike" cap="none">
           <a:solidFill>
             <a:srgbClr val="000000"/>
           </a:solidFill>
@@ -8229,7 +8581,7 @@
           <a:sym typeface="Arial"/>
         </a:defRPr>
       </a:lvl1pPr>
-      <a:lvl2pPr lvl="1" marR="0" rtl="0" algn="l">
+      <a:lvl2pPr marR="0" lvl="1" algn="l" rtl="0">
         <a:lnSpc>
           <a:spcPct val="100000"/>
         </a:lnSpc>
@@ -8240,7 +8592,7 @@
           <a:spcPts val="0"/>
         </a:spcAft>
         <a:buNone/>
-        <a:defRPr b="0" i="0" sz="1400" u="none" cap="none" strike="noStrike">
+        <a:defRPr sz="1400" b="0" i="0" u="none" strike="noStrike" cap="none">
           <a:solidFill>
             <a:srgbClr val="000000"/>
           </a:solidFill>
@@ -8250,7 +8602,7 @@
           <a:sym typeface="Arial"/>
         </a:defRPr>
       </a:lvl2pPr>
-      <a:lvl3pPr lvl="2" marR="0" rtl="0" algn="l">
+      <a:lvl3pPr marR="0" lvl="2" algn="l" rtl="0">
         <a:lnSpc>
           <a:spcPct val="100000"/>
         </a:lnSpc>
@@ -8261,7 +8613,7 @@
           <a:spcPts val="0"/>
         </a:spcAft>
         <a:buNone/>
-        <a:defRPr b="0" i="0" sz="1400" u="none" cap="none" strike="noStrike">
+        <a:defRPr sz="1400" b="0" i="0" u="none" strike="noStrike" cap="none">
           <a:solidFill>
             <a:srgbClr val="000000"/>
           </a:solidFill>
@@ -8271,7 +8623,7 @@
           <a:sym typeface="Arial"/>
         </a:defRPr>
       </a:lvl3pPr>
-      <a:lvl4pPr lvl="3" marR="0" rtl="0" algn="l">
+      <a:lvl4pPr marR="0" lvl="3" algn="l" rtl="0">
         <a:lnSpc>
           <a:spcPct val="100000"/>
         </a:lnSpc>
@@ -8282,7 +8634,7 @@
           <a:spcPts val="0"/>
         </a:spcAft>
         <a:buNone/>
-        <a:defRPr b="0" i="0" sz="1400" u="none" cap="none" strike="noStrike">
+        <a:defRPr sz="1400" b="0" i="0" u="none" strike="noStrike" cap="none">
           <a:solidFill>
             <a:srgbClr val="000000"/>
           </a:solidFill>
@@ -8292,7 +8644,7 @@
           <a:sym typeface="Arial"/>
         </a:defRPr>
       </a:lvl4pPr>
-      <a:lvl5pPr lvl="4" marR="0" rtl="0" algn="l">
+      <a:lvl5pPr marR="0" lvl="4" algn="l" rtl="0">
         <a:lnSpc>
           <a:spcPct val="100000"/>
         </a:lnSpc>
@@ -8303,7 +8655,7 @@
           <a:spcPts val="0"/>
         </a:spcAft>
         <a:buNone/>
-        <a:defRPr b="0" i="0" sz="1400" u="none" cap="none" strike="noStrike">
+        <a:defRPr sz="1400" b="0" i="0" u="none" strike="noStrike" cap="none">
           <a:solidFill>
             <a:srgbClr val="000000"/>
           </a:solidFill>
@@ -8313,7 +8665,7 @@
           <a:sym typeface="Arial"/>
         </a:defRPr>
       </a:lvl5pPr>
-      <a:lvl6pPr lvl="5" marR="0" rtl="0" algn="l">
+      <a:lvl6pPr marR="0" lvl="5" algn="l" rtl="0">
         <a:lnSpc>
           <a:spcPct val="100000"/>
         </a:lnSpc>
@@ -8324,7 +8676,7 @@
           <a:spcPts val="0"/>
         </a:spcAft>
         <a:buNone/>
-        <a:defRPr b="0" i="0" sz="1400" u="none" cap="none" strike="noStrike">
+        <a:defRPr sz="1400" b="0" i="0" u="none" strike="noStrike" cap="none">
           <a:solidFill>
             <a:srgbClr val="000000"/>
           </a:solidFill>
@@ -8334,7 +8686,7 @@
           <a:sym typeface="Arial"/>
         </a:defRPr>
       </a:lvl6pPr>
-      <a:lvl7pPr lvl="6" marR="0" rtl="0" algn="l">
+      <a:lvl7pPr marR="0" lvl="6" algn="l" rtl="0">
         <a:lnSpc>
           <a:spcPct val="100000"/>
         </a:lnSpc>
@@ -8345,7 +8697,7 @@
           <a:spcPts val="0"/>
         </a:spcAft>
         <a:buNone/>
-        <a:defRPr b="0" i="0" sz="1400" u="none" cap="none" strike="noStrike">
+        <a:defRPr sz="1400" b="0" i="0" u="none" strike="noStrike" cap="none">
           <a:solidFill>
             <a:srgbClr val="000000"/>
           </a:solidFill>
@@ -8355,7 +8707,7 @@
           <a:sym typeface="Arial"/>
         </a:defRPr>
       </a:lvl7pPr>
-      <a:lvl8pPr lvl="7" marR="0" rtl="0" algn="l">
+      <a:lvl8pPr marR="0" lvl="7" algn="l" rtl="0">
         <a:lnSpc>
           <a:spcPct val="100000"/>
         </a:lnSpc>
@@ -8366,7 +8718,7 @@
           <a:spcPts val="0"/>
         </a:spcAft>
         <a:buNone/>
-        <a:defRPr b="0" i="0" sz="1400" u="none" cap="none" strike="noStrike">
+        <a:defRPr sz="1400" b="0" i="0" u="none" strike="noStrike" cap="none">
           <a:solidFill>
             <a:srgbClr val="000000"/>
           </a:solidFill>
@@ -8376,7 +8728,7 @@
           <a:sym typeface="Arial"/>
         </a:defRPr>
       </a:lvl8pPr>
-      <a:lvl9pPr lvl="8" marR="0" rtl="0" algn="l">
+      <a:lvl9pPr marR="0" lvl="8" algn="l" rtl="0">
         <a:lnSpc>
           <a:spcPct val="100000"/>
         </a:lnSpc>
@@ -8387,7 +8739,7 @@
           <a:spcPts val="0"/>
         </a:spcAft>
         <a:buNone/>
-        <a:defRPr b="0" i="0" sz="1400" u="none" cap="none" strike="noStrike">
+        <a:defRPr sz="1400" b="0" i="0" u="none" strike="noStrike" cap="none">
           <a:solidFill>
             <a:srgbClr val="000000"/>
           </a:solidFill>
@@ -8399,7 +8751,7 @@
       </a:lvl9pPr>
     </p:bodyStyle>
     <p:otherStyle>
-      <a:defPPr lvl="0" marR="0" rtl="0" algn="l">
+      <a:defPPr marR="0" lvl="0" algn="l" rtl="0">
         <a:lnSpc>
           <a:spcPct val="100000"/>
         </a:lnSpc>
@@ -8410,7 +8762,7 @@
           <a:spcPts val="0"/>
         </a:spcAft>
       </a:defPPr>
-      <a:lvl1pPr lvl="0" marR="0" rtl="0" algn="l">
+      <a:lvl1pPr marR="0" lvl="0" algn="l" rtl="0">
         <a:lnSpc>
           <a:spcPct val="100000"/>
         </a:lnSpc>
@@ -8421,7 +8773,7 @@
           <a:spcPts val="0"/>
         </a:spcAft>
         <a:buNone/>
-        <a:defRPr b="0" i="0" sz="1400" u="none" cap="none" strike="noStrike">
+        <a:defRPr sz="1400" b="0" i="0" u="none" strike="noStrike" cap="none">
           <a:solidFill>
             <a:srgbClr val="000000"/>
           </a:solidFill>
@@ -8431,7 +8783,7 @@
           <a:sym typeface="Arial"/>
         </a:defRPr>
       </a:lvl1pPr>
-      <a:lvl2pPr lvl="1" marR="0" rtl="0" algn="l">
+      <a:lvl2pPr marR="0" lvl="1" algn="l" rtl="0">
         <a:lnSpc>
           <a:spcPct val="100000"/>
         </a:lnSpc>
@@ -8442,7 +8794,7 @@
           <a:spcPts val="0"/>
         </a:spcAft>
         <a:buNone/>
-        <a:defRPr b="0" i="0" sz="1400" u="none" cap="none" strike="noStrike">
+        <a:defRPr sz="1400" b="0" i="0" u="none" strike="noStrike" cap="none">
           <a:solidFill>
             <a:srgbClr val="000000"/>
           </a:solidFill>
@@ -8452,7 +8804,7 @@
           <a:sym typeface="Arial"/>
         </a:defRPr>
       </a:lvl2pPr>
-      <a:lvl3pPr lvl="2" marR="0" rtl="0" algn="l">
+      <a:lvl3pPr marR="0" lvl="2" algn="l" rtl="0">
         <a:lnSpc>
           <a:spcPct val="100000"/>
         </a:lnSpc>
@@ -8463,7 +8815,7 @@
           <a:spcPts val="0"/>
         </a:spcAft>
         <a:buNone/>
-        <a:defRPr b="0" i="0" sz="1400" u="none" cap="none" strike="noStrike">
+        <a:defRPr sz="1400" b="0" i="0" u="none" strike="noStrike" cap="none">
           <a:solidFill>
             <a:srgbClr val="000000"/>
           </a:solidFill>
@@ -8473,7 +8825,7 @@
           <a:sym typeface="Arial"/>
         </a:defRPr>
       </a:lvl3pPr>
-      <a:lvl4pPr lvl="3" marR="0" rtl="0" algn="l">
+      <a:lvl4pPr marR="0" lvl="3" algn="l" rtl="0">
         <a:lnSpc>
           <a:spcPct val="100000"/>
         </a:lnSpc>
@@ -8484,7 +8836,7 @@
           <a:spcPts val="0"/>
         </a:spcAft>
         <a:buNone/>
-        <a:defRPr b="0" i="0" sz="1400" u="none" cap="none" strike="noStrike">
+        <a:defRPr sz="1400" b="0" i="0" u="none" strike="noStrike" cap="none">
           <a:solidFill>
             <a:srgbClr val="000000"/>
           </a:solidFill>
@@ -8494,7 +8846,7 @@
           <a:sym typeface="Arial"/>
         </a:defRPr>
       </a:lvl4pPr>
-      <a:lvl5pPr lvl="4" marR="0" rtl="0" algn="l">
+      <a:lvl5pPr marR="0" lvl="4" algn="l" rtl="0">
         <a:lnSpc>
           <a:spcPct val="100000"/>
         </a:lnSpc>
@@ -8505,7 +8857,7 @@
           <a:spcPts val="0"/>
         </a:spcAft>
         <a:buNone/>
-        <a:defRPr b="0" i="0" sz="1400" u="none" cap="none" strike="noStrike">
+        <a:defRPr sz="1400" b="0" i="0" u="none" strike="noStrike" cap="none">
           <a:solidFill>
             <a:srgbClr val="000000"/>
           </a:solidFill>
@@ -8515,7 +8867,7 @@
           <a:sym typeface="Arial"/>
         </a:defRPr>
       </a:lvl5pPr>
-      <a:lvl6pPr lvl="5" marR="0" rtl="0" algn="l">
+      <a:lvl6pPr marR="0" lvl="5" algn="l" rtl="0">
         <a:lnSpc>
           <a:spcPct val="100000"/>
         </a:lnSpc>
@@ -8526,7 +8878,7 @@
           <a:spcPts val="0"/>
         </a:spcAft>
         <a:buNone/>
-        <a:defRPr b="0" i="0" sz="1400" u="none" cap="none" strike="noStrike">
+        <a:defRPr sz="1400" b="0" i="0" u="none" strike="noStrike" cap="none">
           <a:solidFill>
             <a:srgbClr val="000000"/>
           </a:solidFill>
@@ -8536,7 +8888,7 @@
           <a:sym typeface="Arial"/>
         </a:defRPr>
       </a:lvl6pPr>
-      <a:lvl7pPr lvl="6" marR="0" rtl="0" algn="l">
+      <a:lvl7pPr marR="0" lvl="6" algn="l" rtl="0">
         <a:lnSpc>
           <a:spcPct val="100000"/>
         </a:lnSpc>
@@ -8547,7 +8899,7 @@
           <a:spcPts val="0"/>
         </a:spcAft>
         <a:buNone/>
-        <a:defRPr b="0" i="0" sz="1400" u="none" cap="none" strike="noStrike">
+        <a:defRPr sz="1400" b="0" i="0" u="none" strike="noStrike" cap="none">
           <a:solidFill>
             <a:srgbClr val="000000"/>
           </a:solidFill>
@@ -8557,7 +8909,7 @@
           <a:sym typeface="Arial"/>
         </a:defRPr>
       </a:lvl7pPr>
-      <a:lvl8pPr lvl="7" marR="0" rtl="0" algn="l">
+      <a:lvl8pPr marR="0" lvl="7" algn="l" rtl="0">
         <a:lnSpc>
           <a:spcPct val="100000"/>
         </a:lnSpc>
@@ -8568,7 +8920,7 @@
           <a:spcPts val="0"/>
         </a:spcAft>
         <a:buNone/>
-        <a:defRPr b="0" i="0" sz="1400" u="none" cap="none" strike="noStrike">
+        <a:defRPr sz="1400" b="0" i="0" u="none" strike="noStrike" cap="none">
           <a:solidFill>
             <a:srgbClr val="000000"/>
           </a:solidFill>
@@ -8578,7 +8930,7 @@
           <a:sym typeface="Arial"/>
         </a:defRPr>
       </a:lvl8pPr>
-      <a:lvl9pPr lvl="8" marR="0" rtl="0" algn="l">
+      <a:lvl9pPr marR="0" lvl="8" algn="l" rtl="0">
         <a:lnSpc>
           <a:spcPct val="100000"/>
         </a:lnSpc>
@@ -8589,7 +8941,7 @@
           <a:spcPts val="0"/>
         </a:spcAft>
         <a:buNone/>
-        <a:defRPr b="0" i="0" sz="1400" u="none" cap="none" strike="noStrike">
+        <a:defRPr sz="1400" b="0" i="0" u="none" strike="noStrike" cap="none">
           <a:solidFill>
             <a:srgbClr val="000000"/>
           </a:solidFill>
@@ -8605,18 +8957,19 @@
 </file>
 
 <file path=ppt/slideMasters/slideMaster2.xml><?xml version="1.0" encoding="utf-8"?>
-<p:sldMaster xmlns:a="http://schemas.openxmlformats.org/drawingml/2006/main" xmlns:r="http://schemas.openxmlformats.org/officeDocument/2006/relationships" xmlns:mc="http://schemas.openxmlformats.org/markup-compatibility/2006" xmlns:mv="urn:schemas-microsoft-com:mac:vml" xmlns:p="http://schemas.openxmlformats.org/presentationml/2006/main" xmlns:c="http://schemas.openxmlformats.org/drawingml/2006/chart" xmlns:dgm="http://schemas.openxmlformats.org/drawingml/2006/diagram" xmlns:o="urn:schemas-microsoft-com:office:office" xmlns:v="urn:schemas-microsoft-com:vml" xmlns:pvml="urn:schemas-microsoft-com:office:powerpoint" xmlns:com="http://schemas.openxmlformats.org/drawingml/2006/compatibility" xmlns:p14="http://schemas.microsoft.com/office/powerpoint/2010/main">
+<p:sldMaster xmlns:a="http://schemas.openxmlformats.org/drawingml/2006/main" xmlns:r="http://schemas.openxmlformats.org/officeDocument/2006/relationships" xmlns:p="http://schemas.openxmlformats.org/presentationml/2006/main">
   <p:cSld>
     <p:bg>
       <p:bgPr>
         <a:solidFill>
           <a:schemeClr val="lt1"/>
         </a:solidFill>
+        <a:effectLst/>
       </p:bgPr>
     </p:bg>
     <p:spTree>
       <p:nvGrpSpPr>
-        <p:cNvPr id="81" name="Shape 81"/>
+        <p:cNvPr id="1" name="Shape 81"/>
         <p:cNvGrpSpPr/>
         <p:nvPr/>
       </p:nvGrpSpPr>
@@ -8631,7 +8984,9 @@
       <p:sp>
         <p:nvSpPr>
           <p:cNvPr id="82" name="Shape 82"/>
-          <p:cNvSpPr txBox="1"/>
+          <p:cNvSpPr txBox="1">
+            <a:spLocks noGrp="1"/>
+          </p:cNvSpPr>
           <p:nvPr>
             <p:ph type="title"/>
           </p:nvPr>
@@ -8650,7 +9005,7 @@
           </a:ln>
         </p:spPr>
         <p:txBody>
-          <a:bodyPr anchorCtr="0" anchor="t" bIns="91425" lIns="91425" rIns="91425" tIns="91425"/>
+          <a:bodyPr lIns="91425" tIns="91425" rIns="91425" bIns="91425" anchor="t" anchorCtr="0"/>
           <a:lstStyle>
             <a:lvl1pPr lvl="0" rtl="0">
               <a:spcBef>
@@ -8788,15 +9143,19 @@
               </a:defRPr>
             </a:lvl9pPr>
           </a:lstStyle>
-          <a:p/>
+          <a:p>
+            <a:endParaRPr/>
+          </a:p>
         </p:txBody>
       </p:sp>
       <p:sp>
         <p:nvSpPr>
           <p:cNvPr id="83" name="Shape 83"/>
-          <p:cNvSpPr txBox="1"/>
+          <p:cNvSpPr txBox="1">
+            <a:spLocks noGrp="1"/>
+          </p:cNvSpPr>
           <p:nvPr>
-            <p:ph idx="1" type="body"/>
+            <p:ph type="body" idx="1"/>
           </p:nvPr>
         </p:nvSpPr>
         <p:spPr>
@@ -8813,7 +9172,7 @@
           </a:ln>
         </p:spPr>
         <p:txBody>
-          <a:bodyPr anchorCtr="0" anchor="t" bIns="91425" lIns="91425" rIns="91425" tIns="91425"/>
+          <a:bodyPr lIns="91425" tIns="91425" rIns="91425" bIns="91425" anchor="t" anchorCtr="0"/>
           <a:lstStyle>
             <a:lvl1pPr lvl="0" rtl="0">
               <a:lnSpc>
@@ -8988,15 +9347,19 @@
               </a:defRPr>
             </a:lvl9pPr>
           </a:lstStyle>
-          <a:p/>
+          <a:p>
+            <a:endParaRPr/>
+          </a:p>
         </p:txBody>
       </p:sp>
       <p:sp>
         <p:nvSpPr>
           <p:cNvPr id="84" name="Shape 84"/>
-          <p:cNvSpPr txBox="1"/>
+          <p:cNvSpPr txBox="1">
+            <a:spLocks noGrp="1"/>
+          </p:cNvSpPr>
           <p:nvPr>
-            <p:ph idx="12" type="sldNum"/>
+            <p:ph type="sldNum" idx="12"/>
           </p:nvPr>
         </p:nvSpPr>
         <p:spPr>
@@ -9013,12 +9376,12 @@
           </a:ln>
         </p:spPr>
         <p:txBody>
-          <a:bodyPr anchorCtr="0" anchor="ctr" bIns="91425" lIns="91425" rIns="91425" tIns="91425">
+          <a:bodyPr lIns="91425" tIns="91425" rIns="91425" bIns="91425" anchor="ctr" anchorCtr="0">
             <a:noAutofit/>
           </a:bodyPr>
           <a:lstStyle/>
           <a:p>
-            <a:pPr lvl="0" rtl="0" algn="r">
+            <a:pPr lvl="0" algn="r" rtl="0">
               <a:spcBef>
                 <a:spcPts val="0"/>
               </a:spcBef>
@@ -9032,12 +9395,17 @@
               </a:rPr>
               <a:t>‹#›</a:t>
             </a:fld>
+            <a:endParaRPr lang="en" sz="1000">
+              <a:solidFill>
+                <a:schemeClr val="dk2"/>
+              </a:solidFill>
+            </a:endParaRPr>
           </a:p>
         </p:txBody>
       </p:sp>
     </p:spTree>
   </p:cSld>
-  <p:clrMap accent1="accent1" accent2="accent2" accent3="accent3" accent4="accent4" accent5="accent5" accent6="accent6" bg1="lt1" bg2="dk2" tx1="dk1" tx2="lt2" folHlink="folHlink" hlink="hlink"/>
+  <p:clrMap bg1="lt1" tx1="dk1" bg2="dk2" tx2="lt2" accent1="accent1" accent2="accent2" accent3="accent3" accent4="accent4" accent5="accent5" accent6="accent6" hlink="hlink" folHlink="folHlink"/>
   <p:sldLayoutIdLst>
     <p:sldLayoutId id="2147483659" r:id="rId1"/>
     <p:sldLayoutId id="2147483660" r:id="rId2"/>
@@ -9051,10 +9419,10 @@
     <p:sldLayoutId id="2147483668" r:id="rId10"/>
     <p:sldLayoutId id="2147483669" r:id="rId11"/>
   </p:sldLayoutIdLst>
-  <p:hf dt="0" ftr="0" hdr="0" sldNum="0"/>
+  <p:hf sldNum="0" hdr="0" ftr="0" dt="0"/>
   <p:txStyles>
     <p:titleStyle>
-      <a:defPPr lvl="0" marR="0" rtl="0" algn="l">
+      <a:defPPr marR="0" lvl="0" algn="l" rtl="0">
         <a:lnSpc>
           <a:spcPct val="100000"/>
         </a:lnSpc>
@@ -9065,7 +9433,7 @@
           <a:spcPts val="0"/>
         </a:spcAft>
       </a:defPPr>
-      <a:lvl1pPr lvl="0" marR="0" rtl="0" algn="l">
+      <a:lvl1pPr marR="0" lvl="0" algn="l" rtl="0">
         <a:lnSpc>
           <a:spcPct val="100000"/>
         </a:lnSpc>
@@ -9076,7 +9444,7 @@
           <a:spcPts val="0"/>
         </a:spcAft>
         <a:buNone/>
-        <a:defRPr b="0" i="0" sz="1400" u="none" cap="none" strike="noStrike">
+        <a:defRPr sz="1400" b="0" i="0" u="none" strike="noStrike" cap="none">
           <a:solidFill>
             <a:srgbClr val="000000"/>
           </a:solidFill>
@@ -9088,7 +9456,7 @@
       </a:lvl1pPr>
     </p:titleStyle>
     <p:bodyStyle>
-      <a:defPPr lvl="0" marR="0" rtl="0" algn="l">
+      <a:defPPr marR="0" lvl="0" algn="l" rtl="0">
         <a:lnSpc>
           <a:spcPct val="100000"/>
         </a:lnSpc>
@@ -9099,7 +9467,7 @@
           <a:spcPts val="0"/>
         </a:spcAft>
       </a:defPPr>
-      <a:lvl1pPr lvl="0" marR="0" rtl="0" algn="l">
+      <a:lvl1pPr marR="0" lvl="0" algn="l" rtl="0">
         <a:lnSpc>
           <a:spcPct val="100000"/>
         </a:lnSpc>
@@ -9110,7 +9478,7 @@
           <a:spcPts val="0"/>
         </a:spcAft>
         <a:buNone/>
-        <a:defRPr b="0" i="0" sz="1400" u="none" cap="none" strike="noStrike">
+        <a:defRPr sz="1400" b="0" i="0" u="none" strike="noStrike" cap="none">
           <a:solidFill>
             <a:srgbClr val="000000"/>
           </a:solidFill>
@@ -9120,7 +9488,7 @@
           <a:sym typeface="Arial"/>
         </a:defRPr>
       </a:lvl1pPr>
-      <a:lvl2pPr lvl="1" marR="0" rtl="0" algn="l">
+      <a:lvl2pPr marR="0" lvl="1" algn="l" rtl="0">
         <a:lnSpc>
           <a:spcPct val="100000"/>
         </a:lnSpc>
@@ -9131,7 +9499,7 @@
           <a:spcPts val="0"/>
         </a:spcAft>
         <a:buNone/>
-        <a:defRPr b="0" i="0" sz="1400" u="none" cap="none" strike="noStrike">
+        <a:defRPr sz="1400" b="0" i="0" u="none" strike="noStrike" cap="none">
           <a:solidFill>
             <a:srgbClr val="000000"/>
           </a:solidFill>
@@ -9141,7 +9509,7 @@
           <a:sym typeface="Arial"/>
         </a:defRPr>
       </a:lvl2pPr>
-      <a:lvl3pPr lvl="2" marR="0" rtl="0" algn="l">
+      <a:lvl3pPr marR="0" lvl="2" algn="l" rtl="0">
         <a:lnSpc>
           <a:spcPct val="100000"/>
         </a:lnSpc>
@@ -9152,7 +9520,7 @@
           <a:spcPts val="0"/>
         </a:spcAft>
         <a:buNone/>
-        <a:defRPr b="0" i="0" sz="1400" u="none" cap="none" strike="noStrike">
+        <a:defRPr sz="1400" b="0" i="0" u="none" strike="noStrike" cap="none">
           <a:solidFill>
             <a:srgbClr val="000000"/>
           </a:solidFill>
@@ -9162,7 +9530,7 @@
           <a:sym typeface="Arial"/>
         </a:defRPr>
       </a:lvl3pPr>
-      <a:lvl4pPr lvl="3" marR="0" rtl="0" algn="l">
+      <a:lvl4pPr marR="0" lvl="3" algn="l" rtl="0">
         <a:lnSpc>
           <a:spcPct val="100000"/>
         </a:lnSpc>
@@ -9173,7 +9541,7 @@
           <a:spcPts val="0"/>
         </a:spcAft>
         <a:buNone/>
-        <a:defRPr b="0" i="0" sz="1400" u="none" cap="none" strike="noStrike">
+        <a:defRPr sz="1400" b="0" i="0" u="none" strike="noStrike" cap="none">
           <a:solidFill>
             <a:srgbClr val="000000"/>
           </a:solidFill>
@@ -9183,7 +9551,7 @@
           <a:sym typeface="Arial"/>
         </a:defRPr>
       </a:lvl4pPr>
-      <a:lvl5pPr lvl="4" marR="0" rtl="0" algn="l">
+      <a:lvl5pPr marR="0" lvl="4" algn="l" rtl="0">
         <a:lnSpc>
           <a:spcPct val="100000"/>
         </a:lnSpc>
@@ -9194,7 +9562,7 @@
           <a:spcPts val="0"/>
         </a:spcAft>
         <a:buNone/>
-        <a:defRPr b="0" i="0" sz="1400" u="none" cap="none" strike="noStrike">
+        <a:defRPr sz="1400" b="0" i="0" u="none" strike="noStrike" cap="none">
           <a:solidFill>
             <a:srgbClr val="000000"/>
           </a:solidFill>
@@ -9204,7 +9572,7 @@
           <a:sym typeface="Arial"/>
         </a:defRPr>
       </a:lvl5pPr>
-      <a:lvl6pPr lvl="5" marR="0" rtl="0" algn="l">
+      <a:lvl6pPr marR="0" lvl="5" algn="l" rtl="0">
         <a:lnSpc>
           <a:spcPct val="100000"/>
         </a:lnSpc>
@@ -9215,7 +9583,7 @@
           <a:spcPts val="0"/>
         </a:spcAft>
         <a:buNone/>
-        <a:defRPr b="0" i="0" sz="1400" u="none" cap="none" strike="noStrike">
+        <a:defRPr sz="1400" b="0" i="0" u="none" strike="noStrike" cap="none">
           <a:solidFill>
             <a:srgbClr val="000000"/>
           </a:solidFill>
@@ -9225,7 +9593,7 @@
           <a:sym typeface="Arial"/>
         </a:defRPr>
       </a:lvl6pPr>
-      <a:lvl7pPr lvl="6" marR="0" rtl="0" algn="l">
+      <a:lvl7pPr marR="0" lvl="6" algn="l" rtl="0">
         <a:lnSpc>
           <a:spcPct val="100000"/>
         </a:lnSpc>
@@ -9236,7 +9604,7 @@
           <a:spcPts val="0"/>
         </a:spcAft>
         <a:buNone/>
-        <a:defRPr b="0" i="0" sz="1400" u="none" cap="none" strike="noStrike">
+        <a:defRPr sz="1400" b="0" i="0" u="none" strike="noStrike" cap="none">
           <a:solidFill>
             <a:srgbClr val="000000"/>
           </a:solidFill>
@@ -9246,7 +9614,7 @@
           <a:sym typeface="Arial"/>
         </a:defRPr>
       </a:lvl7pPr>
-      <a:lvl8pPr lvl="7" marR="0" rtl="0" algn="l">
+      <a:lvl8pPr marR="0" lvl="7" algn="l" rtl="0">
         <a:lnSpc>
           <a:spcPct val="100000"/>
         </a:lnSpc>
@@ -9257,7 +9625,7 @@
           <a:spcPts val="0"/>
         </a:spcAft>
         <a:buNone/>
-        <a:defRPr b="0" i="0" sz="1400" u="none" cap="none" strike="noStrike">
+        <a:defRPr sz="1400" b="0" i="0" u="none" strike="noStrike" cap="none">
           <a:solidFill>
             <a:srgbClr val="000000"/>
           </a:solidFill>
@@ -9267,7 +9635,7 @@
           <a:sym typeface="Arial"/>
         </a:defRPr>
       </a:lvl8pPr>
-      <a:lvl9pPr lvl="8" marR="0" rtl="0" algn="l">
+      <a:lvl9pPr marR="0" lvl="8" algn="l" rtl="0">
         <a:lnSpc>
           <a:spcPct val="100000"/>
         </a:lnSpc>
@@ -9278,7 +9646,7 @@
           <a:spcPts val="0"/>
         </a:spcAft>
         <a:buNone/>
-        <a:defRPr b="0" i="0" sz="1400" u="none" cap="none" strike="noStrike">
+        <a:defRPr sz="1400" b="0" i="0" u="none" strike="noStrike" cap="none">
           <a:solidFill>
             <a:srgbClr val="000000"/>
           </a:solidFill>
@@ -9290,7 +9658,7 @@
       </a:lvl9pPr>
     </p:bodyStyle>
     <p:otherStyle>
-      <a:defPPr lvl="0" marR="0" rtl="0" algn="l">
+      <a:defPPr marR="0" lvl="0" algn="l" rtl="0">
         <a:lnSpc>
           <a:spcPct val="100000"/>
         </a:lnSpc>
@@ -9301,7 +9669,7 @@
           <a:spcPts val="0"/>
         </a:spcAft>
       </a:defPPr>
-      <a:lvl1pPr lvl="0" marR="0" rtl="0" algn="l">
+      <a:lvl1pPr marR="0" lvl="0" algn="l" rtl="0">
         <a:lnSpc>
           <a:spcPct val="100000"/>
         </a:lnSpc>
@@ -9312,7 +9680,7 @@
           <a:spcPts val="0"/>
         </a:spcAft>
         <a:buNone/>
-        <a:defRPr b="0" i="0" sz="1400" u="none" cap="none" strike="noStrike">
+        <a:defRPr sz="1400" b="0" i="0" u="none" strike="noStrike" cap="none">
           <a:solidFill>
             <a:srgbClr val="000000"/>
           </a:solidFill>
@@ -9322,7 +9690,7 @@
           <a:sym typeface="Arial"/>
         </a:defRPr>
       </a:lvl1pPr>
-      <a:lvl2pPr lvl="1" marR="0" rtl="0" algn="l">
+      <a:lvl2pPr marR="0" lvl="1" algn="l" rtl="0">
         <a:lnSpc>
           <a:spcPct val="100000"/>
         </a:lnSpc>
@@ -9333,7 +9701,7 @@
           <a:spcPts val="0"/>
         </a:spcAft>
         <a:buNone/>
-        <a:defRPr b="0" i="0" sz="1400" u="none" cap="none" strike="noStrike">
+        <a:defRPr sz="1400" b="0" i="0" u="none" strike="noStrike" cap="none">
           <a:solidFill>
             <a:srgbClr val="000000"/>
           </a:solidFill>
@@ -9343,7 +9711,7 @@
           <a:sym typeface="Arial"/>
         </a:defRPr>
       </a:lvl2pPr>
-      <a:lvl3pPr lvl="2" marR="0" rtl="0" algn="l">
+      <a:lvl3pPr marR="0" lvl="2" algn="l" rtl="0">
         <a:lnSpc>
           <a:spcPct val="100000"/>
         </a:lnSpc>
@@ -9354,7 +9722,7 @@
           <a:spcPts val="0"/>
         </a:spcAft>
         <a:buNone/>
-        <a:defRPr b="0" i="0" sz="1400" u="none" cap="none" strike="noStrike">
+        <a:defRPr sz="1400" b="0" i="0" u="none" strike="noStrike" cap="none">
           <a:solidFill>
             <a:srgbClr val="000000"/>
           </a:solidFill>
@@ -9364,7 +9732,7 @@
           <a:sym typeface="Arial"/>
         </a:defRPr>
       </a:lvl3pPr>
-      <a:lvl4pPr lvl="3" marR="0" rtl="0" algn="l">
+      <a:lvl4pPr marR="0" lvl="3" algn="l" rtl="0">
         <a:lnSpc>
           <a:spcPct val="100000"/>
         </a:lnSpc>
@@ -9375,7 +9743,7 @@
           <a:spcPts val="0"/>
         </a:spcAft>
         <a:buNone/>
-        <a:defRPr b="0" i="0" sz="1400" u="none" cap="none" strike="noStrike">
+        <a:defRPr sz="1400" b="0" i="0" u="none" strike="noStrike" cap="none">
           <a:solidFill>
             <a:srgbClr val="000000"/>
           </a:solidFill>
@@ -9385,7 +9753,7 @@
           <a:sym typeface="Arial"/>
         </a:defRPr>
       </a:lvl4pPr>
-      <a:lvl5pPr lvl="4" marR="0" rtl="0" algn="l">
+      <a:lvl5pPr marR="0" lvl="4" algn="l" rtl="0">
         <a:lnSpc>
           <a:spcPct val="100000"/>
         </a:lnSpc>
@@ -9396,7 +9764,7 @@
           <a:spcPts val="0"/>
         </a:spcAft>
         <a:buNone/>
-        <a:defRPr b="0" i="0" sz="1400" u="none" cap="none" strike="noStrike">
+        <a:defRPr sz="1400" b="0" i="0" u="none" strike="noStrike" cap="none">
           <a:solidFill>
             <a:srgbClr val="000000"/>
           </a:solidFill>
@@ -9406,7 +9774,7 @@
           <a:sym typeface="Arial"/>
         </a:defRPr>
       </a:lvl5pPr>
-      <a:lvl6pPr lvl="5" marR="0" rtl="0" algn="l">
+      <a:lvl6pPr marR="0" lvl="5" algn="l" rtl="0">
         <a:lnSpc>
           <a:spcPct val="100000"/>
         </a:lnSpc>
@@ -9417,7 +9785,7 @@
           <a:spcPts val="0"/>
         </a:spcAft>
         <a:buNone/>
-        <a:defRPr b="0" i="0" sz="1400" u="none" cap="none" strike="noStrike">
+        <a:defRPr sz="1400" b="0" i="0" u="none" strike="noStrike" cap="none">
           <a:solidFill>
             <a:srgbClr val="000000"/>
           </a:solidFill>
@@ -9427,7 +9795,7 @@
           <a:sym typeface="Arial"/>
         </a:defRPr>
       </a:lvl6pPr>
-      <a:lvl7pPr lvl="6" marR="0" rtl="0" algn="l">
+      <a:lvl7pPr marR="0" lvl="6" algn="l" rtl="0">
         <a:lnSpc>
           <a:spcPct val="100000"/>
         </a:lnSpc>
@@ -9438,7 +9806,7 @@
           <a:spcPts val="0"/>
         </a:spcAft>
         <a:buNone/>
-        <a:defRPr b="0" i="0" sz="1400" u="none" cap="none" strike="noStrike">
+        <a:defRPr sz="1400" b="0" i="0" u="none" strike="noStrike" cap="none">
           <a:solidFill>
             <a:srgbClr val="000000"/>
           </a:solidFill>
@@ -9448,7 +9816,7 @@
           <a:sym typeface="Arial"/>
         </a:defRPr>
       </a:lvl7pPr>
-      <a:lvl8pPr lvl="7" marR="0" rtl="0" algn="l">
+      <a:lvl8pPr marR="0" lvl="7" algn="l" rtl="0">
         <a:lnSpc>
           <a:spcPct val="100000"/>
         </a:lnSpc>
@@ -9459,7 +9827,7 @@
           <a:spcPts val="0"/>
         </a:spcAft>
         <a:buNone/>
-        <a:defRPr b="0" i="0" sz="1400" u="none" cap="none" strike="noStrike">
+        <a:defRPr sz="1400" b="0" i="0" u="none" strike="noStrike" cap="none">
           <a:solidFill>
             <a:srgbClr val="000000"/>
           </a:solidFill>
@@ -9469,7 +9837,7 @@
           <a:sym typeface="Arial"/>
         </a:defRPr>
       </a:lvl8pPr>
-      <a:lvl9pPr lvl="8" marR="0" rtl="0" algn="l">
+      <a:lvl9pPr marR="0" lvl="8" algn="l" rtl="0">
         <a:lnSpc>
           <a:spcPct val="100000"/>
         </a:lnSpc>
@@ -9480,7 +9848,7 @@
           <a:spcPts val="0"/>
         </a:spcAft>
         <a:buNone/>
-        <a:defRPr b="0" i="0" sz="1400" u="none" cap="none" strike="noStrike">
+        <a:defRPr sz="1400" b="0" i="0" u="none" strike="noStrike" cap="none">
           <a:solidFill>
             <a:srgbClr val="000000"/>
           </a:solidFill>
@@ -9496,11 +9864,11 @@
 </file>
 
 <file path=ppt/slides/slide1.xml><?xml version="1.0" encoding="utf-8"?>
-<p:sld xmlns:a="http://schemas.openxmlformats.org/drawingml/2006/main" xmlns:r="http://schemas.openxmlformats.org/officeDocument/2006/relationships" xmlns:mc="http://schemas.openxmlformats.org/markup-compatibility/2006" xmlns:mv="urn:schemas-microsoft-com:mac:vml" xmlns:p="http://schemas.openxmlformats.org/presentationml/2006/main" xmlns:c="http://schemas.openxmlformats.org/drawingml/2006/chart" xmlns:dgm="http://schemas.openxmlformats.org/drawingml/2006/diagram" xmlns:o="urn:schemas-microsoft-com:office:office" xmlns:v="urn:schemas-microsoft-com:vml" xmlns:pvml="urn:schemas-microsoft-com:office:powerpoint" xmlns:com="http://schemas.openxmlformats.org/drawingml/2006/compatibility" xmlns:p14="http://schemas.microsoft.com/office/powerpoint/2010/main">
+<p:sld xmlns:a="http://schemas.openxmlformats.org/drawingml/2006/main" xmlns:r="http://schemas.openxmlformats.org/officeDocument/2006/relationships" xmlns:p="http://schemas.openxmlformats.org/presentationml/2006/main">
   <p:cSld>
     <p:spTree>
       <p:nvGrpSpPr>
-        <p:cNvPr id="129" name="Shape 129"/>
+        <p:cNvPr id="1" name="Shape 129"/>
         <p:cNvGrpSpPr/>
         <p:nvPr/>
       </p:nvGrpSpPr>
@@ -9515,7 +9883,9 @@
       <p:sp>
         <p:nvSpPr>
           <p:cNvPr id="130" name="Shape 130"/>
-          <p:cNvSpPr txBox="1"/>
+          <p:cNvSpPr txBox="1">
+            <a:spLocks noGrp="1"/>
+          </p:cNvSpPr>
           <p:nvPr>
             <p:ph type="ctrTitle"/>
           </p:nvPr>
@@ -9530,7 +9900,7 @@
           </a:prstGeom>
         </p:spPr>
         <p:txBody>
-          <a:bodyPr anchorCtr="0" anchor="b" bIns="91425" lIns="91425" rIns="91425" tIns="91425">
+          <a:bodyPr lIns="91425" tIns="91425" rIns="91425" bIns="91425" anchor="b" anchorCtr="0">
             <a:noAutofit/>
           </a:bodyPr>
           <a:lstStyle/>
@@ -9551,9 +9921,11 @@
       <p:sp>
         <p:nvSpPr>
           <p:cNvPr id="131" name="Shape 131"/>
-          <p:cNvSpPr txBox="1"/>
+          <p:cNvSpPr txBox="1">
+            <a:spLocks noGrp="1"/>
+          </p:cNvSpPr>
           <p:nvPr>
-            <p:ph idx="1" type="subTitle"/>
+            <p:ph type="subTitle" idx="1"/>
           </p:nvPr>
         </p:nvSpPr>
         <p:spPr>
@@ -9566,19 +9938,19 @@
           </a:prstGeom>
         </p:spPr>
         <p:txBody>
-          <a:bodyPr anchorCtr="0" anchor="t" bIns="91425" lIns="91425" rIns="91425" tIns="91425">
+          <a:bodyPr lIns="91425" tIns="91425" rIns="91425" bIns="91425" anchor="t" anchorCtr="0">
             <a:noAutofit/>
           </a:bodyPr>
           <a:lstStyle/>
           <a:p>
-            <a:pPr lvl="0" rtl="0" algn="ctr">
+            <a:pPr lvl="0" algn="ctr" rtl="0">
               <a:spcBef>
                 <a:spcPts val="0"/>
               </a:spcBef>
               <a:buNone/>
             </a:pPr>
             <a:r>
-              <a:rPr lang="en">
+              <a:rPr lang="en" dirty="0">
                 <a:solidFill>
                   <a:srgbClr val="FFFFFF"/>
                 </a:solidFill>
@@ -9587,26 +9959,39 @@
             </a:r>
           </a:p>
           <a:p>
-            <a:pPr lvl="0" rtl="0" algn="ctr">
+            <a:pPr lvl="0" algn="ctr" rtl="0">
               <a:spcBef>
                 <a:spcPts val="0"/>
               </a:spcBef>
               <a:buNone/>
             </a:pPr>
             <a:r>
-              <a:rPr lang="en">
+              <a:rPr lang="en" dirty="0">
                 <a:solidFill>
                   <a:srgbClr val="FFFFFF"/>
                 </a:solidFill>
               </a:rPr>
-              <a:t>Date: 03.13.17</a:t>
+              <a:t>Date: </a:t>
             </a:r>
+            <a:r>
+              <a:rPr lang="en" dirty="0" smtClean="0">
+                <a:solidFill>
+                  <a:srgbClr val="FFFFFF"/>
+                </a:solidFill>
+              </a:rPr>
+              <a:t>03.20.17</a:t>
+            </a:r>
+            <a:endParaRPr lang="en" dirty="0">
+              <a:solidFill>
+                <a:srgbClr val="FFFFFF"/>
+              </a:solidFill>
+            </a:endParaRPr>
           </a:p>
         </p:txBody>
       </p:sp>
       <p:pic>
         <p:nvPicPr>
-          <p:cNvPr descr="linuxlearningscholar.png" id="132" name="Shape 132"/>
+          <p:cNvPr id="132" name="Shape 132" descr="linuxlearningscholar.png"/>
           <p:cNvPicPr preferRelativeResize="0"/>
           <p:nvPr/>
         </p:nvPicPr>
@@ -9641,11 +10026,11 @@
 </file>
 
 <file path=ppt/slides/slide10.xml><?xml version="1.0" encoding="utf-8"?>
-<p:sld xmlns:a="http://schemas.openxmlformats.org/drawingml/2006/main" xmlns:r="http://schemas.openxmlformats.org/officeDocument/2006/relationships" xmlns:mc="http://schemas.openxmlformats.org/markup-compatibility/2006" xmlns:mv="urn:schemas-microsoft-com:mac:vml" xmlns:p="http://schemas.openxmlformats.org/presentationml/2006/main" xmlns:c="http://schemas.openxmlformats.org/drawingml/2006/chart" xmlns:dgm="http://schemas.openxmlformats.org/drawingml/2006/diagram" xmlns:o="urn:schemas-microsoft-com:office:office" xmlns:v="urn:schemas-microsoft-com:vml" xmlns:pvml="urn:schemas-microsoft-com:office:powerpoint" xmlns:com="http://schemas.openxmlformats.org/drawingml/2006/compatibility" xmlns:p14="http://schemas.microsoft.com/office/powerpoint/2010/main">
+<p:sld xmlns:a="http://schemas.openxmlformats.org/drawingml/2006/main" xmlns:r="http://schemas.openxmlformats.org/officeDocument/2006/relationships" xmlns:p="http://schemas.openxmlformats.org/presentationml/2006/main">
   <p:cSld>
     <p:spTree>
       <p:nvGrpSpPr>
-        <p:cNvPr id="186" name="Shape 186"/>
+        <p:cNvPr id="1" name="Shape 186"/>
         <p:cNvGrpSpPr/>
         <p:nvPr/>
       </p:nvGrpSpPr>
@@ -9660,7 +10045,9 @@
       <p:sp>
         <p:nvSpPr>
           <p:cNvPr id="187" name="Shape 187"/>
-          <p:cNvSpPr txBox="1"/>
+          <p:cNvSpPr txBox="1">
+            <a:spLocks noGrp="1"/>
+          </p:cNvSpPr>
           <p:nvPr>
             <p:ph type="title"/>
           </p:nvPr>
@@ -9675,7 +10062,7 @@
           </a:prstGeom>
         </p:spPr>
         <p:txBody>
-          <a:bodyPr anchorCtr="0" anchor="t" bIns="91425" lIns="91425" rIns="91425" tIns="91425">
+          <a:bodyPr lIns="91425" tIns="91425" rIns="91425" bIns="91425" anchor="t" anchorCtr="0">
             <a:noAutofit/>
           </a:bodyPr>
           <a:lstStyle/>
@@ -9696,9 +10083,11 @@
       <p:sp>
         <p:nvSpPr>
           <p:cNvPr id="188" name="Shape 188"/>
-          <p:cNvSpPr txBox="1"/>
+          <p:cNvSpPr txBox="1">
+            <a:spLocks noGrp="1"/>
+          </p:cNvSpPr>
           <p:nvPr>
-            <p:ph idx="1" type="body"/>
+            <p:ph type="body" idx="1"/>
           </p:nvPr>
         </p:nvSpPr>
         <p:spPr>
@@ -9711,7 +10100,7 @@
           </a:prstGeom>
         </p:spPr>
         <p:txBody>
-          <a:bodyPr anchorCtr="0" anchor="t" bIns="91425" lIns="91425" rIns="91425" tIns="91425">
+          <a:bodyPr lIns="91425" tIns="91425" rIns="91425" bIns="91425" anchor="t" anchorCtr="0">
             <a:noAutofit/>
           </a:bodyPr>
           <a:lstStyle/>
@@ -9800,9 +10189,6 @@
               </a:spcBef>
               <a:buNone/>
             </a:pPr>
-            <a:r>
-              <a:t/>
-            </a:r>
             <a:endParaRPr>
               <a:latin typeface="Arial"/>
               <a:ea typeface="Arial"/>
@@ -9821,11 +10207,11 @@
 </file>
 
 <file path=ppt/slides/slide11.xml><?xml version="1.0" encoding="utf-8"?>
-<p:sld xmlns:a="http://schemas.openxmlformats.org/drawingml/2006/main" xmlns:r="http://schemas.openxmlformats.org/officeDocument/2006/relationships" xmlns:mc="http://schemas.openxmlformats.org/markup-compatibility/2006" xmlns:mv="urn:schemas-microsoft-com:mac:vml" xmlns:p="http://schemas.openxmlformats.org/presentationml/2006/main" xmlns:c="http://schemas.openxmlformats.org/drawingml/2006/chart" xmlns:dgm="http://schemas.openxmlformats.org/drawingml/2006/diagram" xmlns:o="urn:schemas-microsoft-com:office:office" xmlns:v="urn:schemas-microsoft-com:vml" xmlns:pvml="urn:schemas-microsoft-com:office:powerpoint" xmlns:com="http://schemas.openxmlformats.org/drawingml/2006/compatibility" xmlns:p14="http://schemas.microsoft.com/office/powerpoint/2010/main">
+<p:sld xmlns:a="http://schemas.openxmlformats.org/drawingml/2006/main" xmlns:r="http://schemas.openxmlformats.org/officeDocument/2006/relationships" xmlns:p="http://schemas.openxmlformats.org/presentationml/2006/main">
   <p:cSld>
     <p:spTree>
       <p:nvGrpSpPr>
-        <p:cNvPr id="192" name="Shape 192"/>
+        <p:cNvPr id="1" name="Shape 192"/>
         <p:cNvGrpSpPr/>
         <p:nvPr/>
       </p:nvGrpSpPr>
@@ -9840,7 +10226,9 @@
       <p:sp>
         <p:nvSpPr>
           <p:cNvPr id="193" name="Shape 193"/>
-          <p:cNvSpPr txBox="1"/>
+          <p:cNvSpPr txBox="1">
+            <a:spLocks noGrp="1"/>
+          </p:cNvSpPr>
           <p:nvPr>
             <p:ph type="title"/>
           </p:nvPr>
@@ -9855,7 +10243,7 @@
           </a:prstGeom>
         </p:spPr>
         <p:txBody>
-          <a:bodyPr anchorCtr="0" anchor="t" bIns="91425" lIns="91425" rIns="91425" tIns="91425">
+          <a:bodyPr lIns="91425" tIns="91425" rIns="91425" bIns="91425" anchor="t" anchorCtr="0">
             <a:noAutofit/>
           </a:bodyPr>
           <a:lstStyle/>
@@ -9876,9 +10264,11 @@
       <p:sp>
         <p:nvSpPr>
           <p:cNvPr id="194" name="Shape 194"/>
-          <p:cNvSpPr txBox="1"/>
+          <p:cNvSpPr txBox="1">
+            <a:spLocks noGrp="1"/>
+          </p:cNvSpPr>
           <p:nvPr>
-            <p:ph idx="1" type="body"/>
+            <p:ph type="body" idx="1"/>
           </p:nvPr>
         </p:nvSpPr>
         <p:spPr>
@@ -9891,7 +10281,7 @@
           </a:prstGeom>
         </p:spPr>
         <p:txBody>
-          <a:bodyPr anchorCtr="0" anchor="t" bIns="91425" lIns="91425" rIns="91425" tIns="91425">
+          <a:bodyPr lIns="91425" tIns="91425" rIns="91425" bIns="91425" anchor="t" anchorCtr="0">
             <a:noAutofit/>
           </a:bodyPr>
           <a:lstStyle/>
@@ -9907,7 +10297,7 @@
               <a:t>Name: </a:t>
             </a:r>
             <a:r>
-              <a:rPr b="1" lang="en"/>
+              <a:rPr lang="en" b="1"/>
               <a:t>Tedley Meralus </a:t>
             </a:r>
           </a:p>
@@ -10017,7 +10407,7 @@
       </p:sp>
       <p:pic>
         <p:nvPicPr>
-          <p:cNvPr descr="tmeheadshot.jpg" id="195" name="Shape 195"/>
+          <p:cNvPr id="195" name="Shape 195" descr="tmeheadshot.jpg"/>
           <p:cNvPicPr preferRelativeResize="0"/>
           <p:nvPr/>
         </p:nvPicPr>
@@ -10052,11 +10442,11 @@
 </file>
 
 <file path=ppt/slides/slide2.xml><?xml version="1.0" encoding="utf-8"?>
-<p:sld xmlns:a="http://schemas.openxmlformats.org/drawingml/2006/main" xmlns:r="http://schemas.openxmlformats.org/officeDocument/2006/relationships" xmlns:mc="http://schemas.openxmlformats.org/markup-compatibility/2006" xmlns:mv="urn:schemas-microsoft-com:mac:vml" xmlns:p="http://schemas.openxmlformats.org/presentationml/2006/main" xmlns:c="http://schemas.openxmlformats.org/drawingml/2006/chart" xmlns:dgm="http://schemas.openxmlformats.org/drawingml/2006/diagram" xmlns:o="urn:schemas-microsoft-com:office:office" xmlns:v="urn:schemas-microsoft-com:vml" xmlns:pvml="urn:schemas-microsoft-com:office:powerpoint" xmlns:com="http://schemas.openxmlformats.org/drawingml/2006/compatibility" xmlns:p14="http://schemas.microsoft.com/office/powerpoint/2010/main">
+<p:sld xmlns:a="http://schemas.openxmlformats.org/drawingml/2006/main" xmlns:r="http://schemas.openxmlformats.org/officeDocument/2006/relationships" xmlns:p="http://schemas.openxmlformats.org/presentationml/2006/main">
   <p:cSld>
     <p:spTree>
       <p:nvGrpSpPr>
-        <p:cNvPr id="136" name="Shape 136"/>
+        <p:cNvPr id="1" name="Shape 136"/>
         <p:cNvGrpSpPr/>
         <p:nvPr/>
       </p:nvGrpSpPr>
@@ -10071,7 +10461,9 @@
       <p:sp>
         <p:nvSpPr>
           <p:cNvPr id="137" name="Shape 137"/>
-          <p:cNvSpPr txBox="1"/>
+          <p:cNvSpPr txBox="1">
+            <a:spLocks noGrp="1"/>
+          </p:cNvSpPr>
           <p:nvPr>
             <p:ph type="title"/>
           </p:nvPr>
@@ -10086,7 +10478,7 @@
           </a:prstGeom>
         </p:spPr>
         <p:txBody>
-          <a:bodyPr anchorCtr="0" anchor="t" bIns="91425" lIns="91425" rIns="91425" tIns="91425">
+          <a:bodyPr lIns="91425" tIns="91425" rIns="91425" bIns="91425" anchor="t" anchorCtr="0">
             <a:noAutofit/>
           </a:bodyPr>
           <a:lstStyle/>
@@ -10109,9 +10501,6 @@
               </a:spcBef>
               <a:buNone/>
             </a:pPr>
-            <a:r>
-              <a:t/>
-            </a:r>
             <a:endParaRPr/>
           </a:p>
         </p:txBody>
@@ -10119,9 +10508,11 @@
       <p:sp>
         <p:nvSpPr>
           <p:cNvPr id="138" name="Shape 138"/>
-          <p:cNvSpPr txBox="1"/>
+          <p:cNvSpPr txBox="1">
+            <a:spLocks noGrp="1"/>
+          </p:cNvSpPr>
           <p:nvPr>
-            <p:ph idx="1" type="body"/>
+            <p:ph type="body" idx="1"/>
           </p:nvPr>
         </p:nvSpPr>
         <p:spPr>
@@ -10134,7 +10525,7 @@
           </a:prstGeom>
         </p:spPr>
         <p:txBody>
-          <a:bodyPr anchorCtr="0" anchor="t" bIns="91425" lIns="91425" rIns="91425" tIns="91425">
+          <a:bodyPr lIns="91425" tIns="91425" rIns="91425" bIns="91425" anchor="t" anchorCtr="0">
             <a:noAutofit/>
           </a:bodyPr>
           <a:lstStyle/>
@@ -10172,11 +10563,11 @@
 </file>
 
 <file path=ppt/slides/slide3.xml><?xml version="1.0" encoding="utf-8"?>
-<p:sld xmlns:a="http://schemas.openxmlformats.org/drawingml/2006/main" xmlns:r="http://schemas.openxmlformats.org/officeDocument/2006/relationships" xmlns:mc="http://schemas.openxmlformats.org/markup-compatibility/2006" xmlns:mv="urn:schemas-microsoft-com:mac:vml" xmlns:p="http://schemas.openxmlformats.org/presentationml/2006/main" xmlns:c="http://schemas.openxmlformats.org/drawingml/2006/chart" xmlns:dgm="http://schemas.openxmlformats.org/drawingml/2006/diagram" xmlns:o="urn:schemas-microsoft-com:office:office" xmlns:v="urn:schemas-microsoft-com:vml" xmlns:pvml="urn:schemas-microsoft-com:office:powerpoint" xmlns:com="http://schemas.openxmlformats.org/drawingml/2006/compatibility" xmlns:p14="http://schemas.microsoft.com/office/powerpoint/2010/main">
+<p:sld xmlns:a="http://schemas.openxmlformats.org/drawingml/2006/main" xmlns:r="http://schemas.openxmlformats.org/officeDocument/2006/relationships" xmlns:p="http://schemas.openxmlformats.org/presentationml/2006/main">
   <p:cSld>
     <p:spTree>
       <p:nvGrpSpPr>
-        <p:cNvPr id="142" name="Shape 142"/>
+        <p:cNvPr id="1" name="Shape 142"/>
         <p:cNvGrpSpPr/>
         <p:nvPr/>
       </p:nvGrpSpPr>
@@ -10191,7 +10582,9 @@
       <p:sp>
         <p:nvSpPr>
           <p:cNvPr id="143" name="Shape 143"/>
-          <p:cNvSpPr txBox="1"/>
+          <p:cNvSpPr txBox="1">
+            <a:spLocks noGrp="1"/>
+          </p:cNvSpPr>
           <p:nvPr>
             <p:ph type="title"/>
           </p:nvPr>
@@ -10206,7 +10599,7 @@
           </a:prstGeom>
         </p:spPr>
         <p:txBody>
-          <a:bodyPr anchorCtr="0" anchor="t" bIns="91425" lIns="91425" rIns="91425" tIns="91425">
+          <a:bodyPr lIns="91425" tIns="91425" rIns="91425" bIns="91425" anchor="t" anchorCtr="0">
             <a:noAutofit/>
           </a:bodyPr>
           <a:lstStyle/>
@@ -10227,9 +10620,11 @@
       <p:sp>
         <p:nvSpPr>
           <p:cNvPr id="144" name="Shape 144"/>
-          <p:cNvSpPr txBox="1"/>
+          <p:cNvSpPr txBox="1">
+            <a:spLocks noGrp="1"/>
+          </p:cNvSpPr>
           <p:nvPr>
-            <p:ph idx="1" type="body"/>
+            <p:ph type="body" idx="1"/>
           </p:nvPr>
         </p:nvSpPr>
         <p:spPr>
@@ -10242,7 +10637,7 @@
           </a:prstGeom>
         </p:spPr>
         <p:txBody>
-          <a:bodyPr anchorCtr="0" anchor="t" bIns="91425" lIns="91425" rIns="91425" tIns="91425">
+          <a:bodyPr lIns="91425" tIns="91425" rIns="91425" bIns="91425" anchor="t" anchorCtr="0">
             <a:noAutofit/>
           </a:bodyPr>
           <a:lstStyle/>
@@ -10280,11 +10675,11 @@
 </file>
 
 <file path=ppt/slides/slide4.xml><?xml version="1.0" encoding="utf-8"?>
-<p:sld xmlns:a="http://schemas.openxmlformats.org/drawingml/2006/main" xmlns:r="http://schemas.openxmlformats.org/officeDocument/2006/relationships" xmlns:mc="http://schemas.openxmlformats.org/markup-compatibility/2006" xmlns:mv="urn:schemas-microsoft-com:mac:vml" xmlns:p="http://schemas.openxmlformats.org/presentationml/2006/main" xmlns:c="http://schemas.openxmlformats.org/drawingml/2006/chart" xmlns:dgm="http://schemas.openxmlformats.org/drawingml/2006/diagram" xmlns:o="urn:schemas-microsoft-com:office:office" xmlns:v="urn:schemas-microsoft-com:vml" xmlns:pvml="urn:schemas-microsoft-com:office:powerpoint" xmlns:com="http://schemas.openxmlformats.org/drawingml/2006/compatibility" xmlns:p14="http://schemas.microsoft.com/office/powerpoint/2010/main">
+<p:sld xmlns:a="http://schemas.openxmlformats.org/drawingml/2006/main" xmlns:r="http://schemas.openxmlformats.org/officeDocument/2006/relationships" xmlns:p="http://schemas.openxmlformats.org/presentationml/2006/main">
   <p:cSld>
     <p:spTree>
       <p:nvGrpSpPr>
-        <p:cNvPr id="148" name="Shape 148"/>
+        <p:cNvPr id="1" name="Shape 148"/>
         <p:cNvGrpSpPr/>
         <p:nvPr/>
       </p:nvGrpSpPr>
@@ -10299,7 +10694,9 @@
       <p:sp>
         <p:nvSpPr>
           <p:cNvPr id="149" name="Shape 149"/>
-          <p:cNvSpPr txBox="1"/>
+          <p:cNvSpPr txBox="1">
+            <a:spLocks noGrp="1"/>
+          </p:cNvSpPr>
           <p:nvPr>
             <p:ph type="title"/>
           </p:nvPr>
@@ -10314,7 +10711,7 @@
           </a:prstGeom>
         </p:spPr>
         <p:txBody>
-          <a:bodyPr anchorCtr="0" anchor="t" bIns="91425" lIns="91425" rIns="91425" tIns="91425">
+          <a:bodyPr lIns="91425" tIns="91425" rIns="91425" bIns="91425" anchor="t" anchorCtr="0">
             <a:noAutofit/>
           </a:bodyPr>
           <a:lstStyle/>
@@ -10335,9 +10732,11 @@
       <p:sp>
         <p:nvSpPr>
           <p:cNvPr id="150" name="Shape 150"/>
-          <p:cNvSpPr txBox="1"/>
+          <p:cNvSpPr txBox="1">
+            <a:spLocks noGrp="1"/>
+          </p:cNvSpPr>
           <p:nvPr>
-            <p:ph idx="1" type="body"/>
+            <p:ph type="body" idx="1"/>
           </p:nvPr>
         </p:nvSpPr>
         <p:spPr>
@@ -10350,7 +10749,7 @@
           </a:prstGeom>
         </p:spPr>
         <p:txBody>
-          <a:bodyPr anchorCtr="0" anchor="t" bIns="91425" lIns="91425" rIns="91425" tIns="91425">
+          <a:bodyPr lIns="91425" tIns="91425" rIns="91425" bIns="91425" anchor="t" anchorCtr="0">
             <a:noAutofit/>
           </a:bodyPr>
           <a:lstStyle/>
@@ -10384,9 +10783,6 @@
               </a:spcBef>
               <a:buNone/>
             </a:pPr>
-            <a:r>
-              <a:t/>
-            </a:r>
             <a:endParaRPr/>
           </a:p>
         </p:txBody>
@@ -10400,11 +10796,11 @@
 </file>
 
 <file path=ppt/slides/slide5.xml><?xml version="1.0" encoding="utf-8"?>
-<p:sld xmlns:a="http://schemas.openxmlformats.org/drawingml/2006/main" xmlns:r="http://schemas.openxmlformats.org/officeDocument/2006/relationships" xmlns:mc="http://schemas.openxmlformats.org/markup-compatibility/2006" xmlns:mv="urn:schemas-microsoft-com:mac:vml" xmlns:p="http://schemas.openxmlformats.org/presentationml/2006/main" xmlns:c="http://schemas.openxmlformats.org/drawingml/2006/chart" xmlns:dgm="http://schemas.openxmlformats.org/drawingml/2006/diagram" xmlns:o="urn:schemas-microsoft-com:office:office" xmlns:v="urn:schemas-microsoft-com:vml" xmlns:pvml="urn:schemas-microsoft-com:office:powerpoint" xmlns:com="http://schemas.openxmlformats.org/drawingml/2006/compatibility" xmlns:p14="http://schemas.microsoft.com/office/powerpoint/2010/main">
+<p:sld xmlns:a="http://schemas.openxmlformats.org/drawingml/2006/main" xmlns:r="http://schemas.openxmlformats.org/officeDocument/2006/relationships" xmlns:p="http://schemas.openxmlformats.org/presentationml/2006/main">
   <p:cSld>
     <p:spTree>
       <p:nvGrpSpPr>
-        <p:cNvPr id="154" name="Shape 154"/>
+        <p:cNvPr id="1" name="Shape 154"/>
         <p:cNvGrpSpPr/>
         <p:nvPr/>
       </p:nvGrpSpPr>
@@ -10419,7 +10815,9 @@
       <p:sp>
         <p:nvSpPr>
           <p:cNvPr id="155" name="Shape 155"/>
-          <p:cNvSpPr txBox="1"/>
+          <p:cNvSpPr txBox="1">
+            <a:spLocks noGrp="1"/>
+          </p:cNvSpPr>
           <p:nvPr>
             <p:ph type="title"/>
           </p:nvPr>
@@ -10434,7 +10832,7 @@
           </a:prstGeom>
         </p:spPr>
         <p:txBody>
-          <a:bodyPr anchorCtr="0" anchor="t" bIns="91425" lIns="91425" rIns="91425" tIns="91425">
+          <a:bodyPr lIns="91425" tIns="91425" rIns="91425" bIns="91425" anchor="t" anchorCtr="0">
             <a:noAutofit/>
           </a:bodyPr>
           <a:lstStyle/>
@@ -10455,9 +10853,11 @@
       <p:sp>
         <p:nvSpPr>
           <p:cNvPr id="156" name="Shape 156"/>
-          <p:cNvSpPr txBox="1"/>
+          <p:cNvSpPr txBox="1">
+            <a:spLocks noGrp="1"/>
+          </p:cNvSpPr>
           <p:nvPr>
-            <p:ph idx="1" type="body"/>
+            <p:ph type="body" idx="1"/>
           </p:nvPr>
         </p:nvSpPr>
         <p:spPr>
@@ -10470,7 +10870,7 @@
           </a:prstGeom>
         </p:spPr>
         <p:txBody>
-          <a:bodyPr anchorCtr="0" anchor="t" bIns="91425" lIns="91425" rIns="91425" tIns="91425">
+          <a:bodyPr lIns="91425" tIns="91425" rIns="91425" bIns="91425" anchor="t" anchorCtr="0">
             <a:noAutofit/>
           </a:bodyPr>
           <a:lstStyle/>
@@ -10510,9 +10910,6 @@
               </a:spcBef>
               <a:buNone/>
             </a:pPr>
-            <a:r>
-              <a:t/>
-            </a:r>
             <a:endParaRPr sz="2400"/>
           </a:p>
           <a:p>
@@ -10546,7 +10943,7 @@
               <a:t>https://www.</a:t>
             </a:r>
             <a:r>
-              <a:rPr b="1" lang="en" sz="2400">
+              <a:rPr lang="en" sz="2400" b="1">
                 <a:solidFill>
                   <a:srgbClr val="006621"/>
                 </a:solidFill>
@@ -10568,7 +10965,7 @@
               <a:t>.com/in/t</a:t>
             </a:r>
             <a:r>
-              <a:rPr b="1" lang="en" sz="2400">
+              <a:rPr lang="en" sz="2400" b="1">
                 <a:solidFill>
                   <a:srgbClr val="006621"/>
                 </a:solidFill>
@@ -10590,11 +10987,11 @@
 </file>
 
 <file path=ppt/slides/slide6.xml><?xml version="1.0" encoding="utf-8"?>
-<p:sld xmlns:a="http://schemas.openxmlformats.org/drawingml/2006/main" xmlns:r="http://schemas.openxmlformats.org/officeDocument/2006/relationships" xmlns:mc="http://schemas.openxmlformats.org/markup-compatibility/2006" xmlns:mv="urn:schemas-microsoft-com:mac:vml" xmlns:p="http://schemas.openxmlformats.org/presentationml/2006/main" xmlns:c="http://schemas.openxmlformats.org/drawingml/2006/chart" xmlns:dgm="http://schemas.openxmlformats.org/drawingml/2006/diagram" xmlns:o="urn:schemas-microsoft-com:office:office" xmlns:v="urn:schemas-microsoft-com:vml" xmlns:pvml="urn:schemas-microsoft-com:office:powerpoint" xmlns:com="http://schemas.openxmlformats.org/drawingml/2006/compatibility" xmlns:p14="http://schemas.microsoft.com/office/powerpoint/2010/main">
+<p:sld xmlns:a="http://schemas.openxmlformats.org/drawingml/2006/main" xmlns:r="http://schemas.openxmlformats.org/officeDocument/2006/relationships" xmlns:p="http://schemas.openxmlformats.org/presentationml/2006/main">
   <p:cSld>
     <p:spTree>
       <p:nvGrpSpPr>
-        <p:cNvPr id="160" name="Shape 160"/>
+        <p:cNvPr id="1" name="Shape 160"/>
         <p:cNvGrpSpPr/>
         <p:nvPr/>
       </p:nvGrpSpPr>
@@ -10609,7 +11006,9 @@
       <p:sp>
         <p:nvSpPr>
           <p:cNvPr id="161" name="Shape 161"/>
-          <p:cNvSpPr txBox="1"/>
+          <p:cNvSpPr txBox="1">
+            <a:spLocks noGrp="1"/>
+          </p:cNvSpPr>
           <p:nvPr>
             <p:ph type="title"/>
           </p:nvPr>
@@ -10624,7 +11023,7 @@
           </a:prstGeom>
         </p:spPr>
         <p:txBody>
-          <a:bodyPr anchorCtr="0" anchor="t" bIns="91425" lIns="91425" rIns="91425" tIns="91425">
+          <a:bodyPr lIns="91425" tIns="91425" rIns="91425" bIns="91425" anchor="t" anchorCtr="0">
             <a:noAutofit/>
           </a:bodyPr>
           <a:lstStyle/>
@@ -10645,9 +11044,11 @@
       <p:sp>
         <p:nvSpPr>
           <p:cNvPr id="162" name="Shape 162"/>
-          <p:cNvSpPr txBox="1"/>
+          <p:cNvSpPr txBox="1">
+            <a:spLocks noGrp="1"/>
+          </p:cNvSpPr>
           <p:nvPr>
-            <p:ph idx="1" type="body"/>
+            <p:ph type="body" idx="1"/>
           </p:nvPr>
         </p:nvSpPr>
         <p:spPr>
@@ -10660,7 +11061,7 @@
           </a:prstGeom>
         </p:spPr>
         <p:txBody>
-          <a:bodyPr anchorCtr="0" anchor="t" bIns="91425" lIns="91425" rIns="91425" tIns="91425">
+          <a:bodyPr lIns="91425" tIns="91425" rIns="91425" bIns="91425" anchor="t" anchorCtr="0">
             <a:noAutofit/>
           </a:bodyPr>
           <a:lstStyle/>
@@ -10747,11 +11148,11 @@
 </file>
 
 <file path=ppt/slides/slide7.xml><?xml version="1.0" encoding="utf-8"?>
-<p:sld xmlns:a="http://schemas.openxmlformats.org/drawingml/2006/main" xmlns:r="http://schemas.openxmlformats.org/officeDocument/2006/relationships" xmlns:mc="http://schemas.openxmlformats.org/markup-compatibility/2006" xmlns:mv="urn:schemas-microsoft-com:mac:vml" xmlns:p="http://schemas.openxmlformats.org/presentationml/2006/main" xmlns:c="http://schemas.openxmlformats.org/drawingml/2006/chart" xmlns:dgm="http://schemas.openxmlformats.org/drawingml/2006/diagram" xmlns:o="urn:schemas-microsoft-com:office:office" xmlns:v="urn:schemas-microsoft-com:vml" xmlns:pvml="urn:schemas-microsoft-com:office:powerpoint" xmlns:com="http://schemas.openxmlformats.org/drawingml/2006/compatibility" xmlns:p14="http://schemas.microsoft.com/office/powerpoint/2010/main">
+<p:sld xmlns:a="http://schemas.openxmlformats.org/drawingml/2006/main" xmlns:r="http://schemas.openxmlformats.org/officeDocument/2006/relationships" xmlns:p="http://schemas.openxmlformats.org/presentationml/2006/main">
   <p:cSld>
     <p:spTree>
       <p:nvGrpSpPr>
-        <p:cNvPr id="166" name="Shape 166"/>
+        <p:cNvPr id="1" name="Shape 166"/>
         <p:cNvGrpSpPr/>
         <p:nvPr/>
       </p:nvGrpSpPr>
@@ -10766,7 +11167,9 @@
       <p:sp>
         <p:nvSpPr>
           <p:cNvPr id="167" name="Shape 167"/>
-          <p:cNvSpPr txBox="1"/>
+          <p:cNvSpPr txBox="1">
+            <a:spLocks noGrp="1"/>
+          </p:cNvSpPr>
           <p:nvPr>
             <p:ph type="title"/>
           </p:nvPr>
@@ -10781,7 +11184,7 @@
           </a:prstGeom>
         </p:spPr>
         <p:txBody>
-          <a:bodyPr anchorCtr="0" anchor="t" bIns="91425" lIns="91425" rIns="91425" tIns="91425">
+          <a:bodyPr lIns="91425" tIns="91425" rIns="91425" bIns="91425" anchor="t" anchorCtr="0">
             <a:noAutofit/>
           </a:bodyPr>
           <a:lstStyle/>
@@ -10802,9 +11205,11 @@
       <p:sp>
         <p:nvSpPr>
           <p:cNvPr id="168" name="Shape 168"/>
-          <p:cNvSpPr txBox="1"/>
+          <p:cNvSpPr txBox="1">
+            <a:spLocks noGrp="1"/>
+          </p:cNvSpPr>
           <p:nvPr>
-            <p:ph idx="1" type="body"/>
+            <p:ph type="body" idx="1"/>
           </p:nvPr>
         </p:nvSpPr>
         <p:spPr>
@@ -10817,7 +11222,7 @@
           </a:prstGeom>
         </p:spPr>
         <p:txBody>
-          <a:bodyPr anchorCtr="0" anchor="t" bIns="91425" lIns="91425" rIns="91425" tIns="91425">
+          <a:bodyPr lIns="91425" tIns="91425" rIns="91425" bIns="91425" anchor="t" anchorCtr="0">
             <a:noAutofit/>
           </a:bodyPr>
           <a:lstStyle/>
@@ -10881,7 +11286,7 @@
               <a:buNone/>
             </a:pPr>
             <a:r>
-              <a:rPr b="1" lang="en" sz="1400">
+              <a:rPr lang="en" sz="1400" b="1">
                 <a:latin typeface="Arial"/>
                 <a:ea typeface="Arial"/>
                 <a:cs typeface="Arial"/>
@@ -10913,7 +11318,7 @@
               <a:buNone/>
             </a:pPr>
             <a:r>
-              <a:rPr b="1" lang="en" sz="1400">
+              <a:rPr lang="en" sz="1400" b="1">
                 <a:latin typeface="Arial"/>
                 <a:ea typeface="Arial"/>
                 <a:cs typeface="Arial"/>
@@ -10968,7 +11373,7 @@
               <a:buNone/>
             </a:pPr>
             <a:r>
-              <a:rPr b="1" lang="en" sz="1400">
+              <a:rPr lang="en" sz="1400" b="1">
                 <a:latin typeface="Arial"/>
                 <a:ea typeface="Arial"/>
                 <a:cs typeface="Arial"/>
@@ -11009,7 +11414,7 @@
               <a:t>:</a:t>
             </a:r>
             <a:r>
-              <a:rPr b="1" lang="en" sz="1400">
+              <a:rPr lang="en" sz="1400" b="1">
                 <a:latin typeface="Arial"/>
                 <a:ea typeface="Arial"/>
                 <a:cs typeface="Arial"/>
@@ -11040,9 +11445,6 @@
               </a:spcAft>
               <a:buNone/>
             </a:pPr>
-            <a:r>
-              <a:t/>
-            </a:r>
             <a:endParaRPr sz="1400">
               <a:latin typeface="Arial"/>
               <a:ea typeface="Arial"/>
@@ -11063,9 +11465,6 @@
               </a:spcAft>
               <a:buNone/>
             </a:pPr>
-            <a:r>
-              <a:t/>
-            </a:r>
             <a:endParaRPr sz="1400">
               <a:latin typeface="Arial"/>
               <a:ea typeface="Arial"/>
@@ -11086,9 +11485,6 @@
               </a:spcAft>
               <a:buNone/>
             </a:pPr>
-            <a:r>
-              <a:t/>
-            </a:r>
             <a:endParaRPr sz="1400">
               <a:latin typeface="Arial"/>
               <a:ea typeface="Arial"/>
@@ -11118,7 +11514,7 @@
           </a:ln>
         </p:spPr>
         <p:txBody>
-          <a:bodyPr anchorCtr="0" anchor="t" bIns="91425" lIns="91425" rIns="91425" tIns="91425">
+          <a:bodyPr lIns="91425" tIns="91425" rIns="91425" bIns="91425" anchor="t" anchorCtr="0">
             <a:noAutofit/>
           </a:bodyPr>
           <a:lstStyle/>
@@ -11201,9 +11597,6 @@
               </a:spcBef>
               <a:buNone/>
             </a:pPr>
-            <a:r>
-              <a:t/>
-            </a:r>
             <a:endParaRPr/>
           </a:p>
           <a:p>
@@ -11213,9 +11606,6 @@
               </a:spcBef>
               <a:buNone/>
             </a:pPr>
-            <a:r>
-              <a:t/>
-            </a:r>
             <a:endParaRPr/>
           </a:p>
         </p:txBody>
@@ -11229,11 +11619,11 @@
 </file>
 
 <file path=ppt/slides/slide8.xml><?xml version="1.0" encoding="utf-8"?>
-<p:sld xmlns:a="http://schemas.openxmlformats.org/drawingml/2006/main" xmlns:r="http://schemas.openxmlformats.org/officeDocument/2006/relationships" xmlns:mc="http://schemas.openxmlformats.org/markup-compatibility/2006" xmlns:mv="urn:schemas-microsoft-com:mac:vml" xmlns:p="http://schemas.openxmlformats.org/presentationml/2006/main" xmlns:c="http://schemas.openxmlformats.org/drawingml/2006/chart" xmlns:dgm="http://schemas.openxmlformats.org/drawingml/2006/diagram" xmlns:o="urn:schemas-microsoft-com:office:office" xmlns:v="urn:schemas-microsoft-com:vml" xmlns:pvml="urn:schemas-microsoft-com:office:powerpoint" xmlns:com="http://schemas.openxmlformats.org/drawingml/2006/compatibility" xmlns:p14="http://schemas.microsoft.com/office/powerpoint/2010/main">
+<p:sld xmlns:a="http://schemas.openxmlformats.org/drawingml/2006/main" xmlns:r="http://schemas.openxmlformats.org/officeDocument/2006/relationships" xmlns:p="http://schemas.openxmlformats.org/presentationml/2006/main">
   <p:cSld>
     <p:spTree>
       <p:nvGrpSpPr>
-        <p:cNvPr id="173" name="Shape 173"/>
+        <p:cNvPr id="1" name="Shape 173"/>
         <p:cNvGrpSpPr/>
         <p:nvPr/>
       </p:nvGrpSpPr>
@@ -11248,7 +11638,9 @@
       <p:sp>
         <p:nvSpPr>
           <p:cNvPr id="174" name="Shape 174"/>
-          <p:cNvSpPr txBox="1"/>
+          <p:cNvSpPr txBox="1">
+            <a:spLocks noGrp="1"/>
+          </p:cNvSpPr>
           <p:nvPr>
             <p:ph type="title"/>
           </p:nvPr>
@@ -11263,12 +11655,12 @@
           </a:prstGeom>
         </p:spPr>
         <p:txBody>
-          <a:bodyPr anchorCtr="0" anchor="t" bIns="91425" lIns="91425" rIns="91425" tIns="91425">
+          <a:bodyPr lIns="91425" tIns="91425" rIns="91425" bIns="91425" anchor="t" anchorCtr="0">
             <a:noAutofit/>
           </a:bodyPr>
           <a:lstStyle/>
           <a:p>
-            <a:pPr lvl="0" rtl="0" algn="ctr">
+            <a:pPr lvl="0" algn="ctr" rtl="0">
               <a:spcBef>
                 <a:spcPts val="0"/>
               </a:spcBef>
@@ -11294,9 +11686,6 @@
               </a:spcBef>
               <a:buNone/>
             </a:pPr>
-            <a:r>
-              <a:t/>
-            </a:r>
             <a:endParaRPr/>
           </a:p>
         </p:txBody>
@@ -11304,9 +11693,11 @@
       <p:sp>
         <p:nvSpPr>
           <p:cNvPr id="175" name="Shape 175"/>
-          <p:cNvSpPr txBox="1"/>
+          <p:cNvSpPr txBox="1">
+            <a:spLocks noGrp="1"/>
+          </p:cNvSpPr>
           <p:nvPr>
-            <p:ph idx="1" type="body"/>
+            <p:ph type="body" idx="1"/>
           </p:nvPr>
         </p:nvSpPr>
         <p:spPr>
@@ -11319,19 +11710,19 @@
           </a:prstGeom>
         </p:spPr>
         <p:txBody>
-          <a:bodyPr anchorCtr="0" anchor="t" bIns="91425" lIns="91425" rIns="91425" tIns="91425">
+          <a:bodyPr lIns="91425" tIns="91425" rIns="91425" bIns="91425" anchor="t" anchorCtr="0">
             <a:noAutofit/>
           </a:bodyPr>
           <a:lstStyle/>
           <a:p>
-            <a:pPr lvl="0" rtl="0" algn="ctr">
+            <a:pPr lvl="0" algn="ctr" rtl="0">
               <a:spcBef>
                 <a:spcPts val="0"/>
               </a:spcBef>
               <a:buNone/>
             </a:pPr>
             <a:r>
-              <a:rPr b="1" lang="en">
+              <a:rPr lang="en" b="1">
                 <a:solidFill>
                   <a:srgbClr val="595959"/>
                 </a:solidFill>
@@ -11344,7 +11735,7 @@
             </a:r>
           </a:p>
           <a:p>
-            <a:pPr indent="-228600" lvl="0" marL="457200" rtl="0">
+            <a:pPr marL="457200" lvl="0" indent="-228600" rtl="0">
               <a:spcBef>
                 <a:spcPts val="0"/>
               </a:spcBef>
@@ -11355,7 +11746,7 @@
               <a:buAutoNum type="arabicPeriod"/>
             </a:pPr>
             <a:r>
-              <a:rPr b="1" lang="en">
+              <a:rPr lang="en" b="1">
                 <a:solidFill>
                   <a:srgbClr val="595959"/>
                 </a:solidFill>
@@ -11368,7 +11759,7 @@
             </a:r>
           </a:p>
           <a:p>
-            <a:pPr indent="-342900" lvl="1" marL="914400" rtl="0">
+            <a:pPr marL="914400" lvl="1" indent="-342900" rtl="0">
               <a:spcBef>
                 <a:spcPts val="0"/>
               </a:spcBef>
@@ -11394,7 +11785,7 @@
             </a:r>
           </a:p>
           <a:p>
-            <a:pPr indent="-228600" lvl="0" marL="457200" rtl="0">
+            <a:pPr marL="457200" lvl="0" indent="-228600" rtl="0">
               <a:spcBef>
                 <a:spcPts val="0"/>
               </a:spcBef>
@@ -11405,7 +11796,7 @@
               <a:buAutoNum type="arabicPeriod"/>
             </a:pPr>
             <a:r>
-              <a:rPr b="1" lang="en">
+              <a:rPr lang="en" b="1">
                 <a:solidFill>
                   <a:srgbClr val="595959"/>
                 </a:solidFill>
@@ -11418,7 +11809,7 @@
             </a:r>
           </a:p>
           <a:p>
-            <a:pPr indent="-342900" lvl="1" marL="914400" rtl="0">
+            <a:pPr marL="914400" lvl="1" indent="-342900" rtl="0">
               <a:spcBef>
                 <a:spcPts val="0"/>
               </a:spcBef>
@@ -11443,7 +11834,7 @@
             </a:r>
           </a:p>
           <a:p>
-            <a:pPr lvl="0" rtl="0" algn="ctr">
+            <a:pPr lvl="0" algn="ctr" rtl="0">
               <a:lnSpc>
                 <a:spcPct val="100000"/>
               </a:lnSpc>
@@ -11456,7 +11847,7 @@
               <a:buNone/>
             </a:pPr>
             <a:r>
-              <a:rPr b="1" lang="en">
+              <a:rPr lang="en" b="1">
                 <a:solidFill>
                   <a:srgbClr val="595959"/>
                 </a:solidFill>
@@ -11469,7 +11860,7 @@
             </a:r>
           </a:p>
           <a:p>
-            <a:pPr lvl="0" rtl="0" algn="ctr">
+            <a:pPr lvl="0" algn="ctr" rtl="0">
               <a:lnSpc>
                 <a:spcPct val="100000"/>
               </a:lnSpc>
@@ -11482,7 +11873,7 @@
               <a:buNone/>
             </a:pPr>
             <a:r>
-              <a:rPr b="1" lang="en">
+              <a:rPr lang="en" b="1">
                 <a:solidFill>
                   <a:srgbClr val="595959"/>
                 </a:solidFill>
@@ -11495,7 +11886,7 @@
             </a:r>
           </a:p>
           <a:p>
-            <a:pPr lvl="0" rtl="0" algn="ctr">
+            <a:pPr lvl="0" algn="ctr" rtl="0">
               <a:lnSpc>
                 <a:spcPct val="100000"/>
               </a:lnSpc>
@@ -11508,7 +11899,7 @@
               <a:buNone/>
             </a:pPr>
             <a:r>
-              <a:rPr b="1" lang="en">
+              <a:rPr lang="en" b="1">
                 <a:solidFill>
                   <a:srgbClr val="595959"/>
                 </a:solidFill>
@@ -11521,7 +11912,7 @@
             </a:r>
           </a:p>
           <a:p>
-            <a:pPr lvl="0" rtl="0" algn="ctr">
+            <a:pPr lvl="0" algn="ctr" rtl="0">
               <a:lnSpc>
                 <a:spcPct val="100000"/>
               </a:lnSpc>
@@ -11534,7 +11925,7 @@
               <a:buNone/>
             </a:pPr>
             <a:r>
-              <a:rPr b="1" lang="en">
+              <a:rPr lang="en" b="1">
                 <a:solidFill>
                   <a:srgbClr val="595959"/>
                 </a:solidFill>
@@ -11553,9 +11944,6 @@
               </a:spcBef>
               <a:buNone/>
             </a:pPr>
-            <a:r>
-              <a:t/>
-            </a:r>
             <a:endParaRPr/>
           </a:p>
         </p:txBody>
@@ -11569,11 +11957,11 @@
 </file>
 
 <file path=ppt/slides/slide9.xml><?xml version="1.0" encoding="utf-8"?>
-<p:sld xmlns:a="http://schemas.openxmlformats.org/drawingml/2006/main" xmlns:r="http://schemas.openxmlformats.org/officeDocument/2006/relationships" xmlns:mc="http://schemas.openxmlformats.org/markup-compatibility/2006" xmlns:mv="urn:schemas-microsoft-com:mac:vml" xmlns:p="http://schemas.openxmlformats.org/presentationml/2006/main" xmlns:c="http://schemas.openxmlformats.org/drawingml/2006/chart" xmlns:dgm="http://schemas.openxmlformats.org/drawingml/2006/diagram" xmlns:o="urn:schemas-microsoft-com:office:office" xmlns:v="urn:schemas-microsoft-com:vml" xmlns:pvml="urn:schemas-microsoft-com:office:powerpoint" xmlns:com="http://schemas.openxmlformats.org/drawingml/2006/compatibility" xmlns:p14="http://schemas.microsoft.com/office/powerpoint/2010/main">
+<p:sld xmlns:a="http://schemas.openxmlformats.org/drawingml/2006/main" xmlns:r="http://schemas.openxmlformats.org/officeDocument/2006/relationships" xmlns:p="http://schemas.openxmlformats.org/presentationml/2006/main">
   <p:cSld>
     <p:spTree>
       <p:nvGrpSpPr>
-        <p:cNvPr id="179" name="Shape 179"/>
+        <p:cNvPr id="1" name="Shape 179"/>
         <p:cNvGrpSpPr/>
         <p:nvPr/>
       </p:nvGrpSpPr>
@@ -11588,7 +11976,9 @@
       <p:sp>
         <p:nvSpPr>
           <p:cNvPr id="180" name="Shape 180"/>
-          <p:cNvSpPr txBox="1"/>
+          <p:cNvSpPr txBox="1">
+            <a:spLocks noGrp="1"/>
+          </p:cNvSpPr>
           <p:nvPr>
             <p:ph type="title"/>
           </p:nvPr>
@@ -11603,7 +11993,7 @@
           </a:prstGeom>
         </p:spPr>
         <p:txBody>
-          <a:bodyPr anchorCtr="0" anchor="t" bIns="91425" lIns="91425" rIns="91425" tIns="91425">
+          <a:bodyPr lIns="91425" tIns="91425" rIns="91425" bIns="91425" anchor="t" anchorCtr="0">
             <a:noAutofit/>
           </a:bodyPr>
           <a:lstStyle/>
@@ -11624,9 +12014,11 @@
       <p:sp>
         <p:nvSpPr>
           <p:cNvPr id="181" name="Shape 181"/>
-          <p:cNvSpPr txBox="1"/>
+          <p:cNvSpPr txBox="1">
+            <a:spLocks noGrp="1"/>
+          </p:cNvSpPr>
           <p:nvPr>
-            <p:ph idx="1" type="body"/>
+            <p:ph type="body" idx="1"/>
           </p:nvPr>
         </p:nvSpPr>
         <p:spPr>
@@ -11639,7 +12031,7 @@
           </a:prstGeom>
         </p:spPr>
         <p:txBody>
-          <a:bodyPr anchorCtr="0" anchor="t" bIns="91425" lIns="91425" rIns="91425" tIns="91425">
+          <a:bodyPr lIns="91425" tIns="91425" rIns="91425" bIns="91425" anchor="t" anchorCtr="0">
             <a:noAutofit/>
           </a:bodyPr>
           <a:lstStyle/>
@@ -11662,9 +12054,6 @@
               </a:spcBef>
               <a:buNone/>
             </a:pPr>
-            <a:r>
-              <a:t/>
-            </a:r>
             <a:endParaRPr/>
           </a:p>
         </p:txBody>
@@ -11706,7 +12095,288 @@
 </file>
 
 <file path=ppt/theme/theme1.xml><?xml version="1.0" encoding="utf-8"?>
-<a:theme xmlns:a="http://schemas.openxmlformats.org/drawingml/2006/main" xmlns:r="http://schemas.openxmlformats.org/officeDocument/2006/relationships" name="simple-light-2">
+<a:theme xmlns:a="http://schemas.openxmlformats.org/drawingml/2006/main" name="geometric">
+  <a:themeElements>
+    <a:clrScheme name="Geometric">
+      <a:dk1>
+        <a:srgbClr val="2A3990"/>
+      </a:dk1>
+      <a:lt1>
+        <a:srgbClr val="FFFFFF"/>
+      </a:lt1>
+      <a:dk2>
+        <a:srgbClr val="434343"/>
+      </a:dk2>
+      <a:lt2>
+        <a:srgbClr val="999999"/>
+      </a:lt2>
+      <a:accent1>
+        <a:srgbClr val="212D74"/>
+      </a:accent1>
+      <a:accent2>
+        <a:srgbClr val="3949AB"/>
+      </a:accent2>
+      <a:accent3>
+        <a:srgbClr val="9C254D"/>
+      </a:accent3>
+      <a:accent4>
+        <a:srgbClr val="D23369"/>
+      </a:accent4>
+      <a:accent5>
+        <a:srgbClr val="F06292"/>
+      </a:accent5>
+      <a:accent6>
+        <a:srgbClr val="7890CD"/>
+      </a:accent6>
+      <a:hlink>
+        <a:srgbClr val="F06292"/>
+      </a:hlink>
+      <a:folHlink>
+        <a:srgbClr val="F06292"/>
+      </a:folHlink>
+    </a:clrScheme>
+    <a:fontScheme name="Office">
+      <a:majorFont>
+        <a:latin typeface="Arial"/>
+        <a:ea typeface=""/>
+        <a:cs typeface=""/>
+        <a:font script="Jpan" typeface="ＭＳ Ｐゴシック"/>
+        <a:font script="Hang" typeface="맑은 고딕"/>
+        <a:font script="Hans" typeface="宋体"/>
+        <a:font script="Hant" typeface="新細明體"/>
+        <a:font script="Arab" typeface="Times New Roman"/>
+        <a:font script="Hebr" typeface="Times New Roman"/>
+        <a:font script="Thai" typeface="Angsana New"/>
+        <a:font script="Ethi" typeface="Nyala"/>
+        <a:font script="Beng" typeface="Vrinda"/>
+        <a:font script="Gujr" typeface="Shruti"/>
+        <a:font script="Khmr" typeface="MoolBoran"/>
+        <a:font script="Knda" typeface="Tunga"/>
+        <a:font script="Guru" typeface="Raavi"/>
+        <a:font script="Cans" typeface="Euphemia"/>
+        <a:font script="Cher" typeface="Plantagenet Cherokee"/>
+        <a:font script="Yiii" typeface="Microsoft Yi Baiti"/>
+        <a:font script="Tibt" typeface="Microsoft Himalaya"/>
+        <a:font script="Thaa" typeface="MV Boli"/>
+        <a:font script="Deva" typeface="Mangal"/>
+        <a:font script="Telu" typeface="Gautami"/>
+        <a:font script="Taml" typeface="Latha"/>
+        <a:font script="Syrc" typeface="Estrangelo Edessa"/>
+        <a:font script="Orya" typeface="Kalinga"/>
+        <a:font script="Mlym" typeface="Kartika"/>
+        <a:font script="Laoo" typeface="DokChampa"/>
+        <a:font script="Sinh" typeface="Iskoola Pota"/>
+        <a:font script="Mong" typeface="Mongolian Baiti"/>
+        <a:font script="Viet" typeface="Times New Roman"/>
+        <a:font script="Uigh" typeface="Microsoft Uighur"/>
+        <a:font script="Geor" typeface="Sylfaen"/>
+      </a:majorFont>
+      <a:minorFont>
+        <a:latin typeface="Arial"/>
+        <a:ea typeface=""/>
+        <a:cs typeface=""/>
+        <a:font script="Jpan" typeface="ＭＳ Ｐゴシック"/>
+        <a:font script="Hang" typeface="맑은 고딕"/>
+        <a:font script="Hans" typeface="宋体"/>
+        <a:font script="Hant" typeface="新細明體"/>
+        <a:font script="Arab" typeface="Arial"/>
+        <a:font script="Hebr" typeface="Arial"/>
+        <a:font script="Thai" typeface="Cordia New"/>
+        <a:font script="Ethi" typeface="Nyala"/>
+        <a:font script="Beng" typeface="Vrinda"/>
+        <a:font script="Gujr" typeface="Shruti"/>
+        <a:font script="Khmr" typeface="DaunPenh"/>
+        <a:font script="Knda" typeface="Tunga"/>
+        <a:font script="Guru" typeface="Raavi"/>
+        <a:font script="Cans" typeface="Euphemia"/>
+        <a:font script="Cher" typeface="Plantagenet Cherokee"/>
+        <a:font script="Yiii" typeface="Microsoft Yi Baiti"/>
+        <a:font script="Tibt" typeface="Microsoft Himalaya"/>
+        <a:font script="Thaa" typeface="MV Boli"/>
+        <a:font script="Deva" typeface="Mangal"/>
+        <a:font script="Telu" typeface="Gautami"/>
+        <a:font script="Taml" typeface="Latha"/>
+        <a:font script="Syrc" typeface="Estrangelo Edessa"/>
+        <a:font script="Orya" typeface="Kalinga"/>
+        <a:font script="Mlym" typeface="Kartika"/>
+        <a:font script="Laoo" typeface="DokChampa"/>
+        <a:font script="Sinh" typeface="Iskoola Pota"/>
+        <a:font script="Mong" typeface="Mongolian Baiti"/>
+        <a:font script="Viet" typeface="Arial"/>
+        <a:font script="Uigh" typeface="Microsoft Uighur"/>
+        <a:font script="Geor" typeface="Sylfaen"/>
+      </a:minorFont>
+    </a:fontScheme>
+    <a:fmtScheme name="Office">
+      <a:fillStyleLst>
+        <a:solidFill>
+          <a:schemeClr val="phClr"/>
+        </a:solidFill>
+        <a:gradFill rotWithShape="1">
+          <a:gsLst>
+            <a:gs pos="0">
+              <a:schemeClr val="phClr">
+                <a:tint val="50000"/>
+                <a:satMod val="300000"/>
+              </a:schemeClr>
+            </a:gs>
+            <a:gs pos="35000">
+              <a:schemeClr val="phClr">
+                <a:tint val="37000"/>
+                <a:satMod val="300000"/>
+              </a:schemeClr>
+            </a:gs>
+            <a:gs pos="100000">
+              <a:schemeClr val="phClr">
+                <a:tint val="15000"/>
+                <a:satMod val="350000"/>
+              </a:schemeClr>
+            </a:gs>
+          </a:gsLst>
+          <a:lin ang="16200000" scaled="1"/>
+        </a:gradFill>
+        <a:gradFill rotWithShape="1">
+          <a:gsLst>
+            <a:gs pos="0">
+              <a:schemeClr val="phClr">
+                <a:tint val="100000"/>
+                <a:shade val="100000"/>
+                <a:satMod val="130000"/>
+              </a:schemeClr>
+            </a:gs>
+            <a:gs pos="100000">
+              <a:schemeClr val="phClr">
+                <a:tint val="50000"/>
+                <a:shade val="100000"/>
+                <a:satMod val="350000"/>
+              </a:schemeClr>
+            </a:gs>
+          </a:gsLst>
+          <a:lin ang="16200000" scaled="0"/>
+        </a:gradFill>
+      </a:fillStyleLst>
+      <a:lnStyleLst>
+        <a:ln w="9525" cap="flat" cmpd="sng" algn="ctr">
+          <a:solidFill>
+            <a:schemeClr val="phClr">
+              <a:shade val="95000"/>
+              <a:satMod val="105000"/>
+            </a:schemeClr>
+          </a:solidFill>
+          <a:prstDash val="solid"/>
+        </a:ln>
+        <a:ln w="25400" cap="flat" cmpd="sng" algn="ctr">
+          <a:solidFill>
+            <a:schemeClr val="phClr"/>
+          </a:solidFill>
+          <a:prstDash val="solid"/>
+        </a:ln>
+        <a:ln w="38100" cap="flat" cmpd="sng" algn="ctr">
+          <a:solidFill>
+            <a:schemeClr val="phClr"/>
+          </a:solidFill>
+          <a:prstDash val="solid"/>
+        </a:ln>
+      </a:lnStyleLst>
+      <a:effectStyleLst>
+        <a:effectStyle>
+          <a:effectLst>
+            <a:outerShdw blurRad="40000" dist="20000" dir="5400000" rotWithShape="0">
+              <a:srgbClr val="000000">
+                <a:alpha val="38000"/>
+              </a:srgbClr>
+            </a:outerShdw>
+          </a:effectLst>
+        </a:effectStyle>
+        <a:effectStyle>
+          <a:effectLst>
+            <a:outerShdw blurRad="40000" dist="23000" dir="5400000" rotWithShape="0">
+              <a:srgbClr val="000000">
+                <a:alpha val="35000"/>
+              </a:srgbClr>
+            </a:outerShdw>
+          </a:effectLst>
+        </a:effectStyle>
+        <a:effectStyle>
+          <a:effectLst>
+            <a:outerShdw blurRad="40000" dist="23000" dir="5400000" rotWithShape="0">
+              <a:srgbClr val="000000">
+                <a:alpha val="35000"/>
+              </a:srgbClr>
+            </a:outerShdw>
+          </a:effectLst>
+          <a:scene3d>
+            <a:camera prst="orthographicFront">
+              <a:rot lat="0" lon="0" rev="0"/>
+            </a:camera>
+            <a:lightRig rig="threePt" dir="t">
+              <a:rot lat="0" lon="0" rev="1200000"/>
+            </a:lightRig>
+          </a:scene3d>
+          <a:sp3d>
+            <a:bevelT w="63500" h="25400"/>
+          </a:sp3d>
+        </a:effectStyle>
+      </a:effectStyleLst>
+      <a:bgFillStyleLst>
+        <a:solidFill>
+          <a:schemeClr val="phClr"/>
+        </a:solidFill>
+        <a:gradFill rotWithShape="1">
+          <a:gsLst>
+            <a:gs pos="0">
+              <a:schemeClr val="phClr">
+                <a:tint val="40000"/>
+                <a:satMod val="350000"/>
+              </a:schemeClr>
+            </a:gs>
+            <a:gs pos="40000">
+              <a:schemeClr val="phClr">
+                <a:tint val="45000"/>
+                <a:shade val="99000"/>
+                <a:satMod val="350000"/>
+              </a:schemeClr>
+            </a:gs>
+            <a:gs pos="100000">
+              <a:schemeClr val="phClr">
+                <a:shade val="20000"/>
+                <a:satMod val="255000"/>
+              </a:schemeClr>
+            </a:gs>
+          </a:gsLst>
+          <a:path path="circle">
+            <a:fillToRect l="50000" t="-80000" r="50000" b="180000"/>
+          </a:path>
+        </a:gradFill>
+        <a:gradFill rotWithShape="1">
+          <a:gsLst>
+            <a:gs pos="0">
+              <a:schemeClr val="phClr">
+                <a:tint val="80000"/>
+                <a:satMod val="300000"/>
+              </a:schemeClr>
+            </a:gs>
+            <a:gs pos="100000">
+              <a:schemeClr val="phClr">
+                <a:shade val="30000"/>
+                <a:satMod val="200000"/>
+              </a:schemeClr>
+            </a:gs>
+          </a:gsLst>
+          <a:path path="circle">
+            <a:fillToRect l="50000" t="50000" r="50000" b="50000"/>
+          </a:path>
+        </a:gradFill>
+      </a:bgFillStyleLst>
+    </a:fmtScheme>
+  </a:themeElements>
+  <a:objectDefaults/>
+  <a:extraClrSchemeLst/>
+</a:theme>
+</file>
+
+<file path=ppt/theme/theme2.xml><?xml version="1.0" encoding="utf-8"?>
+<a:theme xmlns:a="http://schemas.openxmlformats.org/drawingml/2006/main" name="simple-light-2">
   <a:themeElements>
     <a:clrScheme name="Simple Light">
       <a:dk1>
@@ -11981,11 +12651,13 @@
       </a:bgFillStyleLst>
     </a:fmtScheme>
   </a:themeElements>
+  <a:objectDefaults/>
+  <a:extraClrSchemeLst/>
 </a:theme>
 </file>
 
-<file path=ppt/theme/theme2.xml><?xml version="1.0" encoding="utf-8"?>
-<a:theme xmlns:a="http://schemas.openxmlformats.org/drawingml/2006/main" xmlns:r="http://schemas.openxmlformats.org/officeDocument/2006/relationships" name="Custom Theme">
+<file path=ppt/theme/theme3.xml><?xml version="1.0" encoding="utf-8"?>
+<a:theme xmlns:a="http://schemas.openxmlformats.org/drawingml/2006/main" name="Custom Theme">
   <a:themeElements>
     <a:clrScheme name="Default">
       <a:dk1>
@@ -12260,284 +12932,7 @@
       </a:bgFillStyleLst>
     </a:fmtScheme>
   </a:themeElements>
-</a:theme>
-</file>
-
-<file path=ppt/theme/theme3.xml><?xml version="1.0" encoding="utf-8"?>
-<a:theme xmlns:a="http://schemas.openxmlformats.org/drawingml/2006/main" xmlns:r="http://schemas.openxmlformats.org/officeDocument/2006/relationships" name="geometric">
-  <a:themeElements>
-    <a:clrScheme name="Geometric">
-      <a:dk1>
-        <a:srgbClr val="2A3990"/>
-      </a:dk1>
-      <a:lt1>
-        <a:srgbClr val="FFFFFF"/>
-      </a:lt1>
-      <a:dk2>
-        <a:srgbClr val="434343"/>
-      </a:dk2>
-      <a:lt2>
-        <a:srgbClr val="999999"/>
-      </a:lt2>
-      <a:accent1>
-        <a:srgbClr val="212D74"/>
-      </a:accent1>
-      <a:accent2>
-        <a:srgbClr val="3949AB"/>
-      </a:accent2>
-      <a:accent3>
-        <a:srgbClr val="9C254D"/>
-      </a:accent3>
-      <a:accent4>
-        <a:srgbClr val="D23369"/>
-      </a:accent4>
-      <a:accent5>
-        <a:srgbClr val="F06292"/>
-      </a:accent5>
-      <a:accent6>
-        <a:srgbClr val="7890CD"/>
-      </a:accent6>
-      <a:hlink>
-        <a:srgbClr val="F06292"/>
-      </a:hlink>
-      <a:folHlink>
-        <a:srgbClr val="F06292"/>
-      </a:folHlink>
-    </a:clrScheme>
-    <a:fontScheme name="Office">
-      <a:majorFont>
-        <a:latin typeface="Arial"/>
-        <a:ea typeface=""/>
-        <a:cs typeface=""/>
-        <a:font script="Jpan" typeface="ＭＳ Ｐゴシック"/>
-        <a:font script="Hang" typeface="맑은 고딕"/>
-        <a:font script="Hans" typeface="宋体"/>
-        <a:font script="Hant" typeface="新細明體"/>
-        <a:font script="Arab" typeface="Times New Roman"/>
-        <a:font script="Hebr" typeface="Times New Roman"/>
-        <a:font script="Thai" typeface="Angsana New"/>
-        <a:font script="Ethi" typeface="Nyala"/>
-        <a:font script="Beng" typeface="Vrinda"/>
-        <a:font script="Gujr" typeface="Shruti"/>
-        <a:font script="Khmr" typeface="MoolBoran"/>
-        <a:font script="Knda" typeface="Tunga"/>
-        <a:font script="Guru" typeface="Raavi"/>
-        <a:font script="Cans" typeface="Euphemia"/>
-        <a:font script="Cher" typeface="Plantagenet Cherokee"/>
-        <a:font script="Yiii" typeface="Microsoft Yi Baiti"/>
-        <a:font script="Tibt" typeface="Microsoft Himalaya"/>
-        <a:font script="Thaa" typeface="MV Boli"/>
-        <a:font script="Deva" typeface="Mangal"/>
-        <a:font script="Telu" typeface="Gautami"/>
-        <a:font script="Taml" typeface="Latha"/>
-        <a:font script="Syrc" typeface="Estrangelo Edessa"/>
-        <a:font script="Orya" typeface="Kalinga"/>
-        <a:font script="Mlym" typeface="Kartika"/>
-        <a:font script="Laoo" typeface="DokChampa"/>
-        <a:font script="Sinh" typeface="Iskoola Pota"/>
-        <a:font script="Mong" typeface="Mongolian Baiti"/>
-        <a:font script="Viet" typeface="Times New Roman"/>
-        <a:font script="Uigh" typeface="Microsoft Uighur"/>
-        <a:font script="Geor" typeface="Sylfaen"/>
-      </a:majorFont>
-      <a:minorFont>
-        <a:latin typeface="Arial"/>
-        <a:ea typeface=""/>
-        <a:cs typeface=""/>
-        <a:font script="Jpan" typeface="ＭＳ Ｐゴシック"/>
-        <a:font script="Hang" typeface="맑은 고딕"/>
-        <a:font script="Hans" typeface="宋体"/>
-        <a:font script="Hant" typeface="新細明體"/>
-        <a:font script="Arab" typeface="Arial"/>
-        <a:font script="Hebr" typeface="Arial"/>
-        <a:font script="Thai" typeface="Cordia New"/>
-        <a:font script="Ethi" typeface="Nyala"/>
-        <a:font script="Beng" typeface="Vrinda"/>
-        <a:font script="Gujr" typeface="Shruti"/>
-        <a:font script="Khmr" typeface="DaunPenh"/>
-        <a:font script="Knda" typeface="Tunga"/>
-        <a:font script="Guru" typeface="Raavi"/>
-        <a:font script="Cans" typeface="Euphemia"/>
-        <a:font script="Cher" typeface="Plantagenet Cherokee"/>
-        <a:font script="Yiii" typeface="Microsoft Yi Baiti"/>
-        <a:font script="Tibt" typeface="Microsoft Himalaya"/>
-        <a:font script="Thaa" typeface="MV Boli"/>
-        <a:font script="Deva" typeface="Mangal"/>
-        <a:font script="Telu" typeface="Gautami"/>
-        <a:font script="Taml" typeface="Latha"/>
-        <a:font script="Syrc" typeface="Estrangelo Edessa"/>
-        <a:font script="Orya" typeface="Kalinga"/>
-        <a:font script="Mlym" typeface="Kartika"/>
-        <a:font script="Laoo" typeface="DokChampa"/>
-        <a:font script="Sinh" typeface="Iskoola Pota"/>
-        <a:font script="Mong" typeface="Mongolian Baiti"/>
-        <a:font script="Viet" typeface="Arial"/>
-        <a:font script="Uigh" typeface="Microsoft Uighur"/>
-        <a:font script="Geor" typeface="Sylfaen"/>
-      </a:minorFont>
-    </a:fontScheme>
-    <a:fmtScheme name="Office">
-      <a:fillStyleLst>
-        <a:solidFill>
-          <a:schemeClr val="phClr"/>
-        </a:solidFill>
-        <a:gradFill rotWithShape="1">
-          <a:gsLst>
-            <a:gs pos="0">
-              <a:schemeClr val="phClr">
-                <a:tint val="50000"/>
-                <a:satMod val="300000"/>
-              </a:schemeClr>
-            </a:gs>
-            <a:gs pos="35000">
-              <a:schemeClr val="phClr">
-                <a:tint val="37000"/>
-                <a:satMod val="300000"/>
-              </a:schemeClr>
-            </a:gs>
-            <a:gs pos="100000">
-              <a:schemeClr val="phClr">
-                <a:tint val="15000"/>
-                <a:satMod val="350000"/>
-              </a:schemeClr>
-            </a:gs>
-          </a:gsLst>
-          <a:lin ang="16200000" scaled="1"/>
-        </a:gradFill>
-        <a:gradFill rotWithShape="1">
-          <a:gsLst>
-            <a:gs pos="0">
-              <a:schemeClr val="phClr">
-                <a:tint val="100000"/>
-                <a:shade val="100000"/>
-                <a:satMod val="130000"/>
-              </a:schemeClr>
-            </a:gs>
-            <a:gs pos="100000">
-              <a:schemeClr val="phClr">
-                <a:tint val="50000"/>
-                <a:shade val="100000"/>
-                <a:satMod val="350000"/>
-              </a:schemeClr>
-            </a:gs>
-          </a:gsLst>
-          <a:lin ang="16200000" scaled="0"/>
-        </a:gradFill>
-      </a:fillStyleLst>
-      <a:lnStyleLst>
-        <a:ln w="9525" cap="flat" cmpd="sng" algn="ctr">
-          <a:solidFill>
-            <a:schemeClr val="phClr">
-              <a:shade val="95000"/>
-              <a:satMod val="105000"/>
-            </a:schemeClr>
-          </a:solidFill>
-          <a:prstDash val="solid"/>
-        </a:ln>
-        <a:ln w="25400" cap="flat" cmpd="sng" algn="ctr">
-          <a:solidFill>
-            <a:schemeClr val="phClr"/>
-          </a:solidFill>
-          <a:prstDash val="solid"/>
-        </a:ln>
-        <a:ln w="38100" cap="flat" cmpd="sng" algn="ctr">
-          <a:solidFill>
-            <a:schemeClr val="phClr"/>
-          </a:solidFill>
-          <a:prstDash val="solid"/>
-        </a:ln>
-      </a:lnStyleLst>
-      <a:effectStyleLst>
-        <a:effectStyle>
-          <a:effectLst>
-            <a:outerShdw blurRad="40000" dist="20000" dir="5400000" rotWithShape="0">
-              <a:srgbClr val="000000">
-                <a:alpha val="38000"/>
-              </a:srgbClr>
-            </a:outerShdw>
-          </a:effectLst>
-        </a:effectStyle>
-        <a:effectStyle>
-          <a:effectLst>
-            <a:outerShdw blurRad="40000" dist="23000" dir="5400000" rotWithShape="0">
-              <a:srgbClr val="000000">
-                <a:alpha val="35000"/>
-              </a:srgbClr>
-            </a:outerShdw>
-          </a:effectLst>
-        </a:effectStyle>
-        <a:effectStyle>
-          <a:effectLst>
-            <a:outerShdw blurRad="40000" dist="23000" dir="5400000" rotWithShape="0">
-              <a:srgbClr val="000000">
-                <a:alpha val="35000"/>
-              </a:srgbClr>
-            </a:outerShdw>
-          </a:effectLst>
-          <a:scene3d>
-            <a:camera prst="orthographicFront">
-              <a:rot lat="0" lon="0" rev="0"/>
-            </a:camera>
-            <a:lightRig rig="threePt" dir="t">
-              <a:rot lat="0" lon="0" rev="1200000"/>
-            </a:lightRig>
-          </a:scene3d>
-          <a:sp3d>
-            <a:bevelT w="63500" h="25400"/>
-          </a:sp3d>
-        </a:effectStyle>
-      </a:effectStyleLst>
-      <a:bgFillStyleLst>
-        <a:solidFill>
-          <a:schemeClr val="phClr"/>
-        </a:solidFill>
-        <a:gradFill rotWithShape="1">
-          <a:gsLst>
-            <a:gs pos="0">
-              <a:schemeClr val="phClr">
-                <a:tint val="40000"/>
-                <a:satMod val="350000"/>
-              </a:schemeClr>
-            </a:gs>
-            <a:gs pos="40000">
-              <a:schemeClr val="phClr">
-                <a:tint val="45000"/>
-                <a:shade val="99000"/>
-                <a:satMod val="350000"/>
-              </a:schemeClr>
-            </a:gs>
-            <a:gs pos="100000">
-              <a:schemeClr val="phClr">
-                <a:shade val="20000"/>
-                <a:satMod val="255000"/>
-              </a:schemeClr>
-            </a:gs>
-          </a:gsLst>
-          <a:path path="circle">
-            <a:fillToRect l="50000" t="-80000" r="50000" b="180000"/>
-          </a:path>
-        </a:gradFill>
-        <a:gradFill rotWithShape="1">
-          <a:gsLst>
-            <a:gs pos="0">
-              <a:schemeClr val="phClr">
-                <a:tint val="80000"/>
-                <a:satMod val="300000"/>
-              </a:schemeClr>
-            </a:gs>
-            <a:gs pos="100000">
-              <a:schemeClr val="phClr">
-                <a:shade val="30000"/>
-                <a:satMod val="200000"/>
-              </a:schemeClr>
-            </a:gs>
-          </a:gsLst>
-          <a:path path="circle">
-            <a:fillToRect l="50000" t="50000" r="50000" b="50000"/>
-          </a:path>
-        </a:gradFill>
-      </a:bgFillStyleLst>
-    </a:fmtScheme>
-  </a:themeElements>
+  <a:objectDefaults/>
+  <a:extraClrSchemeLst/>
 </a:theme>
 </file>